--- a/materials/slides/ch09-process-managment.pptx
+++ b/materials/slides/ch09-process-managment.pptx
@@ -217,7 +217,7 @@
           <a:p>
             <a:fld id="{63DAD2C7-54B1-4174-A5D2-CBE95009A0E6}" type="datetimeFigureOut">
               <a:rPr lang="zh-CN" altLang="en-US" smtClean="0"/>
-              <a:t>2018/2/27</a:t>
+              <a:t>2018/3/1</a:t>
             </a:fld>
             <a:endParaRPr lang="zh-CN" altLang="en-US"/>
           </a:p>
@@ -807,7 +807,7 @@
           <a:p>
             <a:fld id="{02E60DA2-A0BC-48C9-AA88-75C78721B420}" type="datetimeFigureOut">
               <a:rPr lang="zh-CN" altLang="en-US" smtClean="0"/>
-              <a:t>2018/2/27</a:t>
+              <a:t>2018/3/1</a:t>
             </a:fld>
             <a:endParaRPr lang="zh-CN" altLang="en-US"/>
           </a:p>
@@ -1029,7 +1029,7 @@
           <a:p>
             <a:fld id="{02E60DA2-A0BC-48C9-AA88-75C78721B420}" type="datetimeFigureOut">
               <a:rPr lang="zh-CN" altLang="en-US" smtClean="0"/>
-              <a:t>2018/2/27</a:t>
+              <a:t>2018/3/1</a:t>
             </a:fld>
             <a:endParaRPr lang="zh-CN" altLang="en-US"/>
           </a:p>
@@ -1261,7 +1261,7 @@
           <a:p>
             <a:fld id="{02E60DA2-A0BC-48C9-AA88-75C78721B420}" type="datetimeFigureOut">
               <a:rPr lang="zh-CN" altLang="en-US" smtClean="0"/>
-              <a:t>2018/2/27</a:t>
+              <a:t>2018/3/1</a:t>
             </a:fld>
             <a:endParaRPr lang="zh-CN" altLang="en-US"/>
           </a:p>
@@ -1511,7 +1511,7 @@
           <a:p>
             <a:fld id="{02E60DA2-A0BC-48C9-AA88-75C78721B420}" type="datetimeFigureOut">
               <a:rPr lang="zh-CN" altLang="en-US" smtClean="0"/>
-              <a:t>2018/2/27</a:t>
+              <a:t>2018/3/1</a:t>
             </a:fld>
             <a:endParaRPr lang="zh-CN" altLang="en-US"/>
           </a:p>
@@ -1749,7 +1749,7 @@
           <a:p>
             <a:fld id="{02E60DA2-A0BC-48C9-AA88-75C78721B420}" type="datetimeFigureOut">
               <a:rPr lang="zh-CN" altLang="en-US" smtClean="0"/>
-              <a:t>2018/2/27</a:t>
+              <a:t>2018/3/1</a:t>
             </a:fld>
             <a:endParaRPr lang="zh-CN" altLang="en-US"/>
           </a:p>
@@ -2054,7 +2054,7 @@
           <a:p>
             <a:fld id="{02E60DA2-A0BC-48C9-AA88-75C78721B420}" type="datetimeFigureOut">
               <a:rPr lang="zh-CN" altLang="en-US" smtClean="0"/>
-              <a:t>2018/2/27</a:t>
+              <a:t>2018/3/1</a:t>
             </a:fld>
             <a:endParaRPr lang="zh-CN" altLang="en-US"/>
           </a:p>
@@ -2357,7 +2357,7 @@
           <a:p>
             <a:fld id="{02E60DA2-A0BC-48C9-AA88-75C78721B420}" type="datetimeFigureOut">
               <a:rPr lang="zh-CN" altLang="en-US" smtClean="0"/>
-              <a:t>2018/2/27</a:t>
+              <a:t>2018/3/1</a:t>
             </a:fld>
             <a:endParaRPr lang="zh-CN" altLang="en-US"/>
           </a:p>
@@ -2808,7 +2808,7 @@
           <a:p>
             <a:fld id="{02E60DA2-A0BC-48C9-AA88-75C78721B420}" type="datetimeFigureOut">
               <a:rPr lang="zh-CN" altLang="en-US" smtClean="0"/>
-              <a:t>2018/2/27</a:t>
+              <a:t>2018/3/1</a:t>
             </a:fld>
             <a:endParaRPr lang="zh-CN" altLang="en-US"/>
           </a:p>
@@ -2981,7 +2981,7 @@
           <a:p>
             <a:fld id="{02E60DA2-A0BC-48C9-AA88-75C78721B420}" type="datetimeFigureOut">
               <a:rPr lang="zh-CN" altLang="en-US" smtClean="0"/>
-              <a:t>2018/2/27</a:t>
+              <a:t>2018/3/1</a:t>
             </a:fld>
             <a:endParaRPr lang="zh-CN" altLang="en-US"/>
           </a:p>
@@ -3118,7 +3118,7 @@
           <a:p>
             <a:fld id="{02E60DA2-A0BC-48C9-AA88-75C78721B420}" type="datetimeFigureOut">
               <a:rPr lang="zh-CN" altLang="en-US" smtClean="0"/>
-              <a:t>2018/2/27</a:t>
+              <a:t>2018/3/1</a:t>
             </a:fld>
             <a:endParaRPr lang="zh-CN" altLang="en-US"/>
           </a:p>
@@ -3462,7 +3462,7 @@
           <a:p>
             <a:fld id="{02E60DA2-A0BC-48C9-AA88-75C78721B420}" type="datetimeFigureOut">
               <a:rPr lang="zh-CN" altLang="en-US" smtClean="0"/>
-              <a:t>2018/2/27</a:t>
+              <a:t>2018/3/1</a:t>
             </a:fld>
             <a:endParaRPr lang="zh-CN" altLang="en-US"/>
           </a:p>
@@ -3684,7 +3684,7 @@
           <a:p>
             <a:fld id="{02E60DA2-A0BC-48C9-AA88-75C78721B420}" type="datetimeFigureOut">
               <a:rPr lang="zh-CN" altLang="en-US" smtClean="0"/>
-              <a:t>2018/2/27</a:t>
+              <a:t>2018/3/1</a:t>
             </a:fld>
             <a:endParaRPr lang="zh-CN" altLang="en-US"/>
           </a:p>
@@ -4005,7 +4005,7 @@
           <a:p>
             <a:fld id="{02E60DA2-A0BC-48C9-AA88-75C78721B420}" type="datetimeFigureOut">
               <a:rPr lang="zh-CN" altLang="en-US" smtClean="0"/>
-              <a:t>2018/2/27</a:t>
+              <a:t>2018/3/1</a:t>
             </a:fld>
             <a:endParaRPr lang="zh-CN" altLang="en-US"/>
           </a:p>
@@ -4243,7 +4243,7 @@
           <a:p>
             <a:fld id="{02E60DA2-A0BC-48C9-AA88-75C78721B420}" type="datetimeFigureOut">
               <a:rPr lang="zh-CN" altLang="en-US" smtClean="0"/>
-              <a:t>2018/2/27</a:t>
+              <a:t>2018/3/1</a:t>
             </a:fld>
             <a:endParaRPr lang="zh-CN" altLang="en-US"/>
           </a:p>
@@ -4481,7 +4481,7 @@
           <a:p>
             <a:fld id="{02E60DA2-A0BC-48C9-AA88-75C78721B420}" type="datetimeFigureOut">
               <a:rPr lang="zh-CN" altLang="en-US" smtClean="0"/>
-              <a:t>2018/2/27</a:t>
+              <a:t>2018/3/1</a:t>
             </a:fld>
             <a:endParaRPr lang="zh-CN" altLang="en-US"/>
           </a:p>
@@ -4780,7 +4780,7 @@
           <a:p>
             <a:fld id="{02E60DA2-A0BC-48C9-AA88-75C78721B420}" type="datetimeFigureOut">
               <a:rPr lang="zh-CN" altLang="en-US" smtClean="0"/>
-              <a:t>2018/2/27</a:t>
+              <a:t>2018/3/1</a:t>
             </a:fld>
             <a:endParaRPr lang="zh-CN" altLang="en-US"/>
           </a:p>
@@ -5069,7 +5069,7 @@
           <a:p>
             <a:fld id="{02E60DA2-A0BC-48C9-AA88-75C78721B420}" type="datetimeFigureOut">
               <a:rPr lang="zh-CN" altLang="en-US" smtClean="0"/>
-              <a:t>2018/2/27</a:t>
+              <a:t>2018/3/1</a:t>
             </a:fld>
             <a:endParaRPr lang="zh-CN" altLang="en-US"/>
           </a:p>
@@ -5505,7 +5505,7 @@
           <a:p>
             <a:fld id="{02E60DA2-A0BC-48C9-AA88-75C78721B420}" type="datetimeFigureOut">
               <a:rPr lang="zh-CN" altLang="en-US" smtClean="0"/>
-              <a:t>2018/2/27</a:t>
+              <a:t>2018/3/1</a:t>
             </a:fld>
             <a:endParaRPr lang="zh-CN" altLang="en-US"/>
           </a:p>
@@ -5670,7 +5670,7 @@
           <a:p>
             <a:fld id="{02E60DA2-A0BC-48C9-AA88-75C78721B420}" type="datetimeFigureOut">
               <a:rPr lang="zh-CN" altLang="en-US" smtClean="0"/>
-              <a:t>2018/2/27</a:t>
+              <a:t>2018/3/1</a:t>
             </a:fld>
             <a:endParaRPr lang="zh-CN" altLang="en-US"/>
           </a:p>
@@ -5807,7 +5807,7 @@
           <a:p>
             <a:fld id="{02E60DA2-A0BC-48C9-AA88-75C78721B420}" type="datetimeFigureOut">
               <a:rPr lang="zh-CN" altLang="en-US" smtClean="0"/>
-              <a:t>2018/2/27</a:t>
+              <a:t>2018/3/1</a:t>
             </a:fld>
             <a:endParaRPr lang="zh-CN" altLang="en-US"/>
           </a:p>
@@ -6142,7 +6142,7 @@
           <a:p>
             <a:fld id="{02E60DA2-A0BC-48C9-AA88-75C78721B420}" type="datetimeFigureOut">
               <a:rPr lang="zh-CN" altLang="en-US" smtClean="0"/>
-              <a:t>2018/2/27</a:t>
+              <a:t>2018/3/1</a:t>
             </a:fld>
             <a:endParaRPr lang="zh-CN" altLang="en-US"/>
           </a:p>
@@ -6454,7 +6454,7 @@
           <a:p>
             <a:fld id="{02E60DA2-A0BC-48C9-AA88-75C78721B420}" type="datetimeFigureOut">
               <a:rPr lang="zh-CN" altLang="en-US" smtClean="0"/>
-              <a:t>2018/2/27</a:t>
+              <a:t>2018/3/1</a:t>
             </a:fld>
             <a:endParaRPr lang="zh-CN" altLang="en-US"/>
           </a:p>
@@ -7674,7 +7674,7 @@
           <a:p>
             <a:r>
               <a:rPr lang="zh-CN" altLang="en-US" dirty="0"/>
-              <a:t>进程</a:t>
+              <a:t>进程基本介绍</a:t>
             </a:r>
           </a:p>
         </p:txBody>
@@ -7723,6 +7723,9 @@
             <a:endParaRPr lang="en-US" altLang="zh-CN" sz="2000" dirty="0"/>
           </a:p>
           <a:p>
+            <a:endParaRPr lang="en-US" altLang="zh-CN" sz="2000" dirty="0"/>
+          </a:p>
+          <a:p>
             <a:r>
               <a:rPr lang="zh-CN" altLang="en-US" sz="2000" dirty="0"/>
               <a:t>父进程：如果进程</a:t>
@@ -7778,6 +7781,9 @@
             <a:endParaRPr lang="en-US" altLang="zh-CN" sz="2000" dirty="0"/>
           </a:p>
           <a:p>
+            <a:endParaRPr lang="en-US" altLang="zh-CN" sz="2000" dirty="0"/>
+          </a:p>
+          <a:p>
             <a:r>
               <a:rPr lang="en-US" altLang="zh-CN" sz="2000" dirty="0"/>
               <a:t>PPID</a:t>
@@ -7794,6 +7800,9 @@
               <a:rPr lang="zh-CN" altLang="en-US" sz="2000" dirty="0"/>
               <a:t>。</a:t>
             </a:r>
+            <a:endParaRPr lang="en-US" altLang="zh-CN" sz="2000" dirty="0"/>
+          </a:p>
+          <a:p>
             <a:endParaRPr lang="en-US" altLang="zh-CN" sz="2000" dirty="0"/>
           </a:p>
           <a:p>
@@ -8020,6 +8029,9 @@
             <a:endParaRPr lang="en-US" altLang="zh-CN" sz="2000" dirty="0"/>
           </a:p>
           <a:p>
+            <a:endParaRPr lang="en-US" altLang="zh-CN" sz="2000" dirty="0"/>
+          </a:p>
+          <a:p>
             <a:r>
               <a:rPr lang="en-US" altLang="zh-CN" sz="2000" dirty="0"/>
               <a:t>EUID</a:t>
@@ -8076,6 +8088,9 @@
               <a:rPr lang="zh-CN" altLang="en-US" sz="2000" dirty="0"/>
               <a:t>赋予进程相应的权限。</a:t>
             </a:r>
+            <a:endParaRPr lang="en-US" altLang="zh-CN" sz="2000" dirty="0"/>
+          </a:p>
+          <a:p>
             <a:endParaRPr lang="en-US" altLang="zh-CN" sz="2000" dirty="0"/>
           </a:p>
           <a:p>
@@ -8800,7 +8815,15 @@
             </a:r>
             <a:r>
               <a:rPr lang="en-US" altLang="zh-CN" sz="2000" dirty="0"/>
-              <a:t>    -lux //</a:t>
+              <a:t>    -</a:t>
+            </a:r>
+            <a:r>
+              <a:rPr lang="en-US" altLang="zh-CN" sz="2000" dirty="0" err="1"/>
+              <a:t>lu</a:t>
+            </a:r>
+            <a:r>
+              <a:rPr lang="en-US" altLang="zh-CN" sz="2000" dirty="0"/>
+              <a:t>  [USERNAME] //</a:t>
             </a:r>
             <a:r>
               <a:rPr lang="zh-CN" altLang="en-US" sz="2000" dirty="0"/>
@@ -8823,8 +8846,34 @@
               <a:t>  -aux</a:t>
             </a:r>
             <a:r>
+              <a:rPr lang="zh-CN" altLang="en-US" sz="2000"/>
+              <a:t>要高</a:t>
+            </a:r>
+            <a:endParaRPr lang="en-US" altLang="zh-CN" sz="2000" dirty="0"/>
+          </a:p>
+          <a:p>
+            <a:pPr marL="457200" lvl="1" indent="0">
+              <a:buNone/>
+            </a:pPr>
+            <a:r>
+              <a:rPr lang="en-US" altLang="zh-CN" sz="2000" dirty="0" err="1"/>
+              <a:t>ps</a:t>
+            </a:r>
+            <a:r>
+              <a:rPr lang="en-US" altLang="zh-CN" sz="2000" dirty="0"/>
+              <a:t> –</a:t>
+            </a:r>
+            <a:r>
+              <a:rPr lang="en-US" altLang="zh-CN" sz="2000" dirty="0" err="1"/>
+              <a:t>ejH</a:t>
+            </a:r>
+            <a:r>
+              <a:rPr lang="en-US" altLang="zh-CN" sz="2000" dirty="0"/>
+              <a:t>  </a:t>
+            </a:r>
+            <a:r>
               <a:rPr lang="zh-CN" altLang="en-US" sz="2000" dirty="0"/>
-              <a:t>要高。</a:t>
+              <a:t>显示进程树</a:t>
             </a:r>
             <a:endParaRPr lang="en-US" altLang="zh-CN" sz="2000" dirty="0"/>
           </a:p>
@@ -8860,6 +8909,9 @@
             <a:endParaRPr lang="en-US" altLang="zh-CN" sz="2000" dirty="0"/>
           </a:p>
           <a:p>
+            <a:endParaRPr lang="en-US" altLang="zh-CN" sz="2000" dirty="0"/>
+          </a:p>
+          <a:p>
             <a:r>
               <a:rPr lang="zh-CN" altLang="en-US" sz="2000" dirty="0"/>
               <a:t>分页查看进程信息： </a:t>
@@ -8874,10 +8926,29 @@
             </a:r>
           </a:p>
           <a:p>
-            <a:pPr marL="0" indent="0">
-              <a:buNone/>
-            </a:pPr>
             <a:endParaRPr lang="en-US" altLang="zh-CN" sz="2000" dirty="0"/>
+          </a:p>
+          <a:p>
+            <a:r>
+              <a:rPr lang="zh-CN" altLang="en-US" sz="2000" dirty="0"/>
+              <a:t>按列显示：</a:t>
+            </a:r>
+            <a:r>
+              <a:rPr lang="en-US" altLang="zh-CN" sz="2000" dirty="0" err="1"/>
+              <a:t>ps</a:t>
+            </a:r>
+            <a:r>
+              <a:rPr lang="en-US" altLang="zh-CN" sz="2000" dirty="0"/>
+              <a:t>  -o </a:t>
+            </a:r>
+            <a:r>
+              <a:rPr lang="en-US" altLang="zh-CN" sz="2000" dirty="0" err="1"/>
+              <a:t>user,pid,ppid,tty,comm,args</a:t>
+            </a:r>
+            <a:r>
+              <a:rPr lang="en-US" altLang="zh-CN" sz="2000" dirty="0"/>
+              <a:t>  -e</a:t>
+            </a:r>
           </a:p>
         </p:txBody>
       </p:sp>
@@ -8981,6 +9052,9 @@
             <a:endParaRPr lang="en-US" altLang="zh-CN" sz="2000" dirty="0"/>
           </a:p>
           <a:p>
+            <a:endParaRPr lang="en-US" altLang="zh-CN" sz="2000" dirty="0"/>
+          </a:p>
+          <a:p>
             <a:r>
               <a:rPr lang="zh-CN" altLang="en-US" sz="2000" dirty="0"/>
               <a:t>使用方式： </a:t>
@@ -9060,6 +9134,12 @@
               <a:rPr lang="zh-CN" altLang="en-US" sz="2000" dirty="0"/>
               <a:t>。</a:t>
             </a:r>
+            <a:endParaRPr lang="en-US" altLang="zh-CN" sz="2000" dirty="0"/>
+          </a:p>
+          <a:p>
+            <a:pPr marL="457200" lvl="1" indent="0">
+              <a:buNone/>
+            </a:pPr>
             <a:endParaRPr lang="en-US" altLang="zh-CN" sz="2000" dirty="0"/>
           </a:p>
           <a:p>

--- a/materials/slides/ch09-process-managment.pptx
+++ b/materials/slides/ch09-process-managment.pptx
@@ -217,7 +217,7 @@
           <a:p>
             <a:fld id="{63DAD2C7-54B1-4174-A5D2-CBE95009A0E6}" type="datetimeFigureOut">
               <a:rPr lang="zh-CN" altLang="en-US" smtClean="0"/>
-              <a:t>2018/3/1</a:t>
+              <a:t>2018/3/3</a:t>
             </a:fld>
             <a:endParaRPr lang="zh-CN" altLang="en-US"/>
           </a:p>
@@ -807,7 +807,7 @@
           <a:p>
             <a:fld id="{02E60DA2-A0BC-48C9-AA88-75C78721B420}" type="datetimeFigureOut">
               <a:rPr lang="zh-CN" altLang="en-US" smtClean="0"/>
-              <a:t>2018/3/1</a:t>
+              <a:t>2018/3/3</a:t>
             </a:fld>
             <a:endParaRPr lang="zh-CN" altLang="en-US"/>
           </a:p>
@@ -1029,7 +1029,7 @@
           <a:p>
             <a:fld id="{02E60DA2-A0BC-48C9-AA88-75C78721B420}" type="datetimeFigureOut">
               <a:rPr lang="zh-CN" altLang="en-US" smtClean="0"/>
-              <a:t>2018/3/1</a:t>
+              <a:t>2018/3/3</a:t>
             </a:fld>
             <a:endParaRPr lang="zh-CN" altLang="en-US"/>
           </a:p>
@@ -1261,7 +1261,7 @@
           <a:p>
             <a:fld id="{02E60DA2-A0BC-48C9-AA88-75C78721B420}" type="datetimeFigureOut">
               <a:rPr lang="zh-CN" altLang="en-US" smtClean="0"/>
-              <a:t>2018/3/1</a:t>
+              <a:t>2018/3/3</a:t>
             </a:fld>
             <a:endParaRPr lang="zh-CN" altLang="en-US"/>
           </a:p>
@@ -1511,7 +1511,7 @@
           <a:p>
             <a:fld id="{02E60DA2-A0BC-48C9-AA88-75C78721B420}" type="datetimeFigureOut">
               <a:rPr lang="zh-CN" altLang="en-US" smtClean="0"/>
-              <a:t>2018/3/1</a:t>
+              <a:t>2018/3/3</a:t>
             </a:fld>
             <a:endParaRPr lang="zh-CN" altLang="en-US"/>
           </a:p>
@@ -1749,7 +1749,7 @@
           <a:p>
             <a:fld id="{02E60DA2-A0BC-48C9-AA88-75C78721B420}" type="datetimeFigureOut">
               <a:rPr lang="zh-CN" altLang="en-US" smtClean="0"/>
-              <a:t>2018/3/1</a:t>
+              <a:t>2018/3/3</a:t>
             </a:fld>
             <a:endParaRPr lang="zh-CN" altLang="en-US"/>
           </a:p>
@@ -2054,7 +2054,7 @@
           <a:p>
             <a:fld id="{02E60DA2-A0BC-48C9-AA88-75C78721B420}" type="datetimeFigureOut">
               <a:rPr lang="zh-CN" altLang="en-US" smtClean="0"/>
-              <a:t>2018/3/1</a:t>
+              <a:t>2018/3/3</a:t>
             </a:fld>
             <a:endParaRPr lang="zh-CN" altLang="en-US"/>
           </a:p>
@@ -2357,7 +2357,7 @@
           <a:p>
             <a:fld id="{02E60DA2-A0BC-48C9-AA88-75C78721B420}" type="datetimeFigureOut">
               <a:rPr lang="zh-CN" altLang="en-US" smtClean="0"/>
-              <a:t>2018/3/1</a:t>
+              <a:t>2018/3/3</a:t>
             </a:fld>
             <a:endParaRPr lang="zh-CN" altLang="en-US"/>
           </a:p>
@@ -2808,7 +2808,7 @@
           <a:p>
             <a:fld id="{02E60DA2-A0BC-48C9-AA88-75C78721B420}" type="datetimeFigureOut">
               <a:rPr lang="zh-CN" altLang="en-US" smtClean="0"/>
-              <a:t>2018/3/1</a:t>
+              <a:t>2018/3/3</a:t>
             </a:fld>
             <a:endParaRPr lang="zh-CN" altLang="en-US"/>
           </a:p>
@@ -2981,7 +2981,7 @@
           <a:p>
             <a:fld id="{02E60DA2-A0BC-48C9-AA88-75C78721B420}" type="datetimeFigureOut">
               <a:rPr lang="zh-CN" altLang="en-US" smtClean="0"/>
-              <a:t>2018/3/1</a:t>
+              <a:t>2018/3/3</a:t>
             </a:fld>
             <a:endParaRPr lang="zh-CN" altLang="en-US"/>
           </a:p>
@@ -3118,7 +3118,7 @@
           <a:p>
             <a:fld id="{02E60DA2-A0BC-48C9-AA88-75C78721B420}" type="datetimeFigureOut">
               <a:rPr lang="zh-CN" altLang="en-US" smtClean="0"/>
-              <a:t>2018/3/1</a:t>
+              <a:t>2018/3/3</a:t>
             </a:fld>
             <a:endParaRPr lang="zh-CN" altLang="en-US"/>
           </a:p>
@@ -3462,7 +3462,7 @@
           <a:p>
             <a:fld id="{02E60DA2-A0BC-48C9-AA88-75C78721B420}" type="datetimeFigureOut">
               <a:rPr lang="zh-CN" altLang="en-US" smtClean="0"/>
-              <a:t>2018/3/1</a:t>
+              <a:t>2018/3/3</a:t>
             </a:fld>
             <a:endParaRPr lang="zh-CN" altLang="en-US"/>
           </a:p>
@@ -3684,7 +3684,7 @@
           <a:p>
             <a:fld id="{02E60DA2-A0BC-48C9-AA88-75C78721B420}" type="datetimeFigureOut">
               <a:rPr lang="zh-CN" altLang="en-US" smtClean="0"/>
-              <a:t>2018/3/1</a:t>
+              <a:t>2018/3/3</a:t>
             </a:fld>
             <a:endParaRPr lang="zh-CN" altLang="en-US"/>
           </a:p>
@@ -4005,7 +4005,7 @@
           <a:p>
             <a:fld id="{02E60DA2-A0BC-48C9-AA88-75C78721B420}" type="datetimeFigureOut">
               <a:rPr lang="zh-CN" altLang="en-US" smtClean="0"/>
-              <a:t>2018/3/1</a:t>
+              <a:t>2018/3/3</a:t>
             </a:fld>
             <a:endParaRPr lang="zh-CN" altLang="en-US"/>
           </a:p>
@@ -4243,7 +4243,7 @@
           <a:p>
             <a:fld id="{02E60DA2-A0BC-48C9-AA88-75C78721B420}" type="datetimeFigureOut">
               <a:rPr lang="zh-CN" altLang="en-US" smtClean="0"/>
-              <a:t>2018/3/1</a:t>
+              <a:t>2018/3/3</a:t>
             </a:fld>
             <a:endParaRPr lang="zh-CN" altLang="en-US"/>
           </a:p>
@@ -4481,7 +4481,7 @@
           <a:p>
             <a:fld id="{02E60DA2-A0BC-48C9-AA88-75C78721B420}" type="datetimeFigureOut">
               <a:rPr lang="zh-CN" altLang="en-US" smtClean="0"/>
-              <a:t>2018/3/1</a:t>
+              <a:t>2018/3/3</a:t>
             </a:fld>
             <a:endParaRPr lang="zh-CN" altLang="en-US"/>
           </a:p>
@@ -4780,7 +4780,7 @@
           <a:p>
             <a:fld id="{02E60DA2-A0BC-48C9-AA88-75C78721B420}" type="datetimeFigureOut">
               <a:rPr lang="zh-CN" altLang="en-US" smtClean="0"/>
-              <a:t>2018/3/1</a:t>
+              <a:t>2018/3/3</a:t>
             </a:fld>
             <a:endParaRPr lang="zh-CN" altLang="en-US"/>
           </a:p>
@@ -5069,7 +5069,7 @@
           <a:p>
             <a:fld id="{02E60DA2-A0BC-48C9-AA88-75C78721B420}" type="datetimeFigureOut">
               <a:rPr lang="zh-CN" altLang="en-US" smtClean="0"/>
-              <a:t>2018/3/1</a:t>
+              <a:t>2018/3/3</a:t>
             </a:fld>
             <a:endParaRPr lang="zh-CN" altLang="en-US"/>
           </a:p>
@@ -5505,7 +5505,7 @@
           <a:p>
             <a:fld id="{02E60DA2-A0BC-48C9-AA88-75C78721B420}" type="datetimeFigureOut">
               <a:rPr lang="zh-CN" altLang="en-US" smtClean="0"/>
-              <a:t>2018/3/1</a:t>
+              <a:t>2018/3/3</a:t>
             </a:fld>
             <a:endParaRPr lang="zh-CN" altLang="en-US"/>
           </a:p>
@@ -5670,7 +5670,7 @@
           <a:p>
             <a:fld id="{02E60DA2-A0BC-48C9-AA88-75C78721B420}" type="datetimeFigureOut">
               <a:rPr lang="zh-CN" altLang="en-US" smtClean="0"/>
-              <a:t>2018/3/1</a:t>
+              <a:t>2018/3/3</a:t>
             </a:fld>
             <a:endParaRPr lang="zh-CN" altLang="en-US"/>
           </a:p>
@@ -5807,7 +5807,7 @@
           <a:p>
             <a:fld id="{02E60DA2-A0BC-48C9-AA88-75C78721B420}" type="datetimeFigureOut">
               <a:rPr lang="zh-CN" altLang="en-US" smtClean="0"/>
-              <a:t>2018/3/1</a:t>
+              <a:t>2018/3/3</a:t>
             </a:fld>
             <a:endParaRPr lang="zh-CN" altLang="en-US"/>
           </a:p>
@@ -6142,7 +6142,7 @@
           <a:p>
             <a:fld id="{02E60DA2-A0BC-48C9-AA88-75C78721B420}" type="datetimeFigureOut">
               <a:rPr lang="zh-CN" altLang="en-US" smtClean="0"/>
-              <a:t>2018/3/1</a:t>
+              <a:t>2018/3/3</a:t>
             </a:fld>
             <a:endParaRPr lang="zh-CN" altLang="en-US"/>
           </a:p>
@@ -6454,7 +6454,7 @@
           <a:p>
             <a:fld id="{02E60DA2-A0BC-48C9-AA88-75C78721B420}" type="datetimeFigureOut">
               <a:rPr lang="zh-CN" altLang="en-US" smtClean="0"/>
-              <a:t>2018/3/1</a:t>
+              <a:t>2018/3/3</a:t>
             </a:fld>
             <a:endParaRPr lang="zh-CN" altLang="en-US"/>
           </a:p>
@@ -7601,22 +7601,15 @@
           <a:lstStyle/>
           <a:p>
             <a:r>
-              <a:rPr lang="zh-CN" altLang="en-US" sz="3600">
+              <a:rPr lang="zh-CN" altLang="en-US" sz="3600" dirty="0">
                 <a:solidFill>
-                  <a:schemeClr val="tx2">
-                    <a:lumMod val="50000"/>
+                  <a:schemeClr val="tx1">
+                    <a:lumMod val="95000"/>
+                    <a:lumOff val="5000"/>
                   </a:schemeClr>
                 </a:solidFill>
               </a:rPr>
-              <a:t>第九讲 </a:t>
-            </a:r>
-            <a:r>
-              <a:rPr lang="zh-CN" altLang="en-US" sz="3600" dirty="0">
-                <a:solidFill>
-                  <a:srgbClr val="C00000"/>
-                </a:solidFill>
-              </a:rPr>
-              <a:t>进程管理</a:t>
+              <a:t>第九讲 进程管理</a:t>
             </a:r>
           </a:p>
         </p:txBody>
@@ -8729,7 +8722,7 @@
             </a:r>
             <a:r>
               <a:rPr lang="en-US" altLang="zh-CN" sz="2000" dirty="0"/>
-              <a:t>    -e  //</a:t>
+              <a:t>   -e  //</a:t>
             </a:r>
             <a:r>
               <a:rPr lang="zh-CN" altLang="en-US" sz="2000" dirty="0"/>
@@ -8747,7 +8740,7 @@
             </a:r>
             <a:r>
               <a:rPr lang="en-US" altLang="zh-CN" sz="2000" dirty="0"/>
-              <a:t>    -u  root //</a:t>
+              <a:t>   -u  root //</a:t>
             </a:r>
             <a:r>
               <a:rPr lang="zh-CN" altLang="en-US" sz="2000" dirty="0"/>
@@ -8773,7 +8766,7 @@
             </a:r>
             <a:r>
               <a:rPr lang="en-US" altLang="zh-CN" sz="2000" dirty="0"/>
-              <a:t>    -aux //</a:t>
+              <a:t>   -aux //</a:t>
             </a:r>
             <a:r>
               <a:rPr lang="zh-CN" altLang="en-US" sz="2000" dirty="0"/>
@@ -8793,15 +8786,7 @@
             </a:r>
             <a:r>
               <a:rPr lang="zh-CN" altLang="en-US" sz="2000" dirty="0"/>
-              <a:t>占用，内存占用等，会根据</a:t>
-            </a:r>
-            <a:r>
-              <a:rPr lang="en-US" altLang="zh-CN" sz="2000" dirty="0"/>
-              <a:t>UID</a:t>
-            </a:r>
-            <a:r>
-              <a:rPr lang="zh-CN" altLang="en-US" sz="2000" dirty="0"/>
-              <a:t>转换成用户名。</a:t>
+              <a:t>占用，内存占用等</a:t>
             </a:r>
             <a:endParaRPr lang="en-US" altLang="zh-CN" sz="2000" dirty="0"/>
           </a:p>
@@ -8815,53 +8800,7 @@
             </a:r>
             <a:r>
               <a:rPr lang="en-US" altLang="zh-CN" sz="2000" dirty="0"/>
-              <a:t>    -</a:t>
-            </a:r>
-            <a:r>
-              <a:rPr lang="en-US" altLang="zh-CN" sz="2000" dirty="0" err="1"/>
-              <a:t>lu</a:t>
-            </a:r>
-            <a:r>
-              <a:rPr lang="en-US" altLang="zh-CN" sz="2000" dirty="0"/>
-              <a:t>  [USERNAME] //</a:t>
-            </a:r>
-            <a:r>
-              <a:rPr lang="zh-CN" altLang="en-US" sz="2000" dirty="0"/>
-              <a:t>显示</a:t>
-            </a:r>
-            <a:r>
-              <a:rPr lang="en-US" altLang="zh-CN" sz="2000" dirty="0"/>
-              <a:t>UID</a:t>
-            </a:r>
-            <a:r>
-              <a:rPr lang="zh-CN" altLang="en-US" sz="2000" dirty="0"/>
-              <a:t>信息，不会转换用户名，所以效率上比</a:t>
-            </a:r>
-            <a:r>
-              <a:rPr lang="en-US" altLang="zh-CN" sz="2000" dirty="0" err="1"/>
-              <a:t>ps</a:t>
-            </a:r>
-            <a:r>
-              <a:rPr lang="en-US" altLang="zh-CN" sz="2000" dirty="0"/>
-              <a:t>  -aux</a:t>
-            </a:r>
-            <a:r>
-              <a:rPr lang="zh-CN" altLang="en-US" sz="2000"/>
-              <a:t>要高</a:t>
-            </a:r>
-            <a:endParaRPr lang="en-US" altLang="zh-CN" sz="2000" dirty="0"/>
-          </a:p>
-          <a:p>
-            <a:pPr marL="457200" lvl="1" indent="0">
-              <a:buNone/>
-            </a:pPr>
-            <a:r>
-              <a:rPr lang="en-US" altLang="zh-CN" sz="2000" dirty="0" err="1"/>
-              <a:t>ps</a:t>
-            </a:r>
-            <a:r>
-              <a:rPr lang="en-US" altLang="zh-CN" sz="2000" dirty="0"/>
-              <a:t> –</a:t>
+              <a:t>   -</a:t>
             </a:r>
             <a:r>
               <a:rPr lang="en-US" altLang="zh-CN" sz="2000" dirty="0" err="1"/>
@@ -8875,6 +8814,12 @@
               <a:rPr lang="zh-CN" altLang="en-US" sz="2000" dirty="0"/>
               <a:t>显示进程树</a:t>
             </a:r>
+            <a:endParaRPr lang="en-US" altLang="zh-CN" sz="2000" dirty="0"/>
+          </a:p>
+          <a:p>
+            <a:pPr marL="457200" lvl="1" indent="0">
+              <a:buNone/>
+            </a:pPr>
             <a:endParaRPr lang="en-US" altLang="zh-CN" sz="2000" dirty="0"/>
           </a:p>
           <a:p>

--- a/materials/slides/ch09-process-managment.pptx
+++ b/materials/slides/ch09-process-managment.pptx
@@ -217,7 +217,7 @@
           <a:p>
             <a:fld id="{63DAD2C7-54B1-4174-A5D2-CBE95009A0E6}" type="datetimeFigureOut">
               <a:rPr lang="zh-CN" altLang="en-US" smtClean="0"/>
-              <a:t>2018/3/3</a:t>
+              <a:t>2018/4/26</a:t>
             </a:fld>
             <a:endParaRPr lang="zh-CN" altLang="en-US"/>
           </a:p>
@@ -807,7 +807,7 @@
           <a:p>
             <a:fld id="{02E60DA2-A0BC-48C9-AA88-75C78721B420}" type="datetimeFigureOut">
               <a:rPr lang="zh-CN" altLang="en-US" smtClean="0"/>
-              <a:t>2018/3/3</a:t>
+              <a:t>2018/4/26</a:t>
             </a:fld>
             <a:endParaRPr lang="zh-CN" altLang="en-US"/>
           </a:p>
@@ -1029,7 +1029,7 @@
           <a:p>
             <a:fld id="{02E60DA2-A0BC-48C9-AA88-75C78721B420}" type="datetimeFigureOut">
               <a:rPr lang="zh-CN" altLang="en-US" smtClean="0"/>
-              <a:t>2018/3/3</a:t>
+              <a:t>2018/4/26</a:t>
             </a:fld>
             <a:endParaRPr lang="zh-CN" altLang="en-US"/>
           </a:p>
@@ -1261,7 +1261,7 @@
           <a:p>
             <a:fld id="{02E60DA2-A0BC-48C9-AA88-75C78721B420}" type="datetimeFigureOut">
               <a:rPr lang="zh-CN" altLang="en-US" smtClean="0"/>
-              <a:t>2018/3/3</a:t>
+              <a:t>2018/4/26</a:t>
             </a:fld>
             <a:endParaRPr lang="zh-CN" altLang="en-US"/>
           </a:p>
@@ -1511,7 +1511,7 @@
           <a:p>
             <a:fld id="{02E60DA2-A0BC-48C9-AA88-75C78721B420}" type="datetimeFigureOut">
               <a:rPr lang="zh-CN" altLang="en-US" smtClean="0"/>
-              <a:t>2018/3/3</a:t>
+              <a:t>2018/4/26</a:t>
             </a:fld>
             <a:endParaRPr lang="zh-CN" altLang="en-US"/>
           </a:p>
@@ -1749,7 +1749,7 @@
           <a:p>
             <a:fld id="{02E60DA2-A0BC-48C9-AA88-75C78721B420}" type="datetimeFigureOut">
               <a:rPr lang="zh-CN" altLang="en-US" smtClean="0"/>
-              <a:t>2018/3/3</a:t>
+              <a:t>2018/4/26</a:t>
             </a:fld>
             <a:endParaRPr lang="zh-CN" altLang="en-US"/>
           </a:p>
@@ -2054,7 +2054,7 @@
           <a:p>
             <a:fld id="{02E60DA2-A0BC-48C9-AA88-75C78721B420}" type="datetimeFigureOut">
               <a:rPr lang="zh-CN" altLang="en-US" smtClean="0"/>
-              <a:t>2018/3/3</a:t>
+              <a:t>2018/4/26</a:t>
             </a:fld>
             <a:endParaRPr lang="zh-CN" altLang="en-US"/>
           </a:p>
@@ -2357,7 +2357,7 @@
           <a:p>
             <a:fld id="{02E60DA2-A0BC-48C9-AA88-75C78721B420}" type="datetimeFigureOut">
               <a:rPr lang="zh-CN" altLang="en-US" smtClean="0"/>
-              <a:t>2018/3/3</a:t>
+              <a:t>2018/4/26</a:t>
             </a:fld>
             <a:endParaRPr lang="zh-CN" altLang="en-US"/>
           </a:p>
@@ -2808,7 +2808,7 @@
           <a:p>
             <a:fld id="{02E60DA2-A0BC-48C9-AA88-75C78721B420}" type="datetimeFigureOut">
               <a:rPr lang="zh-CN" altLang="en-US" smtClean="0"/>
-              <a:t>2018/3/3</a:t>
+              <a:t>2018/4/26</a:t>
             </a:fld>
             <a:endParaRPr lang="zh-CN" altLang="en-US"/>
           </a:p>
@@ -2981,7 +2981,7 @@
           <a:p>
             <a:fld id="{02E60DA2-A0BC-48C9-AA88-75C78721B420}" type="datetimeFigureOut">
               <a:rPr lang="zh-CN" altLang="en-US" smtClean="0"/>
-              <a:t>2018/3/3</a:t>
+              <a:t>2018/4/26</a:t>
             </a:fld>
             <a:endParaRPr lang="zh-CN" altLang="en-US"/>
           </a:p>
@@ -3118,7 +3118,7 @@
           <a:p>
             <a:fld id="{02E60DA2-A0BC-48C9-AA88-75C78721B420}" type="datetimeFigureOut">
               <a:rPr lang="zh-CN" altLang="en-US" smtClean="0"/>
-              <a:t>2018/3/3</a:t>
+              <a:t>2018/4/26</a:t>
             </a:fld>
             <a:endParaRPr lang="zh-CN" altLang="en-US"/>
           </a:p>
@@ -3462,7 +3462,7 @@
           <a:p>
             <a:fld id="{02E60DA2-A0BC-48C9-AA88-75C78721B420}" type="datetimeFigureOut">
               <a:rPr lang="zh-CN" altLang="en-US" smtClean="0"/>
-              <a:t>2018/3/3</a:t>
+              <a:t>2018/4/26</a:t>
             </a:fld>
             <a:endParaRPr lang="zh-CN" altLang="en-US"/>
           </a:p>
@@ -3684,7 +3684,7 @@
           <a:p>
             <a:fld id="{02E60DA2-A0BC-48C9-AA88-75C78721B420}" type="datetimeFigureOut">
               <a:rPr lang="zh-CN" altLang="en-US" smtClean="0"/>
-              <a:t>2018/3/3</a:t>
+              <a:t>2018/4/26</a:t>
             </a:fld>
             <a:endParaRPr lang="zh-CN" altLang="en-US"/>
           </a:p>
@@ -4005,7 +4005,7 @@
           <a:p>
             <a:fld id="{02E60DA2-A0BC-48C9-AA88-75C78721B420}" type="datetimeFigureOut">
               <a:rPr lang="zh-CN" altLang="en-US" smtClean="0"/>
-              <a:t>2018/3/3</a:t>
+              <a:t>2018/4/26</a:t>
             </a:fld>
             <a:endParaRPr lang="zh-CN" altLang="en-US"/>
           </a:p>
@@ -4243,7 +4243,7 @@
           <a:p>
             <a:fld id="{02E60DA2-A0BC-48C9-AA88-75C78721B420}" type="datetimeFigureOut">
               <a:rPr lang="zh-CN" altLang="en-US" smtClean="0"/>
-              <a:t>2018/3/3</a:t>
+              <a:t>2018/4/26</a:t>
             </a:fld>
             <a:endParaRPr lang="zh-CN" altLang="en-US"/>
           </a:p>
@@ -4481,7 +4481,7 @@
           <a:p>
             <a:fld id="{02E60DA2-A0BC-48C9-AA88-75C78721B420}" type="datetimeFigureOut">
               <a:rPr lang="zh-CN" altLang="en-US" smtClean="0"/>
-              <a:t>2018/3/3</a:t>
+              <a:t>2018/4/26</a:t>
             </a:fld>
             <a:endParaRPr lang="zh-CN" altLang="en-US"/>
           </a:p>
@@ -4780,7 +4780,7 @@
           <a:p>
             <a:fld id="{02E60DA2-A0BC-48C9-AA88-75C78721B420}" type="datetimeFigureOut">
               <a:rPr lang="zh-CN" altLang="en-US" smtClean="0"/>
-              <a:t>2018/3/3</a:t>
+              <a:t>2018/4/26</a:t>
             </a:fld>
             <a:endParaRPr lang="zh-CN" altLang="en-US"/>
           </a:p>
@@ -5069,7 +5069,7 @@
           <a:p>
             <a:fld id="{02E60DA2-A0BC-48C9-AA88-75C78721B420}" type="datetimeFigureOut">
               <a:rPr lang="zh-CN" altLang="en-US" smtClean="0"/>
-              <a:t>2018/3/3</a:t>
+              <a:t>2018/4/26</a:t>
             </a:fld>
             <a:endParaRPr lang="zh-CN" altLang="en-US"/>
           </a:p>
@@ -5505,7 +5505,7 @@
           <a:p>
             <a:fld id="{02E60DA2-A0BC-48C9-AA88-75C78721B420}" type="datetimeFigureOut">
               <a:rPr lang="zh-CN" altLang="en-US" smtClean="0"/>
-              <a:t>2018/3/3</a:t>
+              <a:t>2018/4/26</a:t>
             </a:fld>
             <a:endParaRPr lang="zh-CN" altLang="en-US"/>
           </a:p>
@@ -5670,7 +5670,7 @@
           <a:p>
             <a:fld id="{02E60DA2-A0BC-48C9-AA88-75C78721B420}" type="datetimeFigureOut">
               <a:rPr lang="zh-CN" altLang="en-US" smtClean="0"/>
-              <a:t>2018/3/3</a:t>
+              <a:t>2018/4/26</a:t>
             </a:fld>
             <a:endParaRPr lang="zh-CN" altLang="en-US"/>
           </a:p>
@@ -5807,7 +5807,7 @@
           <a:p>
             <a:fld id="{02E60DA2-A0BC-48C9-AA88-75C78721B420}" type="datetimeFigureOut">
               <a:rPr lang="zh-CN" altLang="en-US" smtClean="0"/>
-              <a:t>2018/3/3</a:t>
+              <a:t>2018/4/26</a:t>
             </a:fld>
             <a:endParaRPr lang="zh-CN" altLang="en-US"/>
           </a:p>
@@ -6142,7 +6142,7 @@
           <a:p>
             <a:fld id="{02E60DA2-A0BC-48C9-AA88-75C78721B420}" type="datetimeFigureOut">
               <a:rPr lang="zh-CN" altLang="en-US" smtClean="0"/>
-              <a:t>2018/3/3</a:t>
+              <a:t>2018/4/26</a:t>
             </a:fld>
             <a:endParaRPr lang="zh-CN" altLang="en-US"/>
           </a:p>
@@ -6454,7 +6454,7 @@
           <a:p>
             <a:fld id="{02E60DA2-A0BC-48C9-AA88-75C78721B420}" type="datetimeFigureOut">
               <a:rPr lang="zh-CN" altLang="en-US" smtClean="0"/>
-              <a:t>2018/3/3</a:t>
+              <a:t>2018/4/26</a:t>
             </a:fld>
             <a:endParaRPr lang="zh-CN" altLang="en-US"/>
           </a:p>
@@ -7690,180 +7690,194 @@
         </p:nvSpPr>
         <p:spPr/>
         <p:txBody>
-          <a:bodyPr/>
-          <a:lstStyle/>
-          <a:p>
-            <a:r>
-              <a:rPr lang="zh-CN" altLang="en-US" sz="2000" dirty="0"/>
+          <a:bodyPr>
+            <a:normAutofit/>
+          </a:bodyPr>
+          <a:lstStyle/>
+          <a:p>
+            <a:r>
+              <a:rPr lang="zh-CN" altLang="en-US" sz="2400" dirty="0"/>
               <a:t>运行中的程序就是进程。系统会给每一个进程分配一个数字进行标记，此数字就是进程</a:t>
             </a:r>
             <a:r>
-              <a:rPr lang="en-US" altLang="zh-CN" sz="2000" dirty="0"/>
+              <a:rPr lang="en-US" altLang="zh-CN" sz="2400" dirty="0"/>
               <a:t>ID</a:t>
             </a:r>
             <a:r>
-              <a:rPr lang="zh-CN" altLang="en-US" sz="2000" dirty="0"/>
+              <a:rPr lang="zh-CN" altLang="en-US" sz="2400" dirty="0"/>
               <a:t>（</a:t>
             </a:r>
             <a:r>
-              <a:rPr lang="en-US" altLang="zh-CN" sz="2000" dirty="0"/>
+              <a:rPr lang="en-US" altLang="zh-CN" sz="2400" dirty="0"/>
               <a:t>PID</a:t>
             </a:r>
             <a:r>
-              <a:rPr lang="zh-CN" altLang="en-US" sz="2000" dirty="0"/>
+              <a:rPr lang="zh-CN" altLang="en-US" sz="2400" dirty="0"/>
               <a:t>）。</a:t>
             </a:r>
-            <a:endParaRPr lang="en-US" altLang="zh-CN" sz="2000" dirty="0"/>
-          </a:p>
-          <a:p>
-            <a:endParaRPr lang="en-US" altLang="zh-CN" sz="2000" dirty="0"/>
-          </a:p>
-          <a:p>
-            <a:r>
-              <a:rPr lang="zh-CN" altLang="en-US" sz="2000" dirty="0"/>
+            <a:endParaRPr lang="en-US" altLang="zh-CN" sz="2400" dirty="0"/>
+          </a:p>
+          <a:p>
+            <a:endParaRPr lang="en-US" altLang="zh-CN" sz="2400" dirty="0"/>
+          </a:p>
+          <a:p>
+            <a:r>
+              <a:rPr lang="zh-CN" altLang="en-US" sz="2400" dirty="0"/>
               <a:t>父进程：如果进程</a:t>
             </a:r>
             <a:r>
-              <a:rPr lang="en-US" altLang="zh-CN" sz="2000" dirty="0"/>
+              <a:rPr lang="en-US" altLang="zh-CN" sz="2400" dirty="0"/>
               <a:t>B</a:t>
             </a:r>
             <a:r>
-              <a:rPr lang="zh-CN" altLang="en-US" sz="2000" dirty="0"/>
+              <a:rPr lang="zh-CN" altLang="en-US" sz="2400" dirty="0"/>
               <a:t>由进程</a:t>
             </a:r>
             <a:r>
-              <a:rPr lang="en-US" altLang="zh-CN" sz="2000" dirty="0"/>
+              <a:rPr lang="en-US" altLang="zh-CN" sz="2400" dirty="0"/>
               <a:t>A</a:t>
             </a:r>
             <a:r>
-              <a:rPr lang="zh-CN" altLang="en-US" sz="2000" dirty="0"/>
+              <a:rPr lang="zh-CN" altLang="en-US" sz="2400" dirty="0"/>
               <a:t>来创建，则进程</a:t>
             </a:r>
             <a:r>
-              <a:rPr lang="en-US" altLang="zh-CN" sz="2000" dirty="0"/>
+              <a:rPr lang="en-US" altLang="zh-CN" sz="2400" dirty="0"/>
               <a:t>A</a:t>
             </a:r>
             <a:r>
-              <a:rPr lang="zh-CN" altLang="en-US" sz="2000" dirty="0"/>
+              <a:rPr lang="zh-CN" altLang="en-US" sz="2400" dirty="0"/>
               <a:t>就是进程</a:t>
             </a:r>
             <a:r>
-              <a:rPr lang="en-US" altLang="zh-CN" sz="2000" dirty="0"/>
+              <a:rPr lang="en-US" altLang="zh-CN" sz="2400" dirty="0"/>
               <a:t>B</a:t>
             </a:r>
             <a:r>
-              <a:rPr lang="zh-CN" altLang="en-US" sz="2000" dirty="0"/>
+              <a:rPr lang="zh-CN" altLang="en-US" sz="2400" dirty="0"/>
               <a:t>的父进程，进程</a:t>
             </a:r>
             <a:r>
-              <a:rPr lang="en-US" altLang="zh-CN" sz="2000" dirty="0"/>
+              <a:rPr lang="en-US" altLang="zh-CN" sz="2400" dirty="0"/>
               <a:t>B</a:t>
             </a:r>
             <a:r>
-              <a:rPr lang="zh-CN" altLang="en-US" sz="2000" dirty="0"/>
+              <a:rPr lang="zh-CN" altLang="en-US" sz="2400" dirty="0"/>
               <a:t>就是进程</a:t>
             </a:r>
             <a:r>
-              <a:rPr lang="en-US" altLang="zh-CN" sz="2000" dirty="0"/>
+              <a:rPr lang="en-US" altLang="zh-CN" sz="2400" dirty="0"/>
               <a:t>A</a:t>
             </a:r>
             <a:r>
-              <a:rPr lang="zh-CN" altLang="en-US" sz="2000" dirty="0"/>
+              <a:rPr lang="zh-CN" altLang="en-US" sz="2400" dirty="0"/>
               <a:t>的子进程。</a:t>
             </a:r>
-            <a:endParaRPr lang="en-US" altLang="zh-CN" sz="2000" dirty="0"/>
-          </a:p>
-          <a:p>
-            <a:endParaRPr lang="en-US" altLang="zh-CN" sz="2000" dirty="0"/>
-          </a:p>
-          <a:p>
-            <a:r>
-              <a:rPr lang="en-US" altLang="zh-CN" sz="2000" dirty="0"/>
+            <a:endParaRPr lang="en-US" altLang="zh-CN" sz="2400" dirty="0"/>
+          </a:p>
+          <a:p>
+            <a:endParaRPr lang="en-US" altLang="zh-CN" sz="2400" dirty="0"/>
+          </a:p>
+          <a:p>
+            <a:r>
+              <a:rPr lang="en-US" altLang="zh-CN" sz="2400" dirty="0"/>
               <a:t>PPID</a:t>
             </a:r>
             <a:r>
-              <a:rPr lang="zh-CN" altLang="en-US" sz="2000" dirty="0"/>
+              <a:rPr lang="zh-CN" altLang="en-US" sz="2400" dirty="0"/>
               <a:t>：父进程的进程</a:t>
             </a:r>
             <a:r>
-              <a:rPr lang="en-US" altLang="zh-CN" sz="2000" dirty="0"/>
+              <a:rPr lang="en-US" altLang="zh-CN" sz="2400" dirty="0"/>
               <a:t>ID</a:t>
             </a:r>
             <a:r>
-              <a:rPr lang="zh-CN" altLang="en-US" sz="2000" dirty="0"/>
+              <a:rPr lang="zh-CN" altLang="en-US" sz="2400" dirty="0"/>
               <a:t>。</a:t>
             </a:r>
-            <a:endParaRPr lang="en-US" altLang="zh-CN" sz="2000" dirty="0"/>
-          </a:p>
-          <a:p>
-            <a:endParaRPr lang="en-US" altLang="zh-CN" sz="2000" dirty="0"/>
-          </a:p>
-          <a:p>
-            <a:r>
-              <a:rPr lang="zh-CN" altLang="en-US" sz="2000" dirty="0"/>
+            <a:endParaRPr lang="en-US" altLang="zh-CN" sz="2400" dirty="0"/>
+          </a:p>
+          <a:p>
+            <a:endParaRPr lang="en-US" altLang="zh-CN" sz="2400" dirty="0"/>
+          </a:p>
+          <a:p>
+            <a:r>
+              <a:rPr lang="zh-CN" altLang="en-US" sz="2400"/>
               <a:t>在</a:t>
             </a:r>
             <a:r>
-              <a:rPr lang="en-US" altLang="zh-CN" sz="2000" dirty="0"/>
-              <a:t>bash</a:t>
-            </a:r>
-            <a:r>
-              <a:rPr lang="zh-CN" altLang="en-US" sz="2000" dirty="0"/>
-              <a:t>（一种</a:t>
-            </a:r>
-            <a:r>
-              <a:rPr lang="en-US" altLang="zh-CN" sz="2000" dirty="0"/>
+              <a:rPr lang="en-US" altLang="zh-CN" sz="2400"/>
               <a:t>shell</a:t>
             </a:r>
             <a:r>
-              <a:rPr lang="zh-CN" altLang="en-US" sz="2000" dirty="0"/>
-              <a:t>实现）中输入命令运行，则</a:t>
-            </a:r>
-            <a:r>
-              <a:rPr lang="en-US" altLang="zh-CN" sz="2000" dirty="0"/>
-              <a:t>bash</a:t>
-            </a:r>
-            <a:r>
-              <a:rPr lang="zh-CN" altLang="en-US" sz="2000" dirty="0"/>
-              <a:t>就是父进程，运行的程序就是</a:t>
-            </a:r>
-            <a:r>
-              <a:rPr lang="en-US" altLang="zh-CN" sz="2000" dirty="0"/>
-              <a:t>bash</a:t>
-            </a:r>
-            <a:r>
-              <a:rPr lang="zh-CN" altLang="en-US" sz="2000" dirty="0"/>
-              <a:t>的子进程。（守护进程除外，守护进程的父进程是</a:t>
-            </a:r>
-            <a:r>
-              <a:rPr lang="en-US" altLang="zh-CN" sz="2000" dirty="0" err="1"/>
+              <a:rPr lang="zh-CN" altLang="en-US" sz="2400"/>
+              <a:t>中</a:t>
+            </a:r>
+            <a:r>
+              <a:rPr lang="zh-CN" altLang="en-US" sz="2400" dirty="0"/>
+              <a:t>输入命令运行</a:t>
+            </a:r>
+            <a:r>
+              <a:rPr lang="zh-CN" altLang="en-US" sz="2400"/>
+              <a:t>，则</a:t>
+            </a:r>
+            <a:r>
+              <a:rPr lang="en-US" altLang="zh-CN" sz="2400"/>
+              <a:t>shell</a:t>
+            </a:r>
+            <a:r>
+              <a:rPr lang="zh-CN" altLang="en-US" sz="2400"/>
+              <a:t>就是</a:t>
+            </a:r>
+            <a:r>
+              <a:rPr lang="zh-CN" altLang="en-US" sz="2400" dirty="0"/>
+              <a:t>父进程，运行的</a:t>
+            </a:r>
+            <a:r>
+              <a:rPr lang="zh-CN" altLang="en-US" sz="2400"/>
+              <a:t>程序就是</a:t>
+            </a:r>
+            <a:r>
+              <a:rPr lang="en-US" altLang="zh-CN" sz="2400"/>
+              <a:t>shell</a:t>
+            </a:r>
+            <a:r>
+              <a:rPr lang="zh-CN" altLang="en-US" sz="2400"/>
+              <a:t>的</a:t>
+            </a:r>
+            <a:r>
+              <a:rPr lang="zh-CN" altLang="en-US" sz="2400" dirty="0"/>
+              <a:t>子进程。（守护进程除外，守护进程的父进程是</a:t>
+            </a:r>
+            <a:r>
+              <a:rPr lang="en-US" altLang="zh-CN" sz="2400" dirty="0" err="1"/>
               <a:t>init</a:t>
             </a:r>
             <a:r>
-              <a:rPr lang="en-US" altLang="zh-CN" sz="2000" dirty="0"/>
+              <a:rPr lang="en-US" altLang="zh-CN" sz="2400" dirty="0"/>
               <a:t>[</a:t>
             </a:r>
             <a:r>
-              <a:rPr lang="zh-CN" altLang="en-US" sz="2000" dirty="0"/>
+              <a:rPr lang="zh-CN" altLang="en-US" sz="2400" dirty="0"/>
               <a:t>进程</a:t>
             </a:r>
             <a:r>
-              <a:rPr lang="en-US" altLang="zh-CN" sz="2000" dirty="0"/>
+              <a:rPr lang="en-US" altLang="zh-CN" sz="2400" dirty="0"/>
               <a:t>ID</a:t>
             </a:r>
             <a:r>
-              <a:rPr lang="zh-CN" altLang="en-US" sz="2000" dirty="0"/>
+              <a:rPr lang="zh-CN" altLang="en-US" sz="2400" dirty="0"/>
               <a:t>为</a:t>
             </a:r>
             <a:r>
-              <a:rPr lang="en-US" altLang="zh-CN" sz="2000" dirty="0"/>
+              <a:rPr lang="en-US" altLang="zh-CN" sz="2400" dirty="0"/>
               <a:t>1]</a:t>
             </a:r>
             <a:r>
-              <a:rPr lang="zh-CN" altLang="en-US" sz="2000" dirty="0"/>
+              <a:rPr lang="zh-CN" altLang="en-US" sz="2400" dirty="0"/>
               <a:t>）。</a:t>
             </a:r>
-            <a:endParaRPr lang="en-US" altLang="zh-CN" sz="2000" dirty="0"/>
+            <a:endParaRPr lang="en-US" altLang="zh-CN" sz="2400" dirty="0"/>
           </a:p>
         </p:txBody>
       </p:sp>
@@ -7968,201 +7982,203 @@
         </p:nvSpPr>
         <p:spPr/>
         <p:txBody>
-          <a:bodyPr/>
-          <a:lstStyle/>
-          <a:p>
-            <a:r>
-              <a:rPr lang="en-US" altLang="zh-CN" sz="2000" dirty="0"/>
+          <a:bodyPr>
+            <a:normAutofit/>
+          </a:bodyPr>
+          <a:lstStyle/>
+          <a:p>
+            <a:r>
+              <a:rPr lang="en-US" altLang="zh-CN" sz="2400" dirty="0"/>
               <a:t>UID</a:t>
             </a:r>
             <a:r>
-              <a:rPr lang="zh-CN" altLang="en-US" sz="2000" dirty="0"/>
+              <a:rPr lang="zh-CN" altLang="en-US" sz="2400" dirty="0"/>
               <a:t>（</a:t>
             </a:r>
             <a:r>
-              <a:rPr lang="en-US" altLang="zh-CN" sz="2000" dirty="0"/>
+              <a:rPr lang="en-US" altLang="zh-CN" sz="2400" dirty="0"/>
               <a:t> user id </a:t>
             </a:r>
             <a:r>
-              <a:rPr lang="zh-CN" altLang="en-US" sz="2000" dirty="0"/>
+              <a:rPr lang="zh-CN" altLang="en-US" sz="2400" dirty="0"/>
               <a:t>）：每一个进程都有一个所属用户</a:t>
             </a:r>
             <a:r>
-              <a:rPr lang="en-US" altLang="zh-CN" sz="2000" dirty="0"/>
+              <a:rPr lang="en-US" altLang="zh-CN" sz="2400" dirty="0"/>
               <a:t>ID</a:t>
             </a:r>
             <a:r>
-              <a:rPr lang="zh-CN" altLang="en-US" sz="2000" dirty="0"/>
+              <a:rPr lang="zh-CN" altLang="en-US" sz="2400" dirty="0"/>
               <a:t>，就是运行程序的用户的</a:t>
             </a:r>
             <a:r>
-              <a:rPr lang="en-US" altLang="zh-CN" sz="2000" dirty="0"/>
+              <a:rPr lang="en-US" altLang="zh-CN" sz="2400" dirty="0"/>
               <a:t>ID</a:t>
             </a:r>
             <a:r>
-              <a:rPr lang="zh-CN" altLang="en-US" sz="2000" dirty="0"/>
+              <a:rPr lang="zh-CN" altLang="en-US" sz="2400" dirty="0"/>
               <a:t>。每一个进程都有一个父进程，通常情况下子进程的</a:t>
             </a:r>
             <a:r>
-              <a:rPr lang="en-US" altLang="zh-CN" sz="2000" dirty="0"/>
+              <a:rPr lang="en-US" altLang="zh-CN" sz="2400" dirty="0"/>
               <a:t>UID</a:t>
             </a:r>
             <a:r>
-              <a:rPr lang="zh-CN" altLang="en-US" sz="2000" dirty="0"/>
+              <a:rPr lang="zh-CN" altLang="en-US" sz="2400" dirty="0"/>
               <a:t>继承自父进程。但是系统通过系统调用传递参数更改进程的</a:t>
             </a:r>
             <a:r>
-              <a:rPr lang="en-US" altLang="zh-CN" sz="2000" dirty="0"/>
+              <a:rPr lang="en-US" altLang="zh-CN" sz="2400" dirty="0"/>
               <a:t>UID</a:t>
             </a:r>
             <a:r>
-              <a:rPr lang="zh-CN" altLang="en-US" sz="2000" dirty="0"/>
+              <a:rPr lang="zh-CN" altLang="en-US" sz="2400" dirty="0"/>
               <a:t>以标识进程的创建者。</a:t>
             </a:r>
-            <a:endParaRPr lang="en-US" altLang="zh-CN" sz="2000" dirty="0"/>
-          </a:p>
-          <a:p>
-            <a:endParaRPr lang="en-US" altLang="zh-CN" sz="2000" dirty="0"/>
-          </a:p>
-          <a:p>
-            <a:r>
-              <a:rPr lang="en-US" altLang="zh-CN" sz="2000" dirty="0"/>
+            <a:endParaRPr lang="en-US" altLang="zh-CN" sz="2400" dirty="0"/>
+          </a:p>
+          <a:p>
+            <a:endParaRPr lang="en-US" altLang="zh-CN" sz="2400" dirty="0"/>
+          </a:p>
+          <a:p>
+            <a:r>
+              <a:rPr lang="en-US" altLang="zh-CN" sz="2400" dirty="0"/>
               <a:t>EUID</a:t>
             </a:r>
             <a:r>
-              <a:rPr lang="zh-CN" altLang="en-US" sz="2000" dirty="0"/>
+              <a:rPr lang="zh-CN" altLang="en-US" sz="2400" dirty="0"/>
               <a:t>（</a:t>
             </a:r>
             <a:r>
-              <a:rPr lang="en-US" altLang="zh-CN" sz="2000" dirty="0"/>
+              <a:rPr lang="en-US" altLang="zh-CN" sz="2400" dirty="0"/>
               <a:t>effective user id</a:t>
             </a:r>
             <a:r>
-              <a:rPr lang="zh-CN" altLang="en-US" sz="2000" dirty="0"/>
+              <a:rPr lang="zh-CN" altLang="en-US" sz="2400" dirty="0"/>
               <a:t>）：有效用户</a:t>
             </a:r>
             <a:r>
-              <a:rPr lang="en-US" altLang="zh-CN" sz="2000" dirty="0"/>
+              <a:rPr lang="en-US" altLang="zh-CN" sz="2400" dirty="0"/>
               <a:t>ID</a:t>
             </a:r>
             <a:r>
-              <a:rPr lang="zh-CN" altLang="en-US" sz="2000" dirty="0"/>
+              <a:rPr lang="zh-CN" altLang="en-US" sz="2400" dirty="0"/>
               <a:t>，表示进程对于文件和资源的访问权限。大多数情况下</a:t>
             </a:r>
             <a:r>
-              <a:rPr lang="en-US" altLang="zh-CN" sz="2000" dirty="0"/>
+              <a:rPr lang="en-US" altLang="zh-CN" sz="2400" dirty="0"/>
               <a:t>EUID</a:t>
             </a:r>
             <a:r>
-              <a:rPr lang="zh-CN" altLang="en-US" sz="2000" dirty="0"/>
+              <a:rPr lang="zh-CN" altLang="en-US" sz="2400" dirty="0"/>
               <a:t>和</a:t>
             </a:r>
             <a:r>
-              <a:rPr lang="en-US" altLang="zh-CN" sz="2000" dirty="0"/>
+              <a:rPr lang="en-US" altLang="zh-CN" sz="2400" dirty="0"/>
               <a:t>UID</a:t>
             </a:r>
             <a:r>
-              <a:rPr lang="zh-CN" altLang="en-US" sz="2000" dirty="0"/>
+              <a:rPr lang="zh-CN" altLang="en-US" sz="2400" dirty="0"/>
               <a:t>是相同的。对于设置了相关标志位的程序，运行时会改变</a:t>
             </a:r>
             <a:r>
-              <a:rPr lang="en-US" altLang="zh-CN" sz="2000" dirty="0"/>
+              <a:rPr lang="en-US" altLang="zh-CN" sz="2400" dirty="0"/>
               <a:t>EUID</a:t>
             </a:r>
             <a:r>
-              <a:rPr lang="zh-CN" altLang="en-US" sz="2000" dirty="0"/>
+              <a:rPr lang="zh-CN" altLang="en-US" sz="2400" dirty="0"/>
               <a:t>，系统根据</a:t>
             </a:r>
             <a:r>
-              <a:rPr lang="en-US" altLang="zh-CN" sz="2000" dirty="0"/>
+              <a:rPr lang="en-US" altLang="zh-CN" sz="2400" dirty="0"/>
               <a:t>EUID</a:t>
             </a:r>
             <a:r>
-              <a:rPr lang="zh-CN" altLang="en-US" sz="2000" dirty="0"/>
+              <a:rPr lang="zh-CN" altLang="en-US" sz="2400" dirty="0"/>
               <a:t>赋予进程相应的权限。</a:t>
             </a:r>
-            <a:endParaRPr lang="en-US" altLang="zh-CN" sz="2000" dirty="0"/>
-          </a:p>
-          <a:p>
-            <a:endParaRPr lang="en-US" altLang="zh-CN" sz="2000" dirty="0"/>
-          </a:p>
-          <a:p>
-            <a:r>
-              <a:rPr lang="en-US" altLang="zh-CN" sz="2000" dirty="0"/>
+            <a:endParaRPr lang="en-US" altLang="zh-CN" sz="2400" dirty="0"/>
+          </a:p>
+          <a:p>
+            <a:endParaRPr lang="en-US" altLang="zh-CN" sz="2400" dirty="0"/>
+          </a:p>
+          <a:p>
+            <a:r>
+              <a:rPr lang="en-US" altLang="zh-CN" sz="2400" dirty="0"/>
               <a:t>GID</a:t>
             </a:r>
             <a:r>
-              <a:rPr lang="zh-CN" altLang="en-US" sz="2000" dirty="0"/>
+              <a:rPr lang="zh-CN" altLang="en-US" sz="2400" dirty="0"/>
               <a:t>（</a:t>
             </a:r>
             <a:r>
-              <a:rPr lang="en-US" altLang="zh-CN" sz="2000" dirty="0"/>
+              <a:rPr lang="en-US" altLang="zh-CN" sz="2400" dirty="0"/>
               <a:t>group id</a:t>
             </a:r>
             <a:r>
-              <a:rPr lang="zh-CN" altLang="en-US" sz="2000" dirty="0"/>
+              <a:rPr lang="zh-CN" altLang="en-US" sz="2400" dirty="0"/>
               <a:t>）：进程的组</a:t>
             </a:r>
             <a:r>
-              <a:rPr lang="en-US" altLang="zh-CN" sz="2000" dirty="0"/>
+              <a:rPr lang="en-US" altLang="zh-CN" sz="2400" dirty="0"/>
               <a:t>ID</a:t>
             </a:r>
             <a:r>
-              <a:rPr lang="zh-CN" altLang="en-US" sz="2000" dirty="0"/>
+              <a:rPr lang="zh-CN" altLang="en-US" sz="2400" dirty="0"/>
               <a:t>，程序所属组的</a:t>
             </a:r>
             <a:r>
-              <a:rPr lang="en-US" altLang="zh-CN" sz="2000" dirty="0"/>
+              <a:rPr lang="en-US" altLang="zh-CN" sz="2400" dirty="0"/>
               <a:t>ID</a:t>
             </a:r>
             <a:r>
-              <a:rPr lang="zh-CN" altLang="en-US" sz="2000" dirty="0"/>
+              <a:rPr lang="zh-CN" altLang="en-US" sz="2400" dirty="0"/>
               <a:t>，参考</a:t>
             </a:r>
             <a:r>
-              <a:rPr lang="en-US" altLang="zh-CN" sz="2000" dirty="0"/>
+              <a:rPr lang="en-US" altLang="zh-CN" sz="2400" dirty="0"/>
               <a:t>UID</a:t>
             </a:r>
             <a:r>
-              <a:rPr lang="zh-CN" altLang="en-US" sz="2000" dirty="0"/>
+              <a:rPr lang="zh-CN" altLang="en-US" sz="2400" dirty="0"/>
               <a:t>解释。</a:t>
             </a:r>
-            <a:endParaRPr lang="en-US" altLang="zh-CN" sz="2000" dirty="0"/>
-          </a:p>
-          <a:p>
-            <a:r>
-              <a:rPr lang="en-US" altLang="zh-CN" sz="2000" dirty="0"/>
+            <a:endParaRPr lang="en-US" altLang="zh-CN" sz="2400" dirty="0"/>
+          </a:p>
+          <a:p>
+            <a:r>
+              <a:rPr lang="en-US" altLang="zh-CN" sz="2400" dirty="0"/>
               <a:t>EGID</a:t>
             </a:r>
             <a:r>
-              <a:rPr lang="zh-CN" altLang="en-US" sz="2000" dirty="0"/>
+              <a:rPr lang="zh-CN" altLang="en-US" sz="2400" dirty="0"/>
               <a:t>（</a:t>
             </a:r>
             <a:r>
-              <a:rPr lang="en-US" altLang="zh-CN" sz="2000" dirty="0"/>
+              <a:rPr lang="en-US" altLang="zh-CN" sz="2400" dirty="0"/>
               <a:t>effective group id</a:t>
             </a:r>
             <a:r>
-              <a:rPr lang="zh-CN" altLang="en-US" sz="2000" dirty="0"/>
+              <a:rPr lang="zh-CN" altLang="en-US" sz="2400" dirty="0"/>
               <a:t>）：有效组</a:t>
             </a:r>
             <a:r>
-              <a:rPr lang="en-US" altLang="zh-CN" sz="2000" dirty="0"/>
+              <a:rPr lang="en-US" altLang="zh-CN" sz="2400" dirty="0"/>
               <a:t>ID</a:t>
             </a:r>
             <a:r>
-              <a:rPr lang="zh-CN" altLang="en-US" sz="2000" dirty="0"/>
+              <a:rPr lang="zh-CN" altLang="en-US" sz="2400" dirty="0"/>
               <a:t>，参考</a:t>
             </a:r>
             <a:r>
-              <a:rPr lang="en-US" altLang="zh-CN" sz="2000" dirty="0"/>
+              <a:rPr lang="en-US" altLang="zh-CN" sz="2400" dirty="0"/>
               <a:t>EUID</a:t>
             </a:r>
             <a:r>
-              <a:rPr lang="zh-CN" altLang="en-US" sz="2000" dirty="0"/>
+              <a:rPr lang="zh-CN" altLang="en-US" sz="2400" dirty="0"/>
               <a:t>解释。</a:t>
             </a:r>
-            <a:endParaRPr lang="en-US" altLang="zh-CN" sz="2000" dirty="0"/>
+            <a:endParaRPr lang="en-US" altLang="zh-CN" sz="2400" dirty="0"/>
           </a:p>
         </p:txBody>
       </p:sp>
@@ -8240,13 +8256,13 @@
             <p:ph idx="1"/>
             <p:extLst>
               <p:ext uri="{D42A27DB-BD31-4B8C-83A1-F6EECF244321}">
-                <p14:modId xmlns:p14="http://schemas.microsoft.com/office/powerpoint/2010/main" val="3570757881"/>
+                <p14:modId xmlns:p14="http://schemas.microsoft.com/office/powerpoint/2010/main" val="908162261"/>
               </p:ext>
             </p:extLst>
           </p:nvPr>
         </p:nvGraphicFramePr>
         <p:xfrm>
-          <a:off x="838200" y="1703388"/>
+          <a:off x="838200" y="1685803"/>
           <a:ext cx="10515600" cy="4857208"/>
         </p:xfrm>
         <a:graphic>
@@ -8256,14 +8272,14 @@
                 <a:tableStyleId>{2D5ABB26-0587-4C30-8999-92F81FD0307C}</a:tableStyleId>
               </a:tblPr>
               <a:tblGrid>
-                <a:gridCol w="1541016">
+                <a:gridCol w="2309446">
                   <a:extLst>
                     <a:ext uri="{9D8B030D-6E8A-4147-A177-3AD203B41FA5}">
                       <a16:colId xmlns:a16="http://schemas.microsoft.com/office/drawing/2014/main" val="3801077564"/>
                     </a:ext>
                   </a:extLst>
                 </a:gridCol>
-                <a:gridCol w="8974584">
+                <a:gridCol w="8206154">
                   <a:extLst>
                     <a:ext uri="{9D8B030D-6E8A-4147-A177-3AD203B41FA5}">
                       <a16:colId xmlns:a16="http://schemas.microsoft.com/office/drawing/2014/main" val="3868747105"/>
@@ -8279,10 +8295,10 @@
                     <a:p>
                       <a:pPr algn="r"/>
                       <a:r>
-                        <a:rPr lang="en-US" altLang="zh-CN" dirty="0" err="1"/>
+                        <a:rPr lang="en-US" altLang="zh-CN" sz="2400" dirty="0" err="1"/>
                         <a:t>ps</a:t>
                       </a:r>
-                      <a:endParaRPr lang="zh-CN" altLang="en-US" dirty="0"/>
+                      <a:endParaRPr lang="zh-CN" altLang="en-US" sz="2400" dirty="0"/>
                     </a:p>
                   </a:txBody>
                   <a:tcPr anchor="ctr"/>
@@ -8293,7 +8309,7 @@
                     <a:lstStyle/>
                     <a:p>
                       <a:r>
-                        <a:rPr lang="zh-CN" altLang="en-US" dirty="0"/>
+                        <a:rPr lang="zh-CN" altLang="en-US" sz="2400" dirty="0"/>
                         <a:t>查看当前进程</a:t>
                       </a:r>
                     </a:p>
@@ -8314,10 +8330,10 @@
                     <a:p>
                       <a:pPr algn="r"/>
                       <a:r>
-                        <a:rPr lang="en-US" altLang="zh-CN" dirty="0"/>
+                        <a:rPr lang="en-US" altLang="zh-CN" sz="2400" dirty="0"/>
                         <a:t>kill</a:t>
                       </a:r>
-                      <a:endParaRPr lang="zh-CN" altLang="en-US" dirty="0"/>
+                      <a:endParaRPr lang="zh-CN" altLang="en-US" sz="2400" dirty="0"/>
                     </a:p>
                   </a:txBody>
                   <a:tcPr anchor="ctr"/>
@@ -8328,7 +8344,7 @@
                     <a:lstStyle/>
                     <a:p>
                       <a:r>
-                        <a:rPr lang="zh-CN" altLang="en-US" dirty="0"/>
+                        <a:rPr lang="zh-CN" altLang="en-US" sz="2400" dirty="0"/>
                         <a:t>向进程发送信号，通常是终止进程</a:t>
                       </a:r>
                     </a:p>
@@ -8349,10 +8365,10 @@
                     <a:p>
                       <a:pPr algn="r"/>
                       <a:r>
-                        <a:rPr lang="en-US" altLang="zh-CN" dirty="0" err="1"/>
+                        <a:rPr lang="en-US" altLang="zh-CN" sz="2400" dirty="0" err="1"/>
                         <a:t>bg</a:t>
                       </a:r>
-                      <a:endParaRPr lang="zh-CN" altLang="en-US" dirty="0"/>
+                      <a:endParaRPr lang="zh-CN" altLang="en-US" sz="2400" dirty="0"/>
                     </a:p>
                   </a:txBody>
                   <a:tcPr anchor="ctr"/>
@@ -8380,18 +8396,18 @@
                         <a:defRPr/>
                       </a:pPr>
                       <a:r>
-                        <a:rPr lang="en-US" altLang="zh-CN" dirty="0"/>
+                        <a:rPr lang="en-US" altLang="zh-CN" sz="2400" dirty="0"/>
                         <a:t>shell</a:t>
                       </a:r>
                       <a:r>
-                        <a:rPr lang="zh-CN" altLang="en-US" dirty="0"/>
+                        <a:rPr lang="zh-CN" altLang="en-US" sz="2400" dirty="0"/>
                         <a:t>内建命令，后台任务继续执行，就像在命令后面加入</a:t>
                       </a:r>
                       <a:r>
-                        <a:rPr lang="en-US" altLang="zh-CN" dirty="0"/>
+                        <a:rPr lang="en-US" altLang="zh-CN" sz="2400" dirty="0"/>
                         <a:t>&amp;</a:t>
                       </a:r>
-                      <a:endParaRPr lang="zh-CN" altLang="en-US" dirty="0"/>
+                      <a:endParaRPr lang="zh-CN" altLang="en-US" sz="2400" dirty="0"/>
                     </a:p>
                   </a:txBody>
                   <a:tcPr anchor="ctr"/>
@@ -8410,10 +8426,10 @@
                     <a:p>
                       <a:pPr algn="r"/>
                       <a:r>
-                        <a:rPr lang="en-US" altLang="zh-CN" dirty="0" err="1"/>
+                        <a:rPr lang="en-US" altLang="zh-CN" sz="2400" dirty="0" err="1"/>
                         <a:t>fg</a:t>
                       </a:r>
-                      <a:endParaRPr lang="zh-CN" altLang="en-US" dirty="0"/>
+                      <a:endParaRPr lang="zh-CN" altLang="en-US" sz="2400" dirty="0"/>
                     </a:p>
                   </a:txBody>
                   <a:tcPr anchor="ctr"/>
@@ -8441,11 +8457,11 @@
                         <a:defRPr/>
                       </a:pPr>
                       <a:r>
-                        <a:rPr lang="en-US" altLang="zh-CN" dirty="0"/>
+                        <a:rPr lang="en-US" altLang="zh-CN" sz="2400" dirty="0"/>
                         <a:t>shell</a:t>
                       </a:r>
                       <a:r>
-                        <a:rPr lang="zh-CN" altLang="en-US" dirty="0"/>
+                        <a:rPr lang="zh-CN" altLang="en-US" sz="2400" dirty="0"/>
                         <a:t>内建命令，后台任务转至前台</a:t>
                       </a:r>
                     </a:p>
@@ -8466,10 +8482,10 @@
                     <a:p>
                       <a:pPr algn="r"/>
                       <a:r>
-                        <a:rPr lang="en-US" altLang="zh-CN" dirty="0"/>
+                        <a:rPr lang="en-US" altLang="zh-CN" sz="2400" dirty="0"/>
                         <a:t>jobs</a:t>
                       </a:r>
-                      <a:endParaRPr lang="zh-CN" altLang="en-US" dirty="0"/>
+                      <a:endParaRPr lang="zh-CN" altLang="en-US" sz="2400" dirty="0"/>
                     </a:p>
                   </a:txBody>
                   <a:tcPr anchor="ctr"/>
@@ -8497,11 +8513,11 @@
                         <a:defRPr/>
                       </a:pPr>
                       <a:r>
-                        <a:rPr lang="en-US" altLang="zh-CN" dirty="0"/>
+                        <a:rPr lang="en-US" altLang="zh-CN" sz="2400" dirty="0"/>
                         <a:t>shell</a:t>
                       </a:r>
                       <a:r>
-                        <a:rPr lang="zh-CN" altLang="en-US" dirty="0"/>
+                        <a:rPr lang="zh-CN" altLang="en-US" sz="2400" dirty="0"/>
                         <a:t>内建命令，显示后台运行的任务</a:t>
                       </a:r>
                     </a:p>
@@ -8522,10 +8538,10 @@
                     <a:p>
                       <a:pPr algn="r"/>
                       <a:r>
-                        <a:rPr lang="en-US" altLang="zh-CN" dirty="0" err="1"/>
+                        <a:rPr lang="en-US" altLang="zh-CN" sz="2400" dirty="0" err="1"/>
                         <a:t>pgrep</a:t>
                       </a:r>
-                      <a:endParaRPr lang="zh-CN" altLang="en-US" dirty="0"/>
+                      <a:endParaRPr lang="zh-CN" altLang="en-US" sz="2400" dirty="0"/>
                     </a:p>
                   </a:txBody>
                   <a:tcPr anchor="ctr"/>
@@ -8536,7 +8552,7 @@
                     <a:lstStyle/>
                     <a:p>
                       <a:r>
-                        <a:rPr lang="zh-CN" altLang="en-US" dirty="0"/>
+                        <a:rPr lang="zh-CN" altLang="en-US" sz="2400" dirty="0"/>
                         <a:t>搜索进程</a:t>
                       </a:r>
                     </a:p>
@@ -8557,14 +8573,14 @@
                     <a:p>
                       <a:pPr algn="r"/>
                       <a:r>
-                        <a:rPr lang="en-US" altLang="zh-CN" dirty="0"/>
+                        <a:rPr lang="en-US" altLang="zh-CN" sz="2400" dirty="0"/>
                         <a:t>top/</a:t>
                       </a:r>
                       <a:r>
-                        <a:rPr lang="en-US" altLang="zh-CN" dirty="0" err="1"/>
+                        <a:rPr lang="en-US" altLang="zh-CN" sz="2400" dirty="0" err="1"/>
                         <a:t>htop</a:t>
                       </a:r>
-                      <a:endParaRPr lang="zh-CN" altLang="en-US" dirty="0"/>
+                      <a:endParaRPr lang="zh-CN" altLang="en-US" sz="2400" dirty="0"/>
                     </a:p>
                   </a:txBody>
                   <a:tcPr anchor="ctr"/>
@@ -8575,7 +8591,7 @@
                     <a:lstStyle/>
                     <a:p>
                       <a:r>
-                        <a:rPr lang="zh-CN" altLang="en-US" dirty="0"/>
+                        <a:rPr lang="zh-CN" altLang="en-US" sz="2400" dirty="0"/>
                         <a:t>动态监控进程情况，系统资源使用情况</a:t>
                       </a:r>
                     </a:p>
@@ -8596,10 +8612,10 @@
                     <a:p>
                       <a:pPr algn="r"/>
                       <a:r>
-                        <a:rPr lang="en-US" altLang="zh-CN" dirty="0"/>
+                        <a:rPr lang="en-US" altLang="zh-CN" sz="2400" dirty="0"/>
                         <a:t>nice/renice</a:t>
                       </a:r>
-                      <a:endParaRPr lang="zh-CN" altLang="en-US" dirty="0"/>
+                      <a:endParaRPr lang="zh-CN" altLang="en-US" sz="2400" dirty="0"/>
                     </a:p>
                   </a:txBody>
                   <a:tcPr anchor="ctr"/>
@@ -8610,7 +8626,7 @@
                     <a:lstStyle/>
                     <a:p>
                       <a:r>
-                        <a:rPr lang="zh-CN" altLang="en-US" dirty="0"/>
+                        <a:rPr lang="zh-CN" altLang="en-US" sz="2400" dirty="0"/>
                         <a:t>调整进程优先级</a:t>
                       </a:r>
                     </a:p>
@@ -8703,195 +8719,311 @@
         </p:nvSpPr>
         <p:spPr/>
         <p:txBody>
-          <a:bodyPr/>
-          <a:lstStyle/>
-          <a:p>
-            <a:r>
-              <a:rPr lang="zh-CN" altLang="en-US" sz="2000" dirty="0"/>
+          <a:bodyPr>
+            <a:normAutofit/>
+          </a:bodyPr>
+          <a:lstStyle/>
+          <a:p>
+            <a:r>
+              <a:rPr lang="zh-CN" altLang="en-US" sz="2400" dirty="0">
+                <a:latin typeface="Roboto Mono Light" pitchFamily="2" charset="0"/>
+              </a:rPr>
               <a:t>使用示例：</a:t>
             </a:r>
-            <a:endParaRPr lang="en-US" altLang="zh-CN" sz="2000" dirty="0"/>
+            <a:endParaRPr lang="en-US" altLang="zh-CN" sz="2400" dirty="0">
+              <a:latin typeface="Roboto Mono Light" pitchFamily="2" charset="0"/>
+            </a:endParaRPr>
           </a:p>
           <a:p>
             <a:pPr marL="457200" lvl="1" indent="0">
               <a:buNone/>
             </a:pPr>
             <a:r>
-              <a:rPr lang="en-US" altLang="zh-CN" sz="2000" dirty="0" err="1"/>
+              <a:rPr lang="en-US" altLang="zh-CN" err="1">
+                <a:latin typeface="Roboto Mono Light" pitchFamily="2" charset="0"/>
+              </a:rPr>
               <a:t>ps</a:t>
             </a:r>
             <a:r>
-              <a:rPr lang="en-US" altLang="zh-CN" sz="2000" dirty="0"/>
-              <a:t>   -e  //</a:t>
-            </a:r>
-            <a:r>
-              <a:rPr lang="zh-CN" altLang="en-US" sz="2000" dirty="0"/>
-              <a:t>查看所有进程</a:t>
-            </a:r>
-            <a:endParaRPr lang="en-US" altLang="zh-CN" sz="2000" dirty="0"/>
+              <a:rPr lang="en-US" altLang="zh-CN">
+                <a:latin typeface="Roboto Mono Light" pitchFamily="2" charset="0"/>
+              </a:rPr>
+              <a:t> -e  //</a:t>
+            </a:r>
+            <a:r>
+              <a:rPr lang="zh-CN" altLang="en-US">
+                <a:latin typeface="Roboto Mono Light" pitchFamily="2" charset="0"/>
+              </a:rPr>
+              <a:t>查看</a:t>
+            </a:r>
+            <a:r>
+              <a:rPr lang="zh-CN" altLang="en-US" dirty="0">
+                <a:latin typeface="Roboto Mono Light" pitchFamily="2" charset="0"/>
+              </a:rPr>
+              <a:t>所有进程</a:t>
+            </a:r>
+            <a:endParaRPr lang="en-US" altLang="zh-CN" dirty="0">
+              <a:latin typeface="Roboto Mono Light" pitchFamily="2" charset="0"/>
+            </a:endParaRPr>
           </a:p>
           <a:p>
             <a:pPr marL="457200" lvl="1" indent="0">
               <a:buNone/>
             </a:pPr>
             <a:r>
-              <a:rPr lang="en-US" altLang="zh-CN" sz="2000" dirty="0" err="1"/>
+              <a:rPr lang="en-US" altLang="zh-CN" err="1">
+                <a:latin typeface="Roboto Mono Light" pitchFamily="2" charset="0"/>
+              </a:rPr>
               <a:t>ps</a:t>
             </a:r>
             <a:r>
-              <a:rPr lang="en-US" altLang="zh-CN" sz="2000" dirty="0"/>
-              <a:t>   -u  root //</a:t>
-            </a:r>
-            <a:r>
-              <a:rPr lang="zh-CN" altLang="en-US" sz="2000" dirty="0"/>
-              <a:t>查看所有</a:t>
-            </a:r>
-            <a:r>
-              <a:rPr lang="en-US" altLang="zh-CN" sz="2000" dirty="0"/>
+              <a:rPr lang="en-US" altLang="zh-CN">
+                <a:latin typeface="Roboto Mono Light" pitchFamily="2" charset="0"/>
+              </a:rPr>
+              <a:t> -u  root //</a:t>
+            </a:r>
+            <a:r>
+              <a:rPr lang="zh-CN" altLang="en-US">
+                <a:latin typeface="Roboto Mono Light" pitchFamily="2" charset="0"/>
+              </a:rPr>
+              <a:t>查看</a:t>
+            </a:r>
+            <a:r>
+              <a:rPr lang="zh-CN" altLang="en-US" dirty="0">
+                <a:latin typeface="Roboto Mono Light" pitchFamily="2" charset="0"/>
+              </a:rPr>
+              <a:t>所有</a:t>
+            </a:r>
+            <a:r>
+              <a:rPr lang="en-US" altLang="zh-CN" dirty="0">
+                <a:latin typeface="Roboto Mono Light" pitchFamily="2" charset="0"/>
+              </a:rPr>
               <a:t>root</a:t>
             </a:r>
             <a:r>
-              <a:rPr lang="zh-CN" altLang="en-US" sz="2000" dirty="0"/>
+              <a:rPr lang="zh-CN" altLang="en-US" dirty="0">
+                <a:latin typeface="Roboto Mono Light" pitchFamily="2" charset="0"/>
+              </a:rPr>
               <a:t>用户的进程</a:t>
             </a:r>
-            <a:endParaRPr lang="en-US" altLang="zh-CN" sz="2000" dirty="0"/>
+            <a:endParaRPr lang="en-US" altLang="zh-CN" dirty="0">
+              <a:latin typeface="Roboto Mono Light" pitchFamily="2" charset="0"/>
+            </a:endParaRPr>
           </a:p>
           <a:p>
             <a:pPr marL="457200" lvl="1" indent="0">
               <a:buNone/>
             </a:pPr>
             <a:r>
-              <a:rPr lang="en-US" altLang="zh-CN" sz="2000" dirty="0" err="1"/>
+              <a:rPr lang="en-US" altLang="zh-CN" err="1">
+                <a:latin typeface="Roboto Mono Light" pitchFamily="2" charset="0"/>
+              </a:rPr>
               <a:t>ps</a:t>
             </a:r>
             <a:r>
-              <a:rPr lang="en-US" altLang="zh-CN" sz="2000" dirty="0"/>
-              <a:t>   -aux //</a:t>
-            </a:r>
-            <a:r>
-              <a:rPr lang="zh-CN" altLang="en-US" sz="2000" dirty="0"/>
-              <a:t>查看详细信息，如有效用户，</a:t>
-            </a:r>
-            <a:r>
-              <a:rPr lang="en-US" altLang="zh-CN" sz="2000" dirty="0" err="1"/>
+              <a:rPr lang="en-US" altLang="zh-CN">
+                <a:latin typeface="Roboto Mono Light" pitchFamily="2" charset="0"/>
+              </a:rPr>
+              <a:t> -aux //</a:t>
+            </a:r>
+            <a:r>
+              <a:rPr lang="zh-CN" altLang="en-US">
+                <a:latin typeface="Roboto Mono Light" pitchFamily="2" charset="0"/>
+              </a:rPr>
+              <a:t>查看</a:t>
+            </a:r>
+            <a:r>
+              <a:rPr lang="zh-CN" altLang="en-US" dirty="0">
+                <a:latin typeface="Roboto Mono Light" pitchFamily="2" charset="0"/>
+              </a:rPr>
+              <a:t>详细信息，如有效用户，</a:t>
+            </a:r>
+            <a:r>
+              <a:rPr lang="en-US" altLang="zh-CN" dirty="0" err="1">
+                <a:latin typeface="Roboto Mono Light" pitchFamily="2" charset="0"/>
+              </a:rPr>
               <a:t>pid</a:t>
             </a:r>
             <a:r>
-              <a:rPr lang="zh-CN" altLang="en-US" sz="2000" dirty="0"/>
+              <a:rPr lang="zh-CN" altLang="en-US" dirty="0">
+                <a:latin typeface="Roboto Mono Light" pitchFamily="2" charset="0"/>
+              </a:rPr>
               <a:t>，</a:t>
             </a:r>
             <a:r>
-              <a:rPr lang="en-US" altLang="zh-CN" sz="2000" dirty="0"/>
+              <a:rPr lang="en-US" altLang="zh-CN" dirty="0">
+                <a:latin typeface="Roboto Mono Light" pitchFamily="2" charset="0"/>
+              </a:rPr>
               <a:t>CPU</a:t>
             </a:r>
             <a:r>
-              <a:rPr lang="zh-CN" altLang="en-US" sz="2000" dirty="0"/>
+              <a:rPr lang="zh-CN" altLang="en-US" dirty="0">
+                <a:latin typeface="Roboto Mono Light" pitchFamily="2" charset="0"/>
+              </a:rPr>
               <a:t>占用，内存占用等</a:t>
             </a:r>
-            <a:endParaRPr lang="en-US" altLang="zh-CN" sz="2000" dirty="0"/>
+            <a:endParaRPr lang="en-US" altLang="zh-CN" dirty="0">
+              <a:latin typeface="Roboto Mono Light" pitchFamily="2" charset="0"/>
+            </a:endParaRPr>
           </a:p>
           <a:p>
             <a:pPr marL="457200" lvl="1" indent="0">
               <a:buNone/>
             </a:pPr>
             <a:r>
-              <a:rPr lang="en-US" altLang="zh-CN" sz="2000" dirty="0" err="1"/>
+              <a:rPr lang="en-US" altLang="zh-CN" err="1">
+                <a:latin typeface="Roboto Mono Light" pitchFamily="2" charset="0"/>
+              </a:rPr>
               <a:t>ps</a:t>
             </a:r>
             <a:r>
-              <a:rPr lang="en-US" altLang="zh-CN" sz="2000" dirty="0"/>
-              <a:t>   -</a:t>
-            </a:r>
-            <a:r>
-              <a:rPr lang="en-US" altLang="zh-CN" sz="2000" dirty="0" err="1"/>
+              <a:rPr lang="en-US" altLang="zh-CN">
+                <a:latin typeface="Roboto Mono Light" pitchFamily="2" charset="0"/>
+              </a:rPr>
+              <a:t> -</a:t>
+            </a:r>
+            <a:r>
+              <a:rPr lang="en-US" altLang="zh-CN" err="1">
+                <a:latin typeface="Roboto Mono Light" pitchFamily="2" charset="0"/>
+              </a:rPr>
               <a:t>ejH</a:t>
             </a:r>
             <a:r>
-              <a:rPr lang="en-US" altLang="zh-CN" sz="2000" dirty="0"/>
-              <a:t>  </a:t>
-            </a:r>
-            <a:r>
-              <a:rPr lang="zh-CN" altLang="en-US" sz="2000" dirty="0"/>
-              <a:t>显示进程树</a:t>
-            </a:r>
-            <a:endParaRPr lang="en-US" altLang="zh-CN" sz="2000" dirty="0"/>
+              <a:rPr lang="en-US" altLang="zh-CN">
+                <a:latin typeface="Roboto Mono Light" pitchFamily="2" charset="0"/>
+              </a:rPr>
+              <a:t>  //</a:t>
+            </a:r>
+            <a:r>
+              <a:rPr lang="zh-CN" altLang="en-US">
+                <a:latin typeface="Roboto Mono Light" pitchFamily="2" charset="0"/>
+              </a:rPr>
+              <a:t>显示</a:t>
+            </a:r>
+            <a:r>
+              <a:rPr lang="zh-CN" altLang="en-US" dirty="0">
+                <a:latin typeface="Roboto Mono Light" pitchFamily="2" charset="0"/>
+              </a:rPr>
+              <a:t>进程树</a:t>
+            </a:r>
+            <a:endParaRPr lang="en-US" altLang="zh-CN" dirty="0">
+              <a:latin typeface="Roboto Mono Light" pitchFamily="2" charset="0"/>
+            </a:endParaRPr>
           </a:p>
           <a:p>
             <a:pPr marL="457200" lvl="1" indent="0">
               <a:buNone/>
             </a:pPr>
-            <a:endParaRPr lang="en-US" altLang="zh-CN" sz="2000" dirty="0"/>
-          </a:p>
-          <a:p>
-            <a:r>
-              <a:rPr lang="zh-CN" altLang="en-US" sz="2000" dirty="0"/>
+            <a:endParaRPr lang="en-US" altLang="zh-CN" dirty="0">
+              <a:latin typeface="Roboto Mono Light" pitchFamily="2" charset="0"/>
+            </a:endParaRPr>
+          </a:p>
+          <a:p>
+            <a:r>
+              <a:rPr lang="zh-CN" altLang="en-US" sz="2400" dirty="0">
+                <a:latin typeface="Roboto Mono Light" pitchFamily="2" charset="0"/>
+              </a:rPr>
               <a:t>运行 </a:t>
             </a:r>
             <a:r>
-              <a:rPr lang="en-US" altLang="zh-CN" sz="2000" dirty="0"/>
+              <a:rPr lang="en-US" altLang="zh-CN" sz="2400" dirty="0">
+                <a:latin typeface="Roboto Mono Light" pitchFamily="2" charset="0"/>
+              </a:rPr>
               <a:t>man </a:t>
             </a:r>
             <a:r>
-              <a:rPr lang="en-US" altLang="zh-CN" sz="2000" dirty="0" err="1"/>
+              <a:rPr lang="en-US" altLang="zh-CN" sz="2400" dirty="0" err="1">
+                <a:latin typeface="Roboto Mono Light" pitchFamily="2" charset="0"/>
+              </a:rPr>
               <a:t>ps</a:t>
             </a:r>
             <a:r>
-              <a:rPr lang="en-US" altLang="zh-CN" sz="2000" dirty="0"/>
+              <a:rPr lang="en-US" altLang="zh-CN" sz="2400" dirty="0">
+                <a:latin typeface="Roboto Mono Light" pitchFamily="2" charset="0"/>
+              </a:rPr>
               <a:t> </a:t>
             </a:r>
             <a:r>
-              <a:rPr lang="zh-CN" altLang="en-US" sz="2000" dirty="0"/>
+              <a:rPr lang="zh-CN" altLang="en-US" sz="2400" dirty="0">
+                <a:latin typeface="Roboto Mono Light" pitchFamily="2" charset="0"/>
+              </a:rPr>
               <a:t>查看</a:t>
             </a:r>
             <a:r>
-              <a:rPr lang="en-US" altLang="zh-CN" sz="2000" dirty="0" err="1"/>
+              <a:rPr lang="en-US" altLang="zh-CN" sz="2400" dirty="0" err="1">
+                <a:latin typeface="Roboto Mono Light" pitchFamily="2" charset="0"/>
+              </a:rPr>
               <a:t>ps</a:t>
             </a:r>
             <a:r>
-              <a:rPr lang="zh-CN" altLang="en-US" sz="2000" dirty="0"/>
+              <a:rPr lang="zh-CN" altLang="en-US" sz="2400" dirty="0">
+                <a:latin typeface="Roboto Mono Light" pitchFamily="2" charset="0"/>
+              </a:rPr>
               <a:t>手册。</a:t>
             </a:r>
-            <a:endParaRPr lang="en-US" altLang="zh-CN" sz="2000" dirty="0"/>
-          </a:p>
-          <a:p>
-            <a:endParaRPr lang="en-US" altLang="zh-CN" sz="2000" dirty="0"/>
-          </a:p>
-          <a:p>
-            <a:r>
-              <a:rPr lang="zh-CN" altLang="en-US" sz="2000" dirty="0"/>
+            <a:endParaRPr lang="en-US" altLang="zh-CN" sz="2400" dirty="0">
+              <a:latin typeface="Roboto Mono Light" pitchFamily="2" charset="0"/>
+            </a:endParaRPr>
+          </a:p>
+          <a:p>
+            <a:endParaRPr lang="en-US" altLang="zh-CN" sz="2400" dirty="0">
+              <a:latin typeface="Roboto Mono Light" pitchFamily="2" charset="0"/>
+            </a:endParaRPr>
+          </a:p>
+          <a:p>
+            <a:r>
+              <a:rPr lang="zh-CN" altLang="en-US" sz="2400" dirty="0">
+                <a:latin typeface="Roboto Mono Light" pitchFamily="2" charset="0"/>
+              </a:rPr>
               <a:t>分页查看进程信息： </a:t>
             </a:r>
             <a:r>
-              <a:rPr lang="en-US" altLang="zh-CN" sz="2000" dirty="0" err="1"/>
+              <a:rPr lang="en-US" altLang="zh-CN" sz="2400" dirty="0" err="1">
+                <a:latin typeface="Roboto Mono Light" pitchFamily="2" charset="0"/>
+              </a:rPr>
               <a:t>ps</a:t>
             </a:r>
             <a:r>
-              <a:rPr lang="en-US" altLang="zh-CN" sz="2000" dirty="0"/>
+              <a:rPr lang="en-US" altLang="zh-CN" sz="2400" dirty="0">
+                <a:latin typeface="Roboto Mono Light" pitchFamily="2" charset="0"/>
+              </a:rPr>
               <a:t> -aux | less</a:t>
             </a:r>
           </a:p>
           <a:p>
-            <a:endParaRPr lang="en-US" altLang="zh-CN" sz="2000" dirty="0"/>
-          </a:p>
-          <a:p>
-            <a:r>
-              <a:rPr lang="zh-CN" altLang="en-US" sz="2000" dirty="0"/>
+            <a:endParaRPr lang="en-US" altLang="zh-CN" sz="2400" dirty="0">
+              <a:latin typeface="Roboto Mono Light" pitchFamily="2" charset="0"/>
+            </a:endParaRPr>
+          </a:p>
+          <a:p>
+            <a:r>
+              <a:rPr lang="zh-CN" altLang="en-US" sz="2400" dirty="0">
+                <a:latin typeface="Roboto Mono Light" pitchFamily="2" charset="0"/>
+              </a:rPr>
               <a:t>按列显示：</a:t>
             </a:r>
             <a:r>
-              <a:rPr lang="en-US" altLang="zh-CN" sz="2000" dirty="0" err="1"/>
+              <a:rPr lang="en-US" altLang="zh-CN" sz="2400" dirty="0" err="1">
+                <a:latin typeface="Roboto Mono Light" pitchFamily="2" charset="0"/>
+              </a:rPr>
               <a:t>ps</a:t>
             </a:r>
             <a:r>
-              <a:rPr lang="en-US" altLang="zh-CN" sz="2000" dirty="0"/>
+              <a:rPr lang="en-US" altLang="zh-CN" sz="2400" dirty="0">
+                <a:latin typeface="Roboto Mono Light" pitchFamily="2" charset="0"/>
+              </a:rPr>
               <a:t>  -o </a:t>
             </a:r>
             <a:r>
-              <a:rPr lang="en-US" altLang="zh-CN" sz="2000" dirty="0" err="1"/>
+              <a:rPr lang="en-US" altLang="zh-CN" sz="2400" dirty="0" err="1">
+                <a:latin typeface="Roboto Mono Light" pitchFamily="2" charset="0"/>
+              </a:rPr>
               <a:t>user,pid,ppid,tty,comm,args</a:t>
             </a:r>
             <a:r>
-              <a:rPr lang="en-US" altLang="zh-CN" sz="2000" dirty="0"/>
+              <a:rPr lang="en-US" altLang="zh-CN" sz="2400" dirty="0">
+                <a:latin typeface="Roboto Mono Light" pitchFamily="2" charset="0"/>
+              </a:rPr>
               <a:t>  -e</a:t>
             </a:r>
           </a:p>
@@ -8979,37 +9111,55 @@
           <a:lstStyle/>
           <a:p>
             <a:r>
-              <a:rPr lang="en-US" altLang="zh-CN" sz="2000" dirty="0"/>
+              <a:rPr lang="en-US" altLang="zh-CN" sz="2400" dirty="0">
+                <a:latin typeface="Roboto Mono Light" pitchFamily="2" charset="0"/>
+              </a:rPr>
               <a:t>Linux</a:t>
             </a:r>
             <a:r>
-              <a:rPr lang="zh-CN" altLang="en-US" sz="2000" dirty="0"/>
+              <a:rPr lang="zh-CN" altLang="en-US" sz="2400" dirty="0">
+                <a:latin typeface="Roboto Mono Light" pitchFamily="2" charset="0"/>
+              </a:rPr>
               <a:t>提供了</a:t>
             </a:r>
             <a:r>
-              <a:rPr lang="en-US" altLang="zh-CN" sz="2000" dirty="0" err="1"/>
+              <a:rPr lang="en-US" altLang="zh-CN" sz="2400" dirty="0" err="1">
+                <a:latin typeface="Roboto Mono Light" pitchFamily="2" charset="0"/>
+              </a:rPr>
               <a:t>pgrep</a:t>
             </a:r>
             <a:r>
-              <a:rPr lang="zh-CN" altLang="en-US" sz="2000" dirty="0"/>
+              <a:rPr lang="zh-CN" altLang="en-US" sz="2400" dirty="0">
+                <a:latin typeface="Roboto Mono Light" pitchFamily="2" charset="0"/>
+              </a:rPr>
               <a:t>命令查询进程信息。</a:t>
             </a:r>
-            <a:endParaRPr lang="en-US" altLang="zh-CN" sz="2000" dirty="0"/>
-          </a:p>
-          <a:p>
-            <a:endParaRPr lang="en-US" altLang="zh-CN" sz="2000" dirty="0"/>
-          </a:p>
-          <a:p>
-            <a:r>
-              <a:rPr lang="zh-CN" altLang="en-US" sz="2000" dirty="0"/>
+            <a:endParaRPr lang="en-US" altLang="zh-CN" sz="2400" dirty="0">
+              <a:latin typeface="Roboto Mono Light" pitchFamily="2" charset="0"/>
+            </a:endParaRPr>
+          </a:p>
+          <a:p>
+            <a:endParaRPr lang="en-US" altLang="zh-CN" sz="2400" dirty="0">
+              <a:latin typeface="Roboto Mono Light" pitchFamily="2" charset="0"/>
+            </a:endParaRPr>
+          </a:p>
+          <a:p>
+            <a:r>
+              <a:rPr lang="zh-CN" altLang="en-US" sz="2400" dirty="0">
+                <a:latin typeface="Roboto Mono Light" pitchFamily="2" charset="0"/>
+              </a:rPr>
               <a:t>使用方式： </a:t>
             </a:r>
             <a:r>
-              <a:rPr lang="en-US" altLang="zh-CN" sz="2000" dirty="0" err="1"/>
+              <a:rPr lang="en-US" altLang="zh-CN" sz="2400" dirty="0" err="1">
+                <a:latin typeface="Roboto Mono Light" pitchFamily="2" charset="0"/>
+              </a:rPr>
               <a:t>pgrep</a:t>
             </a:r>
             <a:r>
-              <a:rPr lang="en-US" altLang="zh-CN" sz="2000" dirty="0"/>
+              <a:rPr lang="en-US" altLang="zh-CN" sz="2400" dirty="0">
+                <a:latin typeface="Roboto Mono Light" pitchFamily="2" charset="0"/>
+              </a:rPr>
               <a:t> [options] KEYWORD</a:t>
             </a:r>
           </a:p>
@@ -9018,86 +9168,126 @@
               <a:buNone/>
             </a:pPr>
             <a:r>
-              <a:rPr lang="en-US" altLang="zh-CN" sz="2000" dirty="0" err="1"/>
+              <a:rPr lang="en-US" altLang="zh-CN" dirty="0" err="1">
+                <a:latin typeface="Roboto Mono Light" pitchFamily="2" charset="0"/>
+              </a:rPr>
               <a:t>pgrep</a:t>
             </a:r>
             <a:r>
-              <a:rPr lang="en-US" altLang="zh-CN" sz="2000" dirty="0"/>
+              <a:rPr lang="en-US" altLang="zh-CN" dirty="0">
+                <a:latin typeface="Roboto Mono Light" pitchFamily="2" charset="0"/>
+              </a:rPr>
               <a:t> –a </a:t>
             </a:r>
             <a:r>
-              <a:rPr lang="en-US" altLang="zh-CN" sz="2000" dirty="0" err="1"/>
+              <a:rPr lang="en-US" altLang="zh-CN" dirty="0" err="1">
+                <a:latin typeface="Roboto Mono Light" pitchFamily="2" charset="0"/>
+              </a:rPr>
               <a:t>sh</a:t>
             </a:r>
             <a:r>
-              <a:rPr lang="en-US" altLang="zh-CN" sz="2000" dirty="0"/>
+              <a:rPr lang="en-US" altLang="zh-CN" dirty="0">
+                <a:latin typeface="Roboto Mono Light" pitchFamily="2" charset="0"/>
+              </a:rPr>
               <a:t> </a:t>
             </a:r>
             <a:r>
-              <a:rPr lang="zh-CN" altLang="en-US" sz="2000" dirty="0"/>
+              <a:rPr lang="zh-CN" altLang="en-US" dirty="0">
+                <a:latin typeface="Roboto Mono Light" pitchFamily="2" charset="0"/>
+              </a:rPr>
               <a:t>搜索名称含有</a:t>
             </a:r>
             <a:r>
-              <a:rPr lang="en-US" altLang="zh-CN" sz="2000" dirty="0" err="1"/>
+              <a:rPr lang="en-US" altLang="zh-CN" dirty="0" err="1">
+                <a:latin typeface="Roboto Mono Light" pitchFamily="2" charset="0"/>
+              </a:rPr>
               <a:t>sh</a:t>
             </a:r>
             <a:r>
-              <a:rPr lang="zh-CN" altLang="en-US" sz="2000" dirty="0"/>
+              <a:rPr lang="zh-CN" altLang="en-US" dirty="0">
+                <a:latin typeface="Roboto Mono Light" pitchFamily="2" charset="0"/>
+              </a:rPr>
               <a:t>的进程，并列出详细信息。</a:t>
             </a:r>
-            <a:endParaRPr lang="en-US" altLang="zh-CN" sz="2000" dirty="0"/>
+            <a:endParaRPr lang="en-US" altLang="zh-CN" dirty="0">
+              <a:latin typeface="Roboto Mono Light" pitchFamily="2" charset="0"/>
+            </a:endParaRPr>
           </a:p>
           <a:p>
             <a:pPr marL="457200" lvl="1" indent="0">
               <a:buNone/>
             </a:pPr>
             <a:r>
-              <a:rPr lang="en-US" altLang="zh-CN" sz="2000" dirty="0" err="1"/>
+              <a:rPr lang="en-US" altLang="zh-CN" dirty="0" err="1">
+                <a:latin typeface="Roboto Mono Light" pitchFamily="2" charset="0"/>
+              </a:rPr>
               <a:t>pgrep</a:t>
             </a:r>
             <a:r>
-              <a:rPr lang="en-US" altLang="zh-CN" sz="2000" dirty="0"/>
+              <a:rPr lang="en-US" altLang="zh-CN" dirty="0">
+                <a:latin typeface="Roboto Mono Light" pitchFamily="2" charset="0"/>
+              </a:rPr>
               <a:t> –l </a:t>
             </a:r>
             <a:r>
-              <a:rPr lang="en-US" altLang="zh-CN" sz="2000" dirty="0" err="1"/>
+              <a:rPr lang="en-US" altLang="zh-CN" dirty="0" err="1">
+                <a:latin typeface="Roboto Mono Light" pitchFamily="2" charset="0"/>
+              </a:rPr>
               <a:t>sh</a:t>
             </a:r>
             <a:r>
-              <a:rPr lang="en-US" altLang="zh-CN" sz="2000" dirty="0"/>
+              <a:rPr lang="en-US" altLang="zh-CN" dirty="0">
+                <a:latin typeface="Roboto Mono Light" pitchFamily="2" charset="0"/>
+              </a:rPr>
               <a:t> </a:t>
             </a:r>
             <a:r>
-              <a:rPr lang="zh-CN" altLang="en-US" sz="2000" dirty="0"/>
+              <a:rPr lang="zh-CN" altLang="en-US" dirty="0">
+                <a:latin typeface="Roboto Mono Light" pitchFamily="2" charset="0"/>
+              </a:rPr>
               <a:t>仅仅列出名称和</a:t>
             </a:r>
             <a:r>
-              <a:rPr lang="en-US" altLang="zh-CN" sz="2000" dirty="0"/>
+              <a:rPr lang="en-US" altLang="zh-CN" dirty="0">
+                <a:latin typeface="Roboto Mono Light" pitchFamily="2" charset="0"/>
+              </a:rPr>
               <a:t>PID</a:t>
             </a:r>
             <a:r>
-              <a:rPr lang="zh-CN" altLang="en-US" sz="2000" dirty="0"/>
+              <a:rPr lang="zh-CN" altLang="en-US" dirty="0">
+                <a:latin typeface="Roboto Mono Light" pitchFamily="2" charset="0"/>
+              </a:rPr>
               <a:t>。</a:t>
             </a:r>
-            <a:endParaRPr lang="en-US" altLang="zh-CN" sz="2000" dirty="0"/>
+            <a:endParaRPr lang="en-US" altLang="zh-CN" dirty="0">
+              <a:latin typeface="Roboto Mono Light" pitchFamily="2" charset="0"/>
+            </a:endParaRPr>
           </a:p>
           <a:p>
             <a:pPr marL="457200" lvl="1" indent="0">
               <a:buNone/>
             </a:pPr>
-            <a:endParaRPr lang="en-US" altLang="zh-CN" sz="2000" dirty="0"/>
-          </a:p>
-          <a:p>
-            <a:r>
-              <a:rPr lang="zh-CN" altLang="en-US" sz="2000" dirty="0"/>
+            <a:endParaRPr lang="en-US" altLang="zh-CN" dirty="0">
+              <a:latin typeface="Roboto Mono Light" pitchFamily="2" charset="0"/>
+            </a:endParaRPr>
+          </a:p>
+          <a:p>
+            <a:r>
+              <a:rPr lang="zh-CN" altLang="en-US" sz="2400" dirty="0">
+                <a:latin typeface="Roboto Mono Light" pitchFamily="2" charset="0"/>
+              </a:rPr>
               <a:t>另一种方式：</a:t>
             </a:r>
             <a:r>
-              <a:rPr lang="en-US" altLang="zh-CN" sz="2000" dirty="0" err="1"/>
+              <a:rPr lang="en-US" altLang="zh-CN" sz="2400" dirty="0" err="1">
+                <a:latin typeface="Roboto Mono Light" pitchFamily="2" charset="0"/>
+              </a:rPr>
               <a:t>ps</a:t>
             </a:r>
             <a:r>
-              <a:rPr lang="en-US" altLang="zh-CN" sz="2000" dirty="0"/>
+              <a:rPr lang="en-US" altLang="zh-CN" sz="2400" dirty="0">
+                <a:latin typeface="Roboto Mono Light" pitchFamily="2" charset="0"/>
+              </a:rPr>
               <a:t> -e | grep KEYWORD</a:t>
             </a:r>
           </a:p>
@@ -9184,210 +9374,304 @@
         </p:nvSpPr>
         <p:spPr/>
         <p:txBody>
-          <a:bodyPr/>
-          <a:lstStyle/>
-          <a:p>
-            <a:r>
-              <a:rPr lang="en-US" altLang="zh-CN" sz="2000" dirty="0"/>
+          <a:bodyPr>
+            <a:normAutofit/>
+          </a:bodyPr>
+          <a:lstStyle/>
+          <a:p>
+            <a:r>
+              <a:rPr lang="en-US" altLang="zh-CN" sz="2400" dirty="0">
+                <a:latin typeface="Roboto Mono Light" pitchFamily="2" charset="0"/>
+              </a:rPr>
               <a:t>kill</a:t>
             </a:r>
             <a:r>
-              <a:rPr lang="zh-CN" altLang="en-US" sz="2000" dirty="0"/>
-              <a:t>：向指定的进程发送信号。</a:t>
-            </a:r>
-            <a:endParaRPr lang="en-US" altLang="zh-CN" sz="2000" dirty="0"/>
-          </a:p>
-          <a:p>
-            <a:r>
-              <a:rPr lang="zh-CN" altLang="en-US" sz="2000" dirty="0"/>
+              <a:rPr lang="zh-CN" altLang="en-US" sz="2400" dirty="0">
+                <a:latin typeface="Roboto Mono Light" pitchFamily="2" charset="0"/>
+              </a:rPr>
+              <a:t>：向指定的进程发送</a:t>
+            </a:r>
+            <a:r>
+              <a:rPr lang="zh-CN" altLang="en-US" sz="2400">
+                <a:latin typeface="Roboto Mono Light" pitchFamily="2" charset="0"/>
+              </a:rPr>
+              <a:t>信号。</a:t>
+            </a:r>
+            <a:r>
+              <a:rPr lang="en-US" altLang="zh-CN" sz="2400">
+                <a:latin typeface="Roboto Mono Light" pitchFamily="2" charset="0"/>
+              </a:rPr>
+              <a:t> kill –l </a:t>
+            </a:r>
+            <a:r>
+              <a:rPr lang="zh-CN" altLang="en-US" sz="2400">
+                <a:latin typeface="Roboto Mono Light" pitchFamily="2" charset="0"/>
+              </a:rPr>
+              <a:t>查看所有的信号。</a:t>
+            </a:r>
+            <a:endParaRPr lang="en-US" altLang="zh-CN" sz="2400" dirty="0">
+              <a:latin typeface="Roboto Mono Light" pitchFamily="2" charset="0"/>
+            </a:endParaRPr>
+          </a:p>
+          <a:p>
+            <a:r>
+              <a:rPr lang="zh-CN" altLang="en-US" sz="2400" dirty="0">
+                <a:latin typeface="Roboto Mono Light" pitchFamily="2" charset="0"/>
+              </a:rPr>
               <a:t>示例：</a:t>
             </a:r>
-            <a:endParaRPr lang="en-US" altLang="zh-CN" sz="2000" dirty="0"/>
+            <a:endParaRPr lang="en-US" altLang="zh-CN" sz="2400" dirty="0">
+              <a:latin typeface="Roboto Mono Light" pitchFamily="2" charset="0"/>
+            </a:endParaRPr>
           </a:p>
           <a:p>
             <a:pPr marL="0" indent="0">
               <a:buNone/>
             </a:pPr>
             <a:r>
-              <a:rPr lang="en-US" altLang="zh-CN" sz="2000" dirty="0"/>
+              <a:rPr lang="en-US" altLang="zh-CN" sz="2400" dirty="0">
+                <a:latin typeface="Roboto Mono Light" pitchFamily="2" charset="0"/>
+              </a:rPr>
               <a:t>    kill 1234 //</a:t>
             </a:r>
             <a:r>
-              <a:rPr lang="zh-CN" altLang="en-US" sz="2000" dirty="0"/>
+              <a:rPr lang="zh-CN" altLang="en-US" sz="2400" dirty="0">
+                <a:latin typeface="Roboto Mono Light" pitchFamily="2" charset="0"/>
+              </a:rPr>
               <a:t>向</a:t>
             </a:r>
             <a:r>
-              <a:rPr lang="en-US" altLang="zh-CN" sz="2000" dirty="0"/>
+              <a:rPr lang="en-US" altLang="zh-CN" sz="2400" dirty="0">
+                <a:latin typeface="Roboto Mono Light" pitchFamily="2" charset="0"/>
+              </a:rPr>
               <a:t>PID</a:t>
             </a:r>
             <a:r>
-              <a:rPr lang="zh-CN" altLang="en-US" sz="2000" dirty="0"/>
+              <a:rPr lang="zh-CN" altLang="en-US" sz="2400" dirty="0">
+                <a:latin typeface="Roboto Mono Light" pitchFamily="2" charset="0"/>
+              </a:rPr>
               <a:t>为</a:t>
             </a:r>
             <a:r>
-              <a:rPr lang="en-US" altLang="zh-CN" sz="2000" dirty="0"/>
+              <a:rPr lang="en-US" altLang="zh-CN" sz="2400" dirty="0">
+                <a:latin typeface="Roboto Mono Light" pitchFamily="2" charset="0"/>
+              </a:rPr>
               <a:t>1234</a:t>
             </a:r>
             <a:r>
-              <a:rPr lang="zh-CN" altLang="en-US" sz="2000" dirty="0"/>
-              <a:t>的进程发送终止信号。</a:t>
-            </a:r>
-            <a:endParaRPr lang="en-US" altLang="zh-CN" sz="2000" dirty="0"/>
+              <a:rPr lang="zh-CN" altLang="en-US" sz="2400" dirty="0">
+                <a:latin typeface="Roboto Mono Light" pitchFamily="2" charset="0"/>
+              </a:rPr>
+              <a:t>的进程发送终止</a:t>
+            </a:r>
+            <a:r>
+              <a:rPr lang="zh-CN" altLang="en-US" sz="2400">
+                <a:latin typeface="Roboto Mono Light" pitchFamily="2" charset="0"/>
+              </a:rPr>
+              <a:t>信号。</a:t>
+            </a:r>
+            <a:endParaRPr lang="en-US" altLang="zh-CN" sz="2400" dirty="0">
+              <a:latin typeface="Roboto Mono Light" pitchFamily="2" charset="0"/>
+            </a:endParaRPr>
+          </a:p>
+          <a:p>
+            <a:r>
+              <a:rPr lang="zh-CN" altLang="en-US" sz="2400" dirty="0">
+                <a:latin typeface="Roboto Mono Light" pitchFamily="2" charset="0"/>
+              </a:rPr>
+              <a:t> 默认的信号是</a:t>
+            </a:r>
+            <a:r>
+              <a:rPr lang="en-US" altLang="zh-CN" sz="2400" dirty="0">
+                <a:latin typeface="Roboto Mono Light" pitchFamily="2" charset="0"/>
+              </a:rPr>
+              <a:t>SIGTERM</a:t>
+            </a:r>
+            <a:r>
+              <a:rPr lang="zh-CN" altLang="en-US" sz="2400" dirty="0">
+                <a:latin typeface="Roboto Mono Light" pitchFamily="2" charset="0"/>
+              </a:rPr>
+              <a:t>，此信号通常会终止程序的运行，但程序可能仍然继续运行</a:t>
+            </a:r>
+            <a:r>
+              <a:rPr lang="zh-CN" altLang="en-US" sz="2400">
+                <a:latin typeface="Roboto Mono Light" pitchFamily="2" charset="0"/>
+              </a:rPr>
+              <a:t>。这个时候</a:t>
+            </a:r>
+            <a:r>
+              <a:rPr lang="zh-CN" altLang="en-US" sz="2400" dirty="0">
+                <a:latin typeface="Roboto Mono Light" pitchFamily="2" charset="0"/>
+              </a:rPr>
+              <a:t>可以向进程传递</a:t>
+            </a:r>
+            <a:r>
+              <a:rPr lang="en-US" altLang="zh-CN" sz="2400" dirty="0">
+                <a:latin typeface="Roboto Mono Light" pitchFamily="2" charset="0"/>
+              </a:rPr>
+              <a:t>SIGKILL</a:t>
+            </a:r>
+            <a:r>
+              <a:rPr lang="zh-CN" altLang="en-US" sz="2400" dirty="0">
+                <a:latin typeface="Roboto Mono Light" pitchFamily="2" charset="0"/>
+              </a:rPr>
+              <a:t>信号，会强制进程结束。</a:t>
+            </a:r>
+            <a:endParaRPr lang="en-US" altLang="zh-CN" sz="2400" dirty="0">
+              <a:latin typeface="Roboto Mono Light" pitchFamily="2" charset="0"/>
+            </a:endParaRPr>
           </a:p>
           <a:p>
             <a:pPr marL="0" indent="0">
               <a:buNone/>
             </a:pPr>
-            <a:endParaRPr lang="en-US" altLang="zh-CN" sz="2000" dirty="0"/>
-          </a:p>
-          <a:p>
-            <a:r>
-              <a:rPr lang="zh-CN" altLang="en-US" sz="2000" dirty="0"/>
-              <a:t> 默认的信号是</a:t>
-            </a:r>
-            <a:r>
-              <a:rPr lang="en-US" altLang="zh-CN" sz="2000" dirty="0"/>
-              <a:t>SIGTERM</a:t>
-            </a:r>
-            <a:r>
-              <a:rPr lang="zh-CN" altLang="en-US" sz="2000" dirty="0"/>
-              <a:t>，此信号通常会终止程序的运行，但程序可能仍然继续运行。这个</a:t>
-            </a:r>
-            <a:endParaRPr lang="en-US" altLang="zh-CN" sz="2000" dirty="0"/>
+            <a:r>
+              <a:rPr lang="en-US" altLang="zh-CN" sz="2400" dirty="0">
+                <a:latin typeface="Roboto Mono Light" pitchFamily="2" charset="0"/>
+              </a:rPr>
+              <a:t>    kill -9 1234 //</a:t>
+            </a:r>
+            <a:r>
+              <a:rPr lang="zh-CN" altLang="en-US" sz="2400" dirty="0">
+                <a:latin typeface="Roboto Mono Light" pitchFamily="2" charset="0"/>
+              </a:rPr>
+              <a:t>向</a:t>
+            </a:r>
+            <a:r>
+              <a:rPr lang="en-US" altLang="zh-CN" sz="2400" dirty="0">
+                <a:latin typeface="Roboto Mono Light" pitchFamily="2" charset="0"/>
+              </a:rPr>
+              <a:t>PID</a:t>
+            </a:r>
+            <a:r>
+              <a:rPr lang="zh-CN" altLang="en-US" sz="2400" dirty="0">
+                <a:latin typeface="Roboto Mono Light" pitchFamily="2" charset="0"/>
+              </a:rPr>
+              <a:t>为</a:t>
+            </a:r>
+            <a:r>
+              <a:rPr lang="en-US" altLang="zh-CN" sz="2400" dirty="0">
+                <a:latin typeface="Roboto Mono Light" pitchFamily="2" charset="0"/>
+              </a:rPr>
+              <a:t>1234</a:t>
+            </a:r>
+            <a:r>
+              <a:rPr lang="zh-CN" altLang="en-US" sz="2400" dirty="0">
+                <a:latin typeface="Roboto Mono Light" pitchFamily="2" charset="0"/>
+              </a:rPr>
+              <a:t>的进程发送</a:t>
+            </a:r>
+            <a:r>
+              <a:rPr lang="en-US" altLang="zh-CN" sz="2400" dirty="0">
+                <a:latin typeface="Roboto Mono Light" pitchFamily="2" charset="0"/>
+              </a:rPr>
+              <a:t>kill</a:t>
+            </a:r>
+            <a:r>
+              <a:rPr lang="zh-CN" altLang="en-US" sz="2400" dirty="0">
+                <a:latin typeface="Roboto Mono Light" pitchFamily="2" charset="0"/>
+              </a:rPr>
+              <a:t>信号。</a:t>
+            </a:r>
+            <a:endParaRPr lang="en-US" altLang="zh-CN" sz="2400" dirty="0">
+              <a:latin typeface="Roboto Mono Light" pitchFamily="2" charset="0"/>
+            </a:endParaRPr>
           </a:p>
           <a:p>
             <a:pPr marL="0" indent="0">
               <a:buNone/>
             </a:pPr>
-            <a:r>
-              <a:rPr lang="en-US" altLang="zh-CN" sz="2000" dirty="0"/>
-              <a:t>    </a:t>
-            </a:r>
-            <a:r>
-              <a:rPr lang="zh-CN" altLang="en-US" sz="2000" dirty="0"/>
-              <a:t>时候可以向进程传递</a:t>
-            </a:r>
-            <a:r>
-              <a:rPr lang="en-US" altLang="zh-CN" sz="2000" dirty="0"/>
+            <a:endParaRPr lang="en-US" altLang="zh-CN" sz="2400" dirty="0">
+              <a:latin typeface="Roboto Mono Light" pitchFamily="2" charset="0"/>
+            </a:endParaRPr>
+          </a:p>
+          <a:p>
+            <a:r>
+              <a:rPr lang="en-US" altLang="zh-CN" sz="2400" dirty="0">
+                <a:latin typeface="Roboto Mono Light" pitchFamily="2" charset="0"/>
+              </a:rPr>
+              <a:t>SIGINT</a:t>
+            </a:r>
+            <a:r>
+              <a:rPr lang="zh-CN" altLang="en-US" sz="2400" dirty="0">
+                <a:latin typeface="Roboto Mono Light" pitchFamily="2" charset="0"/>
+              </a:rPr>
+              <a:t>，使用</a:t>
+            </a:r>
+            <a:r>
+              <a:rPr lang="en-US" altLang="zh-CN" sz="2400" dirty="0" err="1">
+                <a:latin typeface="Roboto Mono Light" pitchFamily="2" charset="0"/>
+              </a:rPr>
+              <a:t>ctrl+c</a:t>
+            </a:r>
+            <a:r>
+              <a:rPr lang="zh-CN" altLang="en-US" sz="2400" dirty="0">
+                <a:latin typeface="Roboto Mono Light" pitchFamily="2" charset="0"/>
+              </a:rPr>
+              <a:t>终止程序运行时发送的就是</a:t>
+            </a:r>
+            <a:r>
+              <a:rPr lang="en-US" altLang="zh-CN" sz="2400" dirty="0">
+                <a:latin typeface="Roboto Mono Light" pitchFamily="2" charset="0"/>
+              </a:rPr>
+              <a:t>SIGINT</a:t>
+            </a:r>
+            <a:r>
+              <a:rPr lang="zh-CN" altLang="en-US" sz="2400">
+                <a:latin typeface="Roboto Mono Light" pitchFamily="2" charset="0"/>
+              </a:rPr>
+              <a:t>信号，</a:t>
+            </a:r>
+            <a:r>
+              <a:rPr lang="en-US" altLang="zh-CN" sz="2400">
+                <a:latin typeface="Roboto Mono Light" pitchFamily="2" charset="0"/>
+              </a:rPr>
+              <a:t>SIGINT</a:t>
+            </a:r>
+            <a:r>
+              <a:rPr lang="zh-CN" altLang="en-US" sz="2400" dirty="0">
+                <a:latin typeface="Roboto Mono Light" pitchFamily="2" charset="0"/>
+              </a:rPr>
+              <a:t>、</a:t>
+            </a:r>
+            <a:r>
+              <a:rPr lang="en-US" altLang="zh-CN" sz="2400" dirty="0">
+                <a:latin typeface="Roboto Mono Light" pitchFamily="2" charset="0"/>
+              </a:rPr>
+              <a:t> SIGTERM</a:t>
+            </a:r>
+            <a:r>
+              <a:rPr lang="zh-CN" altLang="en-US" sz="2400" dirty="0">
+                <a:latin typeface="Roboto Mono Light" pitchFamily="2" charset="0"/>
+              </a:rPr>
+              <a:t>可以被程序捕获并进行自定义处理，而</a:t>
+            </a:r>
+            <a:r>
+              <a:rPr lang="en-US" altLang="zh-CN" sz="2400" dirty="0">
+                <a:latin typeface="Roboto Mono Light" pitchFamily="2" charset="0"/>
+              </a:rPr>
               <a:t>SIGKILL</a:t>
             </a:r>
             <a:r>
-              <a:rPr lang="zh-CN" altLang="en-US" sz="2000" dirty="0"/>
-              <a:t>信号，会强制进程结束。</a:t>
-            </a:r>
-            <a:endParaRPr lang="en-US" altLang="zh-CN" sz="2000" dirty="0"/>
-          </a:p>
-          <a:p>
-            <a:pPr marL="0" indent="0">
-              <a:buNone/>
-            </a:pPr>
-            <a:r>
-              <a:rPr lang="en-US" altLang="zh-CN" sz="2000" dirty="0"/>
-              <a:t>    kill -9 1234 //</a:t>
-            </a:r>
-            <a:r>
-              <a:rPr lang="zh-CN" altLang="en-US" sz="2000" dirty="0"/>
-              <a:t>向</a:t>
-            </a:r>
-            <a:r>
-              <a:rPr lang="en-US" altLang="zh-CN" sz="2000" dirty="0"/>
-              <a:t>PID</a:t>
-            </a:r>
-            <a:r>
-              <a:rPr lang="zh-CN" altLang="en-US" sz="2000" dirty="0"/>
-              <a:t>为</a:t>
-            </a:r>
-            <a:r>
-              <a:rPr lang="en-US" altLang="zh-CN" sz="2000" dirty="0"/>
-              <a:t>1234</a:t>
-            </a:r>
-            <a:r>
-              <a:rPr lang="zh-CN" altLang="en-US" sz="2000" dirty="0"/>
-              <a:t>的进程发送</a:t>
-            </a:r>
-            <a:r>
-              <a:rPr lang="en-US" altLang="zh-CN" sz="2000" dirty="0"/>
-              <a:t>kill</a:t>
-            </a:r>
-            <a:r>
-              <a:rPr lang="zh-CN" altLang="en-US" sz="2000" dirty="0"/>
-              <a:t>信号。</a:t>
-            </a:r>
-            <a:endParaRPr lang="en-US" altLang="zh-CN" sz="2000" dirty="0"/>
-          </a:p>
-          <a:p>
-            <a:pPr marL="0" indent="0">
-              <a:buNone/>
-            </a:pPr>
-            <a:endParaRPr lang="en-US" altLang="zh-CN" sz="2000" dirty="0"/>
-          </a:p>
-          <a:p>
-            <a:r>
-              <a:rPr lang="en-US" altLang="zh-CN" sz="2000" dirty="0"/>
-              <a:t>SIGINT</a:t>
-            </a:r>
-            <a:r>
-              <a:rPr lang="zh-CN" altLang="en-US" sz="2000" dirty="0"/>
-              <a:t>，使用</a:t>
-            </a:r>
-            <a:r>
-              <a:rPr lang="en-US" altLang="zh-CN" sz="2000" dirty="0" err="1"/>
-              <a:t>ctrl+c</a:t>
-            </a:r>
-            <a:r>
-              <a:rPr lang="zh-CN" altLang="en-US" sz="2000" dirty="0"/>
-              <a:t>终止程序运行时发送的就是</a:t>
-            </a:r>
-            <a:r>
-              <a:rPr lang="en-US" altLang="zh-CN" sz="2000" dirty="0"/>
-              <a:t>SIGINT</a:t>
-            </a:r>
-            <a:r>
-              <a:rPr lang="zh-CN" altLang="en-US" sz="2000" dirty="0"/>
-              <a:t>信号，</a:t>
-            </a:r>
-            <a:endParaRPr lang="en-US" altLang="zh-CN" sz="2000" dirty="0"/>
-          </a:p>
-          <a:p>
-            <a:r>
-              <a:rPr lang="en-US" altLang="zh-CN" sz="2000" dirty="0"/>
-              <a:t>SIGINT</a:t>
-            </a:r>
-            <a:r>
-              <a:rPr lang="zh-CN" altLang="en-US" sz="2000" dirty="0"/>
-              <a:t>、</a:t>
-            </a:r>
-            <a:r>
-              <a:rPr lang="en-US" altLang="zh-CN" sz="2000" dirty="0"/>
-              <a:t> SIGTERM</a:t>
-            </a:r>
-            <a:r>
-              <a:rPr lang="zh-CN" altLang="en-US" sz="2000" dirty="0"/>
-              <a:t>可以被程序捕获并进行自定义处理，而</a:t>
-            </a:r>
-            <a:r>
-              <a:rPr lang="en-US" altLang="zh-CN" sz="2000" dirty="0"/>
-              <a:t>SIGKILL</a:t>
-            </a:r>
-            <a:r>
-              <a:rPr lang="zh-CN" altLang="en-US" sz="2000" dirty="0"/>
-              <a:t>不能被捕获。</a:t>
-            </a:r>
-            <a:endParaRPr lang="en-US" altLang="zh-CN" sz="2000" dirty="0"/>
-          </a:p>
-          <a:p>
-            <a:r>
-              <a:rPr lang="en-US" altLang="zh-CN" sz="2000" dirty="0"/>
-              <a:t>kill  –l </a:t>
-            </a:r>
-            <a:r>
-              <a:rPr lang="zh-CN" altLang="en-US" sz="2000" dirty="0"/>
-              <a:t>查看所有的信号。</a:t>
-            </a:r>
-            <a:endParaRPr lang="en-US" altLang="zh-CN" sz="2000" dirty="0"/>
-          </a:p>
-          <a:p>
-            <a:endParaRPr lang="en-US" altLang="zh-CN" sz="2000" dirty="0"/>
+              <a:rPr lang="zh-CN" altLang="en-US" sz="2400" dirty="0">
+                <a:latin typeface="Roboto Mono Light" pitchFamily="2" charset="0"/>
+              </a:rPr>
+              <a:t>不能被</a:t>
+            </a:r>
+            <a:r>
+              <a:rPr lang="zh-CN" altLang="en-US" sz="2400">
+                <a:latin typeface="Roboto Mono Light" pitchFamily="2" charset="0"/>
+              </a:rPr>
+              <a:t>捕获。</a:t>
+            </a:r>
+            <a:endParaRPr lang="en-US" altLang="zh-CN" sz="2400" dirty="0">
+              <a:latin typeface="Roboto Mono Light" pitchFamily="2" charset="0"/>
+            </a:endParaRPr>
+          </a:p>
+          <a:p>
+            <a:endParaRPr lang="en-US" altLang="zh-CN" sz="2000" dirty="0">
+              <a:latin typeface="Roboto Mono Light" pitchFamily="2" charset="0"/>
+            </a:endParaRPr>
           </a:p>
         </p:txBody>
       </p:sp>
@@ -9467,51 +9751,53 @@
         </p:nvSpPr>
         <p:spPr/>
         <p:txBody>
-          <a:bodyPr/>
-          <a:lstStyle/>
-          <a:p>
-            <a:r>
-              <a:rPr lang="zh-CN" altLang="en-US" sz="2000" dirty="0"/>
+          <a:bodyPr>
+            <a:normAutofit/>
+          </a:bodyPr>
+          <a:lstStyle/>
+          <a:p>
+            <a:r>
+              <a:rPr lang="zh-CN" altLang="en-US" sz="2400" dirty="0"/>
               <a:t>一个任务如果运行时间太长，或者是需要长期运行的情况，此时想要获取终端控制权。可以把任务转至后台。</a:t>
             </a:r>
-            <a:endParaRPr lang="en-US" altLang="zh-CN" sz="2000" dirty="0"/>
-          </a:p>
-          <a:p>
-            <a:endParaRPr lang="en-US" altLang="zh-CN" sz="2000" dirty="0"/>
-          </a:p>
-          <a:p>
-            <a:r>
-              <a:rPr lang="zh-CN" altLang="en-US" sz="2000" dirty="0"/>
+            <a:endParaRPr lang="en-US" altLang="zh-CN" sz="2400" dirty="0"/>
+          </a:p>
+          <a:p>
+            <a:endParaRPr lang="en-US" altLang="zh-CN" sz="2400" dirty="0"/>
+          </a:p>
+          <a:p>
+            <a:r>
+              <a:rPr lang="zh-CN" altLang="en-US" sz="2400" dirty="0"/>
               <a:t>在命令后面加入</a:t>
             </a:r>
             <a:r>
-              <a:rPr lang="en-US" altLang="zh-CN" sz="2000" dirty="0"/>
+              <a:rPr lang="en-US" altLang="zh-CN" sz="2400" dirty="0"/>
               <a:t>&amp;</a:t>
             </a:r>
             <a:r>
-              <a:rPr lang="zh-CN" altLang="en-US" sz="2000" dirty="0"/>
+              <a:rPr lang="zh-CN" altLang="en-US" sz="2400" dirty="0"/>
               <a:t>便可以直接使任务直接在后台运行。</a:t>
             </a:r>
-            <a:endParaRPr lang="en-US" altLang="zh-CN" sz="2000" dirty="0"/>
-          </a:p>
-          <a:p>
-            <a:endParaRPr lang="en-US" altLang="zh-CN" sz="2000" dirty="0"/>
-          </a:p>
-          <a:p>
-            <a:r>
-              <a:rPr lang="zh-CN" altLang="en-US" sz="2000" dirty="0"/>
+            <a:endParaRPr lang="en-US" altLang="zh-CN" sz="2400" dirty="0"/>
+          </a:p>
+          <a:p>
+            <a:endParaRPr lang="en-US" altLang="zh-CN" sz="2400" dirty="0"/>
+          </a:p>
+          <a:p>
+            <a:r>
+              <a:rPr lang="zh-CN" altLang="en-US" sz="2400" dirty="0"/>
               <a:t>而在运行中输入</a:t>
             </a:r>
             <a:r>
-              <a:rPr lang="en-US" altLang="zh-CN" sz="2000" dirty="0" err="1"/>
+              <a:rPr lang="en-US" altLang="zh-CN" sz="2400" dirty="0" err="1"/>
               <a:t>Ctrl+Z</a:t>
             </a:r>
             <a:r>
-              <a:rPr lang="zh-CN" altLang="en-US" sz="2000" dirty="0"/>
+              <a:rPr lang="zh-CN" altLang="en-US" sz="2400" dirty="0"/>
               <a:t>会把当前任务转至后台</a:t>
             </a:r>
             <a:r>
-              <a:rPr lang="zh-CN" altLang="en-US" sz="2000" dirty="0">
+              <a:rPr lang="zh-CN" altLang="en-US" sz="2400" dirty="0">
                 <a:solidFill>
                   <a:srgbClr val="C00000"/>
                 </a:solidFill>
@@ -9519,64 +9805,64 @@
               <a:t>暂停</a:t>
             </a:r>
             <a:r>
-              <a:rPr lang="zh-CN" altLang="en-US" sz="2000" dirty="0"/>
+              <a:rPr lang="zh-CN" altLang="en-US" sz="2400" dirty="0"/>
               <a:t>。此时使用</a:t>
             </a:r>
             <a:r>
-              <a:rPr lang="en-US" altLang="zh-CN" sz="2000" dirty="0"/>
+              <a:rPr lang="en-US" altLang="zh-CN" sz="2400" dirty="0"/>
               <a:t>jobs</a:t>
             </a:r>
             <a:r>
-              <a:rPr lang="zh-CN" altLang="en-US" sz="2000" dirty="0"/>
+              <a:rPr lang="zh-CN" altLang="en-US" sz="2400" dirty="0"/>
               <a:t>可以显示后台的任务，每个任务都有一个编号。使用</a:t>
             </a:r>
             <a:r>
-              <a:rPr lang="en-US" altLang="zh-CN" sz="2000" dirty="0" err="1"/>
+              <a:rPr lang="en-US" altLang="zh-CN" sz="2400" dirty="0" err="1"/>
               <a:t>bg</a:t>
             </a:r>
             <a:r>
-              <a:rPr lang="en-US" altLang="zh-CN" sz="2000" dirty="0"/>
+              <a:rPr lang="en-US" altLang="zh-CN" sz="2400" dirty="0"/>
               <a:t> [</a:t>
             </a:r>
             <a:r>
-              <a:rPr lang="zh-CN" altLang="en-US" sz="2000" dirty="0"/>
+              <a:rPr lang="zh-CN" altLang="en-US" sz="2400" dirty="0"/>
               <a:t>后台任务编号</a:t>
             </a:r>
             <a:r>
-              <a:rPr lang="en-US" altLang="zh-CN" sz="2000" dirty="0"/>
+              <a:rPr lang="en-US" altLang="zh-CN" sz="2400" dirty="0"/>
               <a:t>]</a:t>
             </a:r>
             <a:r>
-              <a:rPr lang="zh-CN" altLang="en-US" sz="2000" dirty="0"/>
+              <a:rPr lang="zh-CN" altLang="en-US" sz="2400" dirty="0"/>
               <a:t>可以使任务在后台继续执行。</a:t>
             </a:r>
-            <a:endParaRPr lang="en-US" altLang="zh-CN" sz="2000" dirty="0"/>
-          </a:p>
-          <a:p>
-            <a:endParaRPr lang="en-US" altLang="zh-CN" sz="2000" dirty="0"/>
-          </a:p>
-          <a:p>
-            <a:r>
-              <a:rPr lang="en-US" altLang="zh-CN" sz="2000" dirty="0" err="1"/>
+            <a:endParaRPr lang="en-US" altLang="zh-CN" sz="2400" dirty="0"/>
+          </a:p>
+          <a:p>
+            <a:endParaRPr lang="en-US" altLang="zh-CN" sz="2400" dirty="0"/>
+          </a:p>
+          <a:p>
+            <a:r>
+              <a:rPr lang="en-US" altLang="zh-CN" sz="2400" dirty="0" err="1"/>
               <a:t>fg</a:t>
             </a:r>
             <a:r>
-              <a:rPr lang="en-US" altLang="zh-CN" sz="2000" dirty="0"/>
+              <a:rPr lang="en-US" altLang="zh-CN" sz="2400" dirty="0"/>
               <a:t> [</a:t>
             </a:r>
             <a:r>
-              <a:rPr lang="zh-CN" altLang="en-US" sz="2000" dirty="0"/>
+              <a:rPr lang="zh-CN" altLang="en-US" sz="2400" dirty="0"/>
               <a:t>后台任务编号</a:t>
             </a:r>
             <a:r>
-              <a:rPr lang="en-US" altLang="zh-CN" sz="2000" dirty="0"/>
+              <a:rPr lang="en-US" altLang="zh-CN" sz="2400" dirty="0"/>
               <a:t>]</a:t>
             </a:r>
             <a:r>
-              <a:rPr lang="zh-CN" altLang="en-US" sz="2000" dirty="0"/>
+              <a:rPr lang="zh-CN" altLang="en-US" sz="2400" dirty="0"/>
               <a:t>把后台的任务转至前台执行。</a:t>
             </a:r>
-            <a:endParaRPr lang="en-US" altLang="zh-CN" sz="2000" dirty="0"/>
+            <a:endParaRPr lang="en-US" altLang="zh-CN" sz="2400" dirty="0"/>
           </a:p>
         </p:txBody>
       </p:sp>
@@ -9628,21 +9914,16 @@
         </p:nvSpPr>
         <p:spPr/>
         <p:txBody>
-          <a:bodyPr/>
-          <a:lstStyle/>
-          <a:p>
-            <a:r>
-              <a:rPr lang="zh-CN" altLang="en-US" dirty="0"/>
-              <a:t>使用</a:t>
-            </a:r>
-            <a:r>
-              <a:rPr lang="en-US" altLang="zh-CN" dirty="0" err="1"/>
-              <a:t>top,htop</a:t>
-            </a:r>
-            <a:r>
-              <a:rPr lang="zh-CN" altLang="en-US" dirty="0"/>
-              <a:t>动态监控进程</a:t>
-            </a:r>
+          <a:bodyPr>
+            <a:normAutofit/>
+          </a:bodyPr>
+          <a:lstStyle/>
+          <a:p>
+            <a:r>
+              <a:rPr lang="zh-CN" altLang="en-US"/>
+              <a:t>动态监控进程以及资源占用</a:t>
+            </a:r>
+            <a:endParaRPr lang="zh-CN" altLang="en-US" dirty="0"/>
           </a:p>
         </p:txBody>
       </p:sp>
@@ -9668,74 +9949,86 @@
           <a:lstStyle/>
           <a:p>
             <a:r>
-              <a:rPr lang="en-US" altLang="zh-CN" sz="2000" dirty="0"/>
+              <a:rPr lang="en-US" altLang="zh-CN" sz="2400" dirty="0"/>
               <a:t>Ubuntu</a:t>
             </a:r>
             <a:r>
-              <a:rPr lang="zh-CN" altLang="en-US" sz="2000" dirty="0"/>
+              <a:rPr lang="zh-CN" altLang="en-US" sz="2400" dirty="0"/>
               <a:t>自带</a:t>
             </a:r>
             <a:r>
-              <a:rPr lang="en-US" altLang="zh-CN" sz="2000" dirty="0"/>
+              <a:rPr lang="en-US" altLang="zh-CN" sz="2400" dirty="0"/>
               <a:t>top</a:t>
             </a:r>
             <a:r>
-              <a:rPr lang="zh-CN" altLang="en-US" sz="2000" dirty="0"/>
-              <a:t>命令动态查看进程。</a:t>
-            </a:r>
-            <a:endParaRPr lang="en-US" altLang="zh-CN" sz="2000" dirty="0"/>
-          </a:p>
-          <a:p>
-            <a:endParaRPr lang="en-US" altLang="zh-CN" sz="2000" dirty="0"/>
-          </a:p>
-          <a:p>
-            <a:r>
-              <a:rPr lang="en-US" altLang="zh-CN" sz="2000" dirty="0" err="1"/>
+              <a:rPr lang="zh-CN" altLang="en-US" sz="2400" dirty="0"/>
+              <a:t>命令动态查看</a:t>
+            </a:r>
+            <a:r>
+              <a:rPr lang="zh-CN" altLang="en-US" sz="2400"/>
+              <a:t>进程。</a:t>
+            </a:r>
+            <a:r>
+              <a:rPr lang="en-US" altLang="zh-CN" sz="2400"/>
               <a:t>htop</a:t>
             </a:r>
             <a:r>
-              <a:rPr lang="zh-CN" altLang="en-US" sz="2000" dirty="0"/>
+              <a:rPr lang="zh-CN" altLang="en-US" sz="2400"/>
+              <a:t>是</a:t>
+            </a:r>
+            <a:r>
+              <a:rPr lang="en-US" altLang="zh-CN" sz="2400"/>
+              <a:t>top</a:t>
+            </a:r>
+            <a:r>
+              <a:rPr lang="zh-CN" altLang="en-US" sz="2400"/>
+              <a:t>的升级版。</a:t>
+            </a:r>
+            <a:endParaRPr lang="en-US" altLang="zh-CN" sz="2400" dirty="0"/>
+          </a:p>
+          <a:p>
+            <a:r>
+              <a:rPr lang="en-US" altLang="zh-CN" sz="2400" dirty="0" err="1"/>
+              <a:t>htop</a:t>
+            </a:r>
+            <a:r>
+              <a:rPr lang="zh-CN" altLang="en-US" sz="2400" dirty="0"/>
               <a:t>需要下载安装，安装命令：</a:t>
             </a:r>
             <a:r>
-              <a:rPr lang="en-US" altLang="zh-CN" sz="2000" dirty="0" err="1"/>
+              <a:rPr lang="en-US" altLang="zh-CN" sz="2400" dirty="0" err="1"/>
               <a:t>sudo</a:t>
             </a:r>
             <a:r>
-              <a:rPr lang="en-US" altLang="zh-CN" sz="2000" dirty="0"/>
+              <a:rPr lang="en-US" altLang="zh-CN" sz="2400" dirty="0"/>
               <a:t> apt-get install </a:t>
             </a:r>
             <a:r>
-              <a:rPr lang="en-US" altLang="zh-CN" sz="2000" dirty="0" err="1"/>
+              <a:rPr lang="en-US" altLang="zh-CN" sz="2400" err="1"/>
               <a:t>htop</a:t>
             </a:r>
             <a:r>
-              <a:rPr lang="zh-CN" altLang="en-US" sz="2000" dirty="0"/>
+              <a:rPr lang="zh-CN" altLang="en-US" sz="2400"/>
               <a:t>。</a:t>
             </a:r>
-            <a:endParaRPr lang="en-US" altLang="zh-CN" sz="2000" dirty="0"/>
-          </a:p>
-          <a:p>
-            <a:endParaRPr lang="en-US" altLang="zh-CN" sz="2000" dirty="0"/>
-          </a:p>
-          <a:p>
-            <a:r>
-              <a:rPr lang="en-US" altLang="zh-CN" sz="2000" dirty="0" err="1"/>
-              <a:t>htop</a:t>
-            </a:r>
-            <a:r>
-              <a:rPr lang="zh-CN" altLang="en-US" sz="2000" dirty="0"/>
-              <a:t>是</a:t>
-            </a:r>
-            <a:r>
-              <a:rPr lang="en-US" altLang="zh-CN" sz="2000" dirty="0"/>
-              <a:t>top</a:t>
-            </a:r>
-            <a:r>
-              <a:rPr lang="zh-CN" altLang="en-US" sz="2000" dirty="0"/>
-              <a:t>的升级版。</a:t>
-            </a:r>
-            <a:endParaRPr lang="en-US" altLang="zh-CN" sz="2000" dirty="0"/>
+            <a:endParaRPr lang="en-US" altLang="zh-CN" sz="2400" dirty="0"/>
+          </a:p>
+          <a:p>
+            <a:endParaRPr lang="en-US" altLang="zh-CN" sz="2400"/>
+          </a:p>
+          <a:p>
+            <a:r>
+              <a:rPr lang="en-US" altLang="zh-CN" sz="2400"/>
+              <a:t>saidar</a:t>
+            </a:r>
+            <a:r>
+              <a:rPr lang="zh-CN" altLang="en-US" sz="2400"/>
+              <a:t>可以动态监控资源占用，但不显示进程的信息</a:t>
+            </a:r>
+            <a:endParaRPr lang="en-US" altLang="zh-CN" sz="2400"/>
+          </a:p>
+          <a:p>
+            <a:endParaRPr lang="en-US" altLang="zh-CN" sz="2400" dirty="0"/>
           </a:p>
           <a:p>
             <a:endParaRPr lang="en-US" altLang="zh-CN" sz="2000" dirty="0"/>
@@ -9796,110 +10089,16 @@
         <a:srgbClr val="954F72"/>
       </a:folHlink>
     </a:clrScheme>
-    <a:fontScheme name="Office">
+    <a:fontScheme name="自定义 1">
       <a:majorFont>
-        <a:latin typeface="等线 Light"/>
-        <a:ea typeface=""/>
+        <a:latin typeface="Roboto Mono Light"/>
+        <a:ea typeface="等线 Light"/>
         <a:cs typeface=""/>
-        <a:font script="Jpan" typeface="游ゴシック Light"/>
-        <a:font script="Hang" typeface="맑은 고딕"/>
-        <a:font script="Hans" typeface="等线 Light"/>
-        <a:font script="Hant" typeface="新細明體"/>
-        <a:font script="Arab" typeface="Times New Roman"/>
-        <a:font script="Hebr" typeface="Times New Roman"/>
-        <a:font script="Thai" typeface="Angsana New"/>
-        <a:font script="Ethi" typeface="Nyala"/>
-        <a:font script="Beng" typeface="Vrinda"/>
-        <a:font script="Gujr" typeface="Shruti"/>
-        <a:font script="Khmr" typeface="MoolBoran"/>
-        <a:font script="Knda" typeface="Tunga"/>
-        <a:font script="Guru" typeface="Raavi"/>
-        <a:font script="Cans" typeface="Euphemia"/>
-        <a:font script="Cher" typeface="Plantagenet Cherokee"/>
-        <a:font script="Yiii" typeface="Microsoft Yi Baiti"/>
-        <a:font script="Tibt" typeface="Microsoft Himalaya"/>
-        <a:font script="Thaa" typeface="MV Boli"/>
-        <a:font script="Deva" typeface="Mangal"/>
-        <a:font script="Telu" typeface="Gautami"/>
-        <a:font script="Taml" typeface="Latha"/>
-        <a:font script="Syrc" typeface="Estrangelo Edessa"/>
-        <a:font script="Orya" typeface="Kalinga"/>
-        <a:font script="Mlym" typeface="Kartika"/>
-        <a:font script="Laoo" typeface="DokChampa"/>
-        <a:font script="Sinh" typeface="Iskoola Pota"/>
-        <a:font script="Mong" typeface="Mongolian Baiti"/>
-        <a:font script="Viet" typeface="Times New Roman"/>
-        <a:font script="Uigh" typeface="Microsoft Uighur"/>
-        <a:font script="Geor" typeface="Sylfaen"/>
-        <a:font script="Armn" typeface="Arial"/>
-        <a:font script="Bugi" typeface="Leelawadee UI"/>
-        <a:font script="Bopo" typeface="Microsoft JhengHei"/>
-        <a:font script="Java" typeface="Javanese Text"/>
-        <a:font script="Lisu" typeface="Segoe UI"/>
-        <a:font script="Mymr" typeface="Myanmar Text"/>
-        <a:font script="Nkoo" typeface="Ebrima"/>
-        <a:font script="Olck" typeface="Nirmala UI"/>
-        <a:font script="Osma" typeface="Ebrima"/>
-        <a:font script="Phag" typeface="Phagspa"/>
-        <a:font script="Syrn" typeface="Estrangelo Edessa"/>
-        <a:font script="Syrj" typeface="Estrangelo Edessa"/>
-        <a:font script="Syre" typeface="Estrangelo Edessa"/>
-        <a:font script="Sora" typeface="Nirmala UI"/>
-        <a:font script="Tale" typeface="Microsoft Tai Le"/>
-        <a:font script="Talu" typeface="Microsoft New Tai Lue"/>
-        <a:font script="Tfng" typeface="Ebrima"/>
       </a:majorFont>
       <a:minorFont>
         <a:latin typeface="等线"/>
-        <a:ea typeface=""/>
+        <a:ea typeface="等线"/>
         <a:cs typeface=""/>
-        <a:font script="Jpan" typeface="游ゴシック"/>
-        <a:font script="Hang" typeface="맑은 고딕"/>
-        <a:font script="Hans" typeface="等线"/>
-        <a:font script="Hant" typeface="新細明體"/>
-        <a:font script="Arab" typeface="Arial"/>
-        <a:font script="Hebr" typeface="Arial"/>
-        <a:font script="Thai" typeface="Cordia New"/>
-        <a:font script="Ethi" typeface="Nyala"/>
-        <a:font script="Beng" typeface="Vrinda"/>
-        <a:font script="Gujr" typeface="Shruti"/>
-        <a:font script="Khmr" typeface="DaunPenh"/>
-        <a:font script="Knda" typeface="Tunga"/>
-        <a:font script="Guru" typeface="Raavi"/>
-        <a:font script="Cans" typeface="Euphemia"/>
-        <a:font script="Cher" typeface="Plantagenet Cherokee"/>
-        <a:font script="Yiii" typeface="Microsoft Yi Baiti"/>
-        <a:font script="Tibt" typeface="Microsoft Himalaya"/>
-        <a:font script="Thaa" typeface="MV Boli"/>
-        <a:font script="Deva" typeface="Mangal"/>
-        <a:font script="Telu" typeface="Gautami"/>
-        <a:font script="Taml" typeface="Latha"/>
-        <a:font script="Syrc" typeface="Estrangelo Edessa"/>
-        <a:font script="Orya" typeface="Kalinga"/>
-        <a:font script="Mlym" typeface="Kartika"/>
-        <a:font script="Laoo" typeface="DokChampa"/>
-        <a:font script="Sinh" typeface="Iskoola Pota"/>
-        <a:font script="Mong" typeface="Mongolian Baiti"/>
-        <a:font script="Viet" typeface="Arial"/>
-        <a:font script="Uigh" typeface="Microsoft Uighur"/>
-        <a:font script="Geor" typeface="Sylfaen"/>
-        <a:font script="Armn" typeface="Arial"/>
-        <a:font script="Bugi" typeface="Leelawadee UI"/>
-        <a:font script="Bopo" typeface="Microsoft JhengHei"/>
-        <a:font script="Java" typeface="Javanese Text"/>
-        <a:font script="Lisu" typeface="Segoe UI"/>
-        <a:font script="Mymr" typeface="Myanmar Text"/>
-        <a:font script="Nkoo" typeface="Ebrima"/>
-        <a:font script="Olck" typeface="Nirmala UI"/>
-        <a:font script="Osma" typeface="Ebrima"/>
-        <a:font script="Phag" typeface="Phagspa"/>
-        <a:font script="Syrn" typeface="Estrangelo Edessa"/>
-        <a:font script="Syrj" typeface="Estrangelo Edessa"/>
-        <a:font script="Syre" typeface="Estrangelo Edessa"/>
-        <a:font script="Sora" typeface="Nirmala UI"/>
-        <a:font script="Tale" typeface="Microsoft Tai Le"/>
-        <a:font script="Talu" typeface="Microsoft New Tai Lue"/>
-        <a:font script="Tfng" typeface="Ebrima"/>
       </a:minorFont>
     </a:fontScheme>
     <a:fmtScheme name="Office">

--- a/materials/slides/ch09-process-managment.pptx
+++ b/materials/slides/ch09-process-managment.pptx
@@ -6,7 +6,7 @@
     <p:sldMasterId id="2147483660" r:id="rId2"/>
   </p:sldMasterIdLst>
   <p:notesMasterIdLst>
-    <p:notesMasterId r:id="rId12"/>
+    <p:notesMasterId r:id="rId14"/>
   </p:notesMasterIdLst>
   <p:sldIdLst>
     <p:sldId id="260" r:id="rId3"/>
@@ -17,7 +17,9 @@
     <p:sldId id="265" r:id="rId8"/>
     <p:sldId id="270" r:id="rId9"/>
     <p:sldId id="271" r:id="rId10"/>
-    <p:sldId id="267" r:id="rId11"/>
+    <p:sldId id="272" r:id="rId11"/>
+    <p:sldId id="267" r:id="rId12"/>
+    <p:sldId id="273" r:id="rId13"/>
   </p:sldIdLst>
   <p:sldSz cx="12192000" cy="6858000"/>
   <p:notesSz cx="6858000" cy="9144000"/>
@@ -217,7 +219,7 @@
           <a:p>
             <a:fld id="{63DAD2C7-54B1-4174-A5D2-CBE95009A0E6}" type="datetimeFigureOut">
               <a:rPr lang="zh-CN" altLang="en-US" smtClean="0"/>
-              <a:t>2018/4/26</a:t>
+              <a:t>2018/4/28</a:t>
             </a:fld>
             <a:endParaRPr lang="zh-CN" altLang="en-US"/>
           </a:p>
@@ -652,6 +654,90 @@
 </p:notes>
 </file>
 
+<file path=ppt/notesSlides/notesSlide3.xml><?xml version="1.0" encoding="utf-8"?>
+<p:notes xmlns:a="http://schemas.openxmlformats.org/drawingml/2006/main" xmlns:r="http://schemas.openxmlformats.org/officeDocument/2006/relationships" xmlns:p="http://schemas.openxmlformats.org/presentationml/2006/main">
+  <p:cSld>
+    <p:spTree>
+      <p:nvGrpSpPr>
+        <p:cNvPr id="1" name=""/>
+        <p:cNvGrpSpPr/>
+        <p:nvPr/>
+      </p:nvGrpSpPr>
+      <p:grpSpPr>
+        <a:xfrm>
+          <a:off x="0" y="0"/>
+          <a:ext cx="0" cy="0"/>
+          <a:chOff x="0" y="0"/>
+          <a:chExt cx="0" cy="0"/>
+        </a:xfrm>
+      </p:grpSpPr>
+      <p:sp>
+        <p:nvSpPr>
+          <p:cNvPr id="2" name="幻灯片图像占位符 1"/>
+          <p:cNvSpPr>
+            <a:spLocks noGrp="1" noRot="1" noChangeAspect="1"/>
+          </p:cNvSpPr>
+          <p:nvPr>
+            <p:ph type="sldImg"/>
+          </p:nvPr>
+        </p:nvSpPr>
+        <p:spPr/>
+      </p:sp>
+      <p:sp>
+        <p:nvSpPr>
+          <p:cNvPr id="3" name="备注占位符 2"/>
+          <p:cNvSpPr>
+            <a:spLocks noGrp="1"/>
+          </p:cNvSpPr>
+          <p:nvPr>
+            <p:ph type="body" idx="1"/>
+          </p:nvPr>
+        </p:nvSpPr>
+        <p:spPr/>
+        <p:txBody>
+          <a:bodyPr/>
+          <a:lstStyle/>
+          <a:p>
+            <a:endParaRPr lang="zh-CN" altLang="en-US" dirty="0"/>
+          </a:p>
+        </p:txBody>
+      </p:sp>
+      <p:sp>
+        <p:nvSpPr>
+          <p:cNvPr id="4" name="灯片编号占位符 3"/>
+          <p:cNvSpPr>
+            <a:spLocks noGrp="1"/>
+          </p:cNvSpPr>
+          <p:nvPr>
+            <p:ph type="sldNum" sz="quarter" idx="10"/>
+          </p:nvPr>
+        </p:nvSpPr>
+        <p:spPr/>
+        <p:txBody>
+          <a:bodyPr/>
+          <a:lstStyle/>
+          <a:p>
+            <a:fld id="{8365E6A4-3BD9-4DCB-8547-8A9610D89AE0}" type="slidenum">
+              <a:rPr lang="zh-CN" altLang="en-US" smtClean="0"/>
+              <a:t>9</a:t>
+            </a:fld>
+            <a:endParaRPr lang="zh-CN" altLang="en-US"/>
+          </a:p>
+        </p:txBody>
+      </p:sp>
+    </p:spTree>
+    <p:extLst>
+      <p:ext uri="{BB962C8B-B14F-4D97-AF65-F5344CB8AC3E}">
+        <p14:creationId xmlns:p14="http://schemas.microsoft.com/office/powerpoint/2010/main" val="1151071146"/>
+      </p:ext>
+    </p:extLst>
+  </p:cSld>
+  <p:clrMapOvr>
+    <a:masterClrMapping/>
+  </p:clrMapOvr>
+</p:notes>
+</file>
+
 <file path=ppt/slideLayouts/slideLayout1.xml><?xml version="1.0" encoding="utf-8"?>
 <p:sldLayout xmlns:a="http://schemas.openxmlformats.org/drawingml/2006/main" xmlns:r="http://schemas.openxmlformats.org/officeDocument/2006/relationships" xmlns:p="http://schemas.openxmlformats.org/presentationml/2006/main" type="title" preserve="1">
   <p:cSld name="标题幻灯片">
@@ -807,7 +893,7 @@
           <a:p>
             <a:fld id="{02E60DA2-A0BC-48C9-AA88-75C78721B420}" type="datetimeFigureOut">
               <a:rPr lang="zh-CN" altLang="en-US" smtClean="0"/>
-              <a:t>2018/4/26</a:t>
+              <a:t>2018/4/28</a:t>
             </a:fld>
             <a:endParaRPr lang="zh-CN" altLang="en-US"/>
           </a:p>
@@ -1029,7 +1115,7 @@
           <a:p>
             <a:fld id="{02E60DA2-A0BC-48C9-AA88-75C78721B420}" type="datetimeFigureOut">
               <a:rPr lang="zh-CN" altLang="en-US" smtClean="0"/>
-              <a:t>2018/4/26</a:t>
+              <a:t>2018/4/28</a:t>
             </a:fld>
             <a:endParaRPr lang="zh-CN" altLang="en-US"/>
           </a:p>
@@ -1261,7 +1347,7 @@
           <a:p>
             <a:fld id="{02E60DA2-A0BC-48C9-AA88-75C78721B420}" type="datetimeFigureOut">
               <a:rPr lang="zh-CN" altLang="en-US" smtClean="0"/>
-              <a:t>2018/4/26</a:t>
+              <a:t>2018/4/28</a:t>
             </a:fld>
             <a:endParaRPr lang="zh-CN" altLang="en-US"/>
           </a:p>
@@ -1511,7 +1597,7 @@
           <a:p>
             <a:fld id="{02E60DA2-A0BC-48C9-AA88-75C78721B420}" type="datetimeFigureOut">
               <a:rPr lang="zh-CN" altLang="en-US" smtClean="0"/>
-              <a:t>2018/4/26</a:t>
+              <a:t>2018/4/28</a:t>
             </a:fld>
             <a:endParaRPr lang="zh-CN" altLang="en-US"/>
           </a:p>
@@ -1749,7 +1835,7 @@
           <a:p>
             <a:fld id="{02E60DA2-A0BC-48C9-AA88-75C78721B420}" type="datetimeFigureOut">
               <a:rPr lang="zh-CN" altLang="en-US" smtClean="0"/>
-              <a:t>2018/4/26</a:t>
+              <a:t>2018/4/28</a:t>
             </a:fld>
             <a:endParaRPr lang="zh-CN" altLang="en-US"/>
           </a:p>
@@ -2054,7 +2140,7 @@
           <a:p>
             <a:fld id="{02E60DA2-A0BC-48C9-AA88-75C78721B420}" type="datetimeFigureOut">
               <a:rPr lang="zh-CN" altLang="en-US" smtClean="0"/>
-              <a:t>2018/4/26</a:t>
+              <a:t>2018/4/28</a:t>
             </a:fld>
             <a:endParaRPr lang="zh-CN" altLang="en-US"/>
           </a:p>
@@ -2357,7 +2443,7 @@
           <a:p>
             <a:fld id="{02E60DA2-A0BC-48C9-AA88-75C78721B420}" type="datetimeFigureOut">
               <a:rPr lang="zh-CN" altLang="en-US" smtClean="0"/>
-              <a:t>2018/4/26</a:t>
+              <a:t>2018/4/28</a:t>
             </a:fld>
             <a:endParaRPr lang="zh-CN" altLang="en-US"/>
           </a:p>
@@ -2808,7 +2894,7 @@
           <a:p>
             <a:fld id="{02E60DA2-A0BC-48C9-AA88-75C78721B420}" type="datetimeFigureOut">
               <a:rPr lang="zh-CN" altLang="en-US" smtClean="0"/>
-              <a:t>2018/4/26</a:t>
+              <a:t>2018/4/28</a:t>
             </a:fld>
             <a:endParaRPr lang="zh-CN" altLang="en-US"/>
           </a:p>
@@ -2981,7 +3067,7 @@
           <a:p>
             <a:fld id="{02E60DA2-A0BC-48C9-AA88-75C78721B420}" type="datetimeFigureOut">
               <a:rPr lang="zh-CN" altLang="en-US" smtClean="0"/>
-              <a:t>2018/4/26</a:t>
+              <a:t>2018/4/28</a:t>
             </a:fld>
             <a:endParaRPr lang="zh-CN" altLang="en-US"/>
           </a:p>
@@ -3118,7 +3204,7 @@
           <a:p>
             <a:fld id="{02E60DA2-A0BC-48C9-AA88-75C78721B420}" type="datetimeFigureOut">
               <a:rPr lang="zh-CN" altLang="en-US" smtClean="0"/>
-              <a:t>2018/4/26</a:t>
+              <a:t>2018/4/28</a:t>
             </a:fld>
             <a:endParaRPr lang="zh-CN" altLang="en-US"/>
           </a:p>
@@ -3462,7 +3548,7 @@
           <a:p>
             <a:fld id="{02E60DA2-A0BC-48C9-AA88-75C78721B420}" type="datetimeFigureOut">
               <a:rPr lang="zh-CN" altLang="en-US" smtClean="0"/>
-              <a:t>2018/4/26</a:t>
+              <a:t>2018/4/28</a:t>
             </a:fld>
             <a:endParaRPr lang="zh-CN" altLang="en-US"/>
           </a:p>
@@ -3684,7 +3770,7 @@
           <a:p>
             <a:fld id="{02E60DA2-A0BC-48C9-AA88-75C78721B420}" type="datetimeFigureOut">
               <a:rPr lang="zh-CN" altLang="en-US" smtClean="0"/>
-              <a:t>2018/4/26</a:t>
+              <a:t>2018/4/28</a:t>
             </a:fld>
             <a:endParaRPr lang="zh-CN" altLang="en-US"/>
           </a:p>
@@ -4005,7 +4091,7 @@
           <a:p>
             <a:fld id="{02E60DA2-A0BC-48C9-AA88-75C78721B420}" type="datetimeFigureOut">
               <a:rPr lang="zh-CN" altLang="en-US" smtClean="0"/>
-              <a:t>2018/4/26</a:t>
+              <a:t>2018/4/28</a:t>
             </a:fld>
             <a:endParaRPr lang="zh-CN" altLang="en-US"/>
           </a:p>
@@ -4243,7 +4329,7 @@
           <a:p>
             <a:fld id="{02E60DA2-A0BC-48C9-AA88-75C78721B420}" type="datetimeFigureOut">
               <a:rPr lang="zh-CN" altLang="en-US" smtClean="0"/>
-              <a:t>2018/4/26</a:t>
+              <a:t>2018/4/28</a:t>
             </a:fld>
             <a:endParaRPr lang="zh-CN" altLang="en-US"/>
           </a:p>
@@ -4481,7 +4567,7 @@
           <a:p>
             <a:fld id="{02E60DA2-A0BC-48C9-AA88-75C78721B420}" type="datetimeFigureOut">
               <a:rPr lang="zh-CN" altLang="en-US" smtClean="0"/>
-              <a:t>2018/4/26</a:t>
+              <a:t>2018/4/28</a:t>
             </a:fld>
             <a:endParaRPr lang="zh-CN" altLang="en-US"/>
           </a:p>
@@ -4780,7 +4866,7 @@
           <a:p>
             <a:fld id="{02E60DA2-A0BC-48C9-AA88-75C78721B420}" type="datetimeFigureOut">
               <a:rPr lang="zh-CN" altLang="en-US" smtClean="0"/>
-              <a:t>2018/4/26</a:t>
+              <a:t>2018/4/28</a:t>
             </a:fld>
             <a:endParaRPr lang="zh-CN" altLang="en-US"/>
           </a:p>
@@ -5069,7 +5155,7 @@
           <a:p>
             <a:fld id="{02E60DA2-A0BC-48C9-AA88-75C78721B420}" type="datetimeFigureOut">
               <a:rPr lang="zh-CN" altLang="en-US" smtClean="0"/>
-              <a:t>2018/4/26</a:t>
+              <a:t>2018/4/28</a:t>
             </a:fld>
             <a:endParaRPr lang="zh-CN" altLang="en-US"/>
           </a:p>
@@ -5505,7 +5591,7 @@
           <a:p>
             <a:fld id="{02E60DA2-A0BC-48C9-AA88-75C78721B420}" type="datetimeFigureOut">
               <a:rPr lang="zh-CN" altLang="en-US" smtClean="0"/>
-              <a:t>2018/4/26</a:t>
+              <a:t>2018/4/28</a:t>
             </a:fld>
             <a:endParaRPr lang="zh-CN" altLang="en-US"/>
           </a:p>
@@ -5670,7 +5756,7 @@
           <a:p>
             <a:fld id="{02E60DA2-A0BC-48C9-AA88-75C78721B420}" type="datetimeFigureOut">
               <a:rPr lang="zh-CN" altLang="en-US" smtClean="0"/>
-              <a:t>2018/4/26</a:t>
+              <a:t>2018/4/28</a:t>
             </a:fld>
             <a:endParaRPr lang="zh-CN" altLang="en-US"/>
           </a:p>
@@ -5807,7 +5893,7 @@
           <a:p>
             <a:fld id="{02E60DA2-A0BC-48C9-AA88-75C78721B420}" type="datetimeFigureOut">
               <a:rPr lang="zh-CN" altLang="en-US" smtClean="0"/>
-              <a:t>2018/4/26</a:t>
+              <a:t>2018/4/28</a:t>
             </a:fld>
             <a:endParaRPr lang="zh-CN" altLang="en-US"/>
           </a:p>
@@ -6142,7 +6228,7 @@
           <a:p>
             <a:fld id="{02E60DA2-A0BC-48C9-AA88-75C78721B420}" type="datetimeFigureOut">
               <a:rPr lang="zh-CN" altLang="en-US" smtClean="0"/>
-              <a:t>2018/4/26</a:t>
+              <a:t>2018/4/28</a:t>
             </a:fld>
             <a:endParaRPr lang="zh-CN" altLang="en-US"/>
           </a:p>
@@ -6454,7 +6540,7 @@
           <a:p>
             <a:fld id="{02E60DA2-A0BC-48C9-AA88-75C78721B420}" type="datetimeFigureOut">
               <a:rPr lang="zh-CN" altLang="en-US" smtClean="0"/>
-              <a:t>2018/4/26</a:t>
+              <a:t>2018/4/28</a:t>
             </a:fld>
             <a:endParaRPr lang="zh-CN" altLang="en-US"/>
           </a:p>
@@ -7618,6 +7704,520 @@
     <p:extLst>
       <p:ext uri="{BB962C8B-B14F-4D97-AF65-F5344CB8AC3E}">
         <p14:creationId xmlns:p14="http://schemas.microsoft.com/office/powerpoint/2010/main" val="4047166132"/>
+      </p:ext>
+    </p:extLst>
+  </p:cSld>
+  <p:clrMapOvr>
+    <a:masterClrMapping/>
+  </p:clrMapOvr>
+</p:sld>
+</file>
+
+<file path=ppt/slides/slide10.xml><?xml version="1.0" encoding="utf-8"?>
+<p:sld xmlns:a="http://schemas.openxmlformats.org/drawingml/2006/main" xmlns:r="http://schemas.openxmlformats.org/officeDocument/2006/relationships" xmlns:p="http://schemas.openxmlformats.org/presentationml/2006/main">
+  <p:cSld>
+    <p:spTree>
+      <p:nvGrpSpPr>
+        <p:cNvPr id="1" name=""/>
+        <p:cNvGrpSpPr/>
+        <p:nvPr/>
+      </p:nvGrpSpPr>
+      <p:grpSpPr>
+        <a:xfrm>
+          <a:off x="0" y="0"/>
+          <a:ext cx="0" cy="0"/>
+          <a:chOff x="0" y="0"/>
+          <a:chExt cx="0" cy="0"/>
+        </a:xfrm>
+      </p:grpSpPr>
+      <p:sp>
+        <p:nvSpPr>
+          <p:cNvPr id="2" name="标题 1">
+            <a:extLst>
+              <a:ext uri="{FF2B5EF4-FFF2-40B4-BE49-F238E27FC236}">
+                <a16:creationId xmlns:a16="http://schemas.microsoft.com/office/drawing/2014/main" id="{8B88BACC-24DE-4087-9AB3-A099CF573089}"/>
+              </a:ext>
+            </a:extLst>
+          </p:cNvPr>
+          <p:cNvSpPr>
+            <a:spLocks noGrp="1"/>
+          </p:cNvSpPr>
+          <p:nvPr>
+            <p:ph type="title"/>
+          </p:nvPr>
+        </p:nvSpPr>
+        <p:spPr/>
+        <p:txBody>
+          <a:bodyPr>
+            <a:normAutofit/>
+          </a:bodyPr>
+          <a:lstStyle/>
+          <a:p>
+            <a:r>
+              <a:rPr lang="zh-CN" altLang="en-US"/>
+              <a:t>动态监控进程以及资源占用</a:t>
+            </a:r>
+            <a:endParaRPr lang="zh-CN" altLang="en-US" dirty="0"/>
+          </a:p>
+        </p:txBody>
+      </p:sp>
+      <p:sp>
+        <p:nvSpPr>
+          <p:cNvPr id="3" name="内容占位符 2">
+            <a:extLst>
+              <a:ext uri="{FF2B5EF4-FFF2-40B4-BE49-F238E27FC236}">
+                <a16:creationId xmlns:a16="http://schemas.microsoft.com/office/drawing/2014/main" id="{0A1C6B17-780B-4799-8193-E52FD817AC0E}"/>
+              </a:ext>
+            </a:extLst>
+          </p:cNvPr>
+          <p:cNvSpPr>
+            <a:spLocks noGrp="1"/>
+          </p:cNvSpPr>
+          <p:nvPr>
+            <p:ph idx="1"/>
+          </p:nvPr>
+        </p:nvSpPr>
+        <p:spPr/>
+        <p:txBody>
+          <a:bodyPr/>
+          <a:lstStyle/>
+          <a:p>
+            <a:r>
+              <a:rPr lang="en-US" altLang="zh-CN" sz="2400" dirty="0">
+                <a:latin typeface="Roboto Mono Light" pitchFamily="2" charset="0"/>
+              </a:rPr>
+              <a:t>Ubuntu</a:t>
+            </a:r>
+            <a:r>
+              <a:rPr lang="zh-CN" altLang="en-US" sz="2400" dirty="0">
+                <a:latin typeface="Roboto Mono Light" pitchFamily="2" charset="0"/>
+              </a:rPr>
+              <a:t>自带</a:t>
+            </a:r>
+            <a:r>
+              <a:rPr lang="en-US" altLang="zh-CN" sz="2400" dirty="0">
+                <a:latin typeface="Roboto Mono Light" pitchFamily="2" charset="0"/>
+              </a:rPr>
+              <a:t>top</a:t>
+            </a:r>
+            <a:r>
+              <a:rPr lang="zh-CN" altLang="en-US" sz="2400" dirty="0">
+                <a:latin typeface="Roboto Mono Light" pitchFamily="2" charset="0"/>
+              </a:rPr>
+              <a:t>命令动态查看</a:t>
+            </a:r>
+            <a:r>
+              <a:rPr lang="zh-CN" altLang="en-US" sz="2400">
+                <a:latin typeface="Roboto Mono Light" pitchFamily="2" charset="0"/>
+              </a:rPr>
+              <a:t>进程。</a:t>
+            </a:r>
+            <a:r>
+              <a:rPr lang="en-US" altLang="zh-CN" sz="2400">
+                <a:latin typeface="Roboto Mono Light" pitchFamily="2" charset="0"/>
+              </a:rPr>
+              <a:t>htop</a:t>
+            </a:r>
+            <a:r>
+              <a:rPr lang="zh-CN" altLang="en-US" sz="2400">
+                <a:latin typeface="Roboto Mono Light" pitchFamily="2" charset="0"/>
+              </a:rPr>
+              <a:t>是</a:t>
+            </a:r>
+            <a:r>
+              <a:rPr lang="en-US" altLang="zh-CN" sz="2400">
+                <a:latin typeface="Roboto Mono Light" pitchFamily="2" charset="0"/>
+              </a:rPr>
+              <a:t>top</a:t>
+            </a:r>
+            <a:r>
+              <a:rPr lang="zh-CN" altLang="en-US" sz="2400">
+                <a:latin typeface="Roboto Mono Light" pitchFamily="2" charset="0"/>
+              </a:rPr>
+              <a:t>的升级版。</a:t>
+            </a:r>
+            <a:endParaRPr lang="en-US" altLang="zh-CN" sz="2400" dirty="0">
+              <a:latin typeface="Roboto Mono Light" pitchFamily="2" charset="0"/>
+            </a:endParaRPr>
+          </a:p>
+          <a:p>
+            <a:r>
+              <a:rPr lang="en-US" altLang="zh-CN" sz="2400" dirty="0" err="1">
+                <a:latin typeface="Roboto Mono Light" pitchFamily="2" charset="0"/>
+              </a:rPr>
+              <a:t>htop</a:t>
+            </a:r>
+            <a:r>
+              <a:rPr lang="zh-CN" altLang="en-US" sz="2400" dirty="0">
+                <a:latin typeface="Roboto Mono Light" pitchFamily="2" charset="0"/>
+              </a:rPr>
+              <a:t>需要下载安装，安装命令：</a:t>
+            </a:r>
+            <a:r>
+              <a:rPr lang="en-US" altLang="zh-CN" sz="2400" dirty="0" err="1">
+                <a:latin typeface="Roboto Mono Light" pitchFamily="2" charset="0"/>
+              </a:rPr>
+              <a:t>sudo</a:t>
+            </a:r>
+            <a:r>
+              <a:rPr lang="en-US" altLang="zh-CN" sz="2400" dirty="0">
+                <a:latin typeface="Roboto Mono Light" pitchFamily="2" charset="0"/>
+              </a:rPr>
+              <a:t> apt-get </a:t>
+            </a:r>
+            <a:r>
+              <a:rPr lang="en-US" altLang="zh-CN" sz="2400">
+                <a:latin typeface="Roboto Mono Light" pitchFamily="2" charset="0"/>
+              </a:rPr>
+              <a:t>install htop</a:t>
+            </a:r>
+            <a:r>
+              <a:rPr lang="zh-CN" altLang="en-US" sz="2400">
+                <a:latin typeface="Roboto Mono Light" pitchFamily="2" charset="0"/>
+              </a:rPr>
+              <a:t>。</a:t>
+            </a:r>
+            <a:endParaRPr lang="en-US" altLang="zh-CN" sz="2400" dirty="0">
+              <a:latin typeface="Roboto Mono Light" pitchFamily="2" charset="0"/>
+            </a:endParaRPr>
+          </a:p>
+          <a:p>
+            <a:endParaRPr lang="en-US" altLang="zh-CN" sz="2400">
+              <a:latin typeface="Roboto Mono Light" pitchFamily="2" charset="0"/>
+            </a:endParaRPr>
+          </a:p>
+          <a:p>
+            <a:r>
+              <a:rPr lang="en-US" altLang="zh-CN" sz="2400">
+                <a:latin typeface="Roboto Mono Light" pitchFamily="2" charset="0"/>
+              </a:rPr>
+              <a:t>saidar</a:t>
+            </a:r>
+            <a:r>
+              <a:rPr lang="zh-CN" altLang="en-US" sz="2400">
+                <a:latin typeface="Roboto Mono Light" pitchFamily="2" charset="0"/>
+              </a:rPr>
+              <a:t>可以动态监控资源占用，但不显示进程的信息。</a:t>
+            </a:r>
+            <a:r>
+              <a:rPr lang="en-US" altLang="zh-CN" sz="2400">
+                <a:latin typeface="Roboto Mono Light" pitchFamily="2" charset="0"/>
+              </a:rPr>
+              <a:t>pstree</a:t>
+            </a:r>
+            <a:r>
+              <a:rPr lang="zh-CN" altLang="en-US" sz="2400">
+                <a:latin typeface="Roboto Mono Light" pitchFamily="2" charset="0"/>
+              </a:rPr>
+              <a:t>树形结构显示进程信息。</a:t>
+            </a:r>
+            <a:endParaRPr lang="en-US" altLang="zh-CN" sz="2400">
+              <a:latin typeface="Roboto Mono Light" pitchFamily="2" charset="0"/>
+            </a:endParaRPr>
+          </a:p>
+          <a:p>
+            <a:r>
+              <a:rPr lang="en-US" altLang="zh-CN" sz="2400">
+                <a:latin typeface="Roboto Mono Light" pitchFamily="2" charset="0"/>
+              </a:rPr>
+              <a:t>sudo apt install saidar pstree</a:t>
+            </a:r>
+          </a:p>
+          <a:p>
+            <a:r>
+              <a:rPr lang="en-US" altLang="zh-CN" sz="2400">
+                <a:latin typeface="Roboto Mono Light" pitchFamily="2" charset="0"/>
+              </a:rPr>
+              <a:t>pstree</a:t>
+            </a:r>
+            <a:r>
+              <a:rPr lang="zh-CN" altLang="en-US" sz="2400">
+                <a:latin typeface="Roboto Mono Light" pitchFamily="2" charset="0"/>
+              </a:rPr>
+              <a:t>使用： </a:t>
+            </a:r>
+            <a:r>
+              <a:rPr lang="en-US" altLang="zh-CN" sz="2400">
+                <a:latin typeface="Roboto Mono Light" pitchFamily="2" charset="0"/>
+              </a:rPr>
+              <a:t>pstree –p  //</a:t>
+            </a:r>
+            <a:r>
+              <a:rPr lang="zh-CN" altLang="en-US" sz="2400">
+                <a:latin typeface="Roboto Mono Light" pitchFamily="2" charset="0"/>
+              </a:rPr>
+              <a:t>显示进程</a:t>
+            </a:r>
+            <a:r>
+              <a:rPr lang="en-US" altLang="zh-CN" sz="2400">
+                <a:latin typeface="Roboto Mono Light" pitchFamily="2" charset="0"/>
+              </a:rPr>
+              <a:t>ID</a:t>
+            </a:r>
+          </a:p>
+          <a:p>
+            <a:endParaRPr lang="en-US" altLang="zh-CN" sz="2400">
+              <a:latin typeface="Roboto Mono Light" pitchFamily="2" charset="0"/>
+            </a:endParaRPr>
+          </a:p>
+          <a:p>
+            <a:endParaRPr lang="en-US" altLang="zh-CN" sz="2400" dirty="0">
+              <a:latin typeface="Roboto Mono Light" pitchFamily="2" charset="0"/>
+            </a:endParaRPr>
+          </a:p>
+          <a:p>
+            <a:endParaRPr lang="en-US" altLang="zh-CN" sz="2000" dirty="0">
+              <a:latin typeface="Roboto Mono Light" pitchFamily="2" charset="0"/>
+            </a:endParaRPr>
+          </a:p>
+        </p:txBody>
+      </p:sp>
+    </p:spTree>
+    <p:extLst>
+      <p:ext uri="{BB962C8B-B14F-4D97-AF65-F5344CB8AC3E}">
+        <p14:creationId xmlns:p14="http://schemas.microsoft.com/office/powerpoint/2010/main" val="3083301847"/>
+      </p:ext>
+    </p:extLst>
+  </p:cSld>
+  <p:clrMapOvr>
+    <a:masterClrMapping/>
+  </p:clrMapOvr>
+</p:sld>
+</file>
+
+<file path=ppt/slides/slide11.xml><?xml version="1.0" encoding="utf-8"?>
+<p:sld xmlns:a="http://schemas.openxmlformats.org/drawingml/2006/main" xmlns:r="http://schemas.openxmlformats.org/officeDocument/2006/relationships" xmlns:p="http://schemas.openxmlformats.org/presentationml/2006/main">
+  <p:cSld>
+    <p:spTree>
+      <p:nvGrpSpPr>
+        <p:cNvPr id="1" name=""/>
+        <p:cNvGrpSpPr/>
+        <p:nvPr/>
+      </p:nvGrpSpPr>
+      <p:grpSpPr>
+        <a:xfrm>
+          <a:off x="0" y="0"/>
+          <a:ext cx="0" cy="0"/>
+          <a:chOff x="0" y="0"/>
+          <a:chExt cx="0" cy="0"/>
+        </a:xfrm>
+      </p:grpSpPr>
+      <p:sp>
+        <p:nvSpPr>
+          <p:cNvPr id="2" name="标题 1">
+            <a:extLst>
+              <a:ext uri="{FF2B5EF4-FFF2-40B4-BE49-F238E27FC236}">
+                <a16:creationId xmlns:a16="http://schemas.microsoft.com/office/drawing/2014/main" id="{8B88BACC-24DE-4087-9AB3-A099CF573089}"/>
+              </a:ext>
+            </a:extLst>
+          </p:cNvPr>
+          <p:cNvSpPr>
+            <a:spLocks noGrp="1"/>
+          </p:cNvSpPr>
+          <p:nvPr>
+            <p:ph type="title"/>
+          </p:nvPr>
+        </p:nvSpPr>
+        <p:spPr/>
+        <p:txBody>
+          <a:bodyPr>
+            <a:normAutofit/>
+          </a:bodyPr>
+          <a:lstStyle/>
+          <a:p>
+            <a:r>
+              <a:rPr lang="zh-CN" altLang="en-US"/>
+              <a:t>本节课任务</a:t>
+            </a:r>
+            <a:endParaRPr lang="zh-CN" altLang="en-US" dirty="0"/>
+          </a:p>
+        </p:txBody>
+      </p:sp>
+      <p:sp>
+        <p:nvSpPr>
+          <p:cNvPr id="3" name="内容占位符 2">
+            <a:extLst>
+              <a:ext uri="{FF2B5EF4-FFF2-40B4-BE49-F238E27FC236}">
+                <a16:creationId xmlns:a16="http://schemas.microsoft.com/office/drawing/2014/main" id="{0A1C6B17-780B-4799-8193-E52FD817AC0E}"/>
+              </a:ext>
+            </a:extLst>
+          </p:cNvPr>
+          <p:cNvSpPr>
+            <a:spLocks noGrp="1"/>
+          </p:cNvSpPr>
+          <p:nvPr>
+            <p:ph idx="1"/>
+          </p:nvPr>
+        </p:nvSpPr>
+        <p:spPr/>
+        <p:txBody>
+          <a:bodyPr/>
+          <a:lstStyle/>
+          <a:p>
+            <a:r>
+              <a:rPr lang="zh-CN" altLang="en-US" sz="2400">
+                <a:latin typeface="Roboto Mono Light" pitchFamily="2" charset="0"/>
+              </a:rPr>
+              <a:t>使用</a:t>
+            </a:r>
+            <a:r>
+              <a:rPr lang="en-US" altLang="zh-CN" sz="2400">
+                <a:latin typeface="Roboto Mono Light" pitchFamily="2" charset="0"/>
+              </a:rPr>
+              <a:t>vim</a:t>
+            </a:r>
+            <a:r>
+              <a:rPr lang="zh-CN" altLang="en-US" sz="2400">
+                <a:latin typeface="Roboto Mono Light" pitchFamily="2" charset="0"/>
+              </a:rPr>
+              <a:t>创建文件</a:t>
+            </a:r>
+            <a:r>
+              <a:rPr lang="en-US" altLang="zh-CN" sz="2400">
+                <a:latin typeface="Roboto Mono Light" pitchFamily="2" charset="0"/>
+              </a:rPr>
+              <a:t>tm.sh</a:t>
+            </a:r>
+            <a:r>
+              <a:rPr lang="zh-CN" altLang="en-US" sz="2400">
+                <a:latin typeface="Roboto Mono Light" pitchFamily="2" charset="0"/>
+              </a:rPr>
+              <a:t>，并写入以下内容：</a:t>
+            </a:r>
+            <a:endParaRPr lang="en-US" altLang="zh-CN" sz="2400">
+              <a:latin typeface="Roboto Mono Light" pitchFamily="2" charset="0"/>
+            </a:endParaRPr>
+          </a:p>
+          <a:p>
+            <a:pPr marL="457200" lvl="1" indent="0">
+              <a:buNone/>
+            </a:pPr>
+            <a:r>
+              <a:rPr lang="en-US" altLang="zh-CN" sz="2000">
+                <a:latin typeface="Roboto Mono Light" pitchFamily="2" charset="0"/>
+              </a:rPr>
+              <a:t>while date ; do</a:t>
+            </a:r>
+          </a:p>
+          <a:p>
+            <a:pPr marL="457200" lvl="1" indent="0">
+              <a:buNone/>
+            </a:pPr>
+            <a:r>
+              <a:rPr lang="en-US" altLang="zh-CN" sz="2000">
+                <a:latin typeface="Roboto Mono Light" pitchFamily="2" charset="0"/>
+              </a:rPr>
+              <a:t>    sleep 1</a:t>
+            </a:r>
+          </a:p>
+          <a:p>
+            <a:pPr marL="457200" lvl="1" indent="0">
+              <a:buNone/>
+            </a:pPr>
+            <a:r>
+              <a:rPr lang="en-US" altLang="zh-CN" sz="2000">
+                <a:latin typeface="Roboto Mono Light" pitchFamily="2" charset="0"/>
+              </a:rPr>
+              <a:t>    clear</a:t>
+            </a:r>
+          </a:p>
+          <a:p>
+            <a:pPr marL="457200" lvl="1" indent="0">
+              <a:buNone/>
+            </a:pPr>
+            <a:r>
+              <a:rPr lang="en-US" altLang="zh-CN" sz="2000">
+                <a:latin typeface="Roboto Mono Light" pitchFamily="2" charset="0"/>
+              </a:rPr>
+              <a:t>done</a:t>
+            </a:r>
+          </a:p>
+          <a:p>
+            <a:r>
+              <a:rPr lang="zh-CN" altLang="en-US" sz="2400">
+                <a:latin typeface="Roboto Mono Light" pitchFamily="2" charset="0"/>
+              </a:rPr>
+              <a:t>给</a:t>
+            </a:r>
+            <a:r>
+              <a:rPr lang="en-US" altLang="zh-CN" sz="2400">
+                <a:latin typeface="Roboto Mono Light" pitchFamily="2" charset="0"/>
+              </a:rPr>
+              <a:t>tm.sh</a:t>
+            </a:r>
+            <a:r>
+              <a:rPr lang="zh-CN" altLang="en-US" sz="2400">
+                <a:latin typeface="Roboto Mono Light" pitchFamily="2" charset="0"/>
+              </a:rPr>
+              <a:t>添加可执行权限</a:t>
+            </a:r>
+            <a:endParaRPr lang="en-US" altLang="zh-CN" sz="2400">
+              <a:latin typeface="Roboto Mono Light" pitchFamily="2" charset="0"/>
+            </a:endParaRPr>
+          </a:p>
+          <a:p>
+            <a:endParaRPr lang="en-US" altLang="zh-CN" sz="2400">
+              <a:latin typeface="Roboto Mono Light" pitchFamily="2" charset="0"/>
+            </a:endParaRPr>
+          </a:p>
+          <a:p>
+            <a:r>
+              <a:rPr lang="zh-CN" altLang="en-US" sz="2400">
+                <a:latin typeface="Roboto Mono Light" pitchFamily="2" charset="0"/>
+              </a:rPr>
+              <a:t>运行</a:t>
+            </a:r>
+            <a:r>
+              <a:rPr lang="en-US" altLang="zh-CN" sz="2400">
+                <a:latin typeface="Roboto Mono Light" pitchFamily="2" charset="0"/>
+              </a:rPr>
+              <a:t>tm.sh</a:t>
+            </a:r>
+          </a:p>
+          <a:p>
+            <a:endParaRPr lang="en-US" altLang="zh-CN" sz="2400">
+              <a:latin typeface="Roboto Mono Light" pitchFamily="2" charset="0"/>
+            </a:endParaRPr>
+          </a:p>
+          <a:p>
+            <a:r>
+              <a:rPr lang="zh-CN" altLang="en-US" sz="2400">
+                <a:latin typeface="Roboto Mono Light" pitchFamily="2" charset="0"/>
+              </a:rPr>
+              <a:t>把</a:t>
+            </a:r>
+            <a:r>
+              <a:rPr lang="en-US" altLang="zh-CN" sz="2400">
+                <a:latin typeface="Roboto Mono Light" pitchFamily="2" charset="0"/>
+              </a:rPr>
+              <a:t>tm.sh</a:t>
+            </a:r>
+            <a:r>
+              <a:rPr lang="zh-CN" altLang="en-US" sz="2400">
+                <a:latin typeface="Roboto Mono Light" pitchFamily="2" charset="0"/>
+              </a:rPr>
+              <a:t>转入后台</a:t>
+            </a:r>
+            <a:endParaRPr lang="en-US" altLang="zh-CN" sz="2400">
+              <a:latin typeface="Roboto Mono Light" pitchFamily="2" charset="0"/>
+            </a:endParaRPr>
+          </a:p>
+          <a:p>
+            <a:endParaRPr lang="en-US" altLang="zh-CN" sz="2400" dirty="0">
+              <a:latin typeface="Roboto Mono Light" pitchFamily="2" charset="0"/>
+            </a:endParaRPr>
+          </a:p>
+          <a:p>
+            <a:endParaRPr lang="en-US" altLang="zh-CN" sz="2000" dirty="0">
+              <a:latin typeface="Roboto Mono Light" pitchFamily="2" charset="0"/>
+            </a:endParaRPr>
+          </a:p>
+        </p:txBody>
+      </p:sp>
+    </p:spTree>
+    <p:extLst>
+      <p:ext uri="{BB962C8B-B14F-4D97-AF65-F5344CB8AC3E}">
+        <p14:creationId xmlns:p14="http://schemas.microsoft.com/office/powerpoint/2010/main" val="2905853090"/>
       </p:ext>
     </p:extLst>
   </p:cSld>
@@ -8898,13 +9498,27 @@
               <a:rPr lang="zh-CN" altLang="en-US">
                 <a:latin typeface="Roboto Mono Light" pitchFamily="2" charset="0"/>
               </a:rPr>
-              <a:t>显示</a:t>
-            </a:r>
-            <a:r>
-              <a:rPr lang="zh-CN" altLang="en-US" dirty="0">
-                <a:latin typeface="Roboto Mono Light" pitchFamily="2" charset="0"/>
-              </a:rPr>
-              <a:t>进程树</a:t>
+              <a:t>显示进程树</a:t>
+            </a:r>
+            <a:endParaRPr lang="en-US" altLang="zh-CN">
+              <a:latin typeface="Roboto Mono Light" pitchFamily="2" charset="0"/>
+            </a:endParaRPr>
+          </a:p>
+          <a:p>
+            <a:pPr marL="457200" lvl="1" indent="0">
+              <a:buNone/>
+            </a:pPr>
+            <a:r>
+              <a:rPr lang="en-US" altLang="zh-CN">
+                <a:latin typeface="Roboto Mono Light" pitchFamily="2" charset="0"/>
+              </a:rPr>
+              <a:t>ps  -l  [PID]  </a:t>
+            </a:r>
+            <a:r>
+              <a:rPr lang="zh-CN" altLang="en-US">
+                <a:latin typeface="Roboto Mono Light" pitchFamily="2" charset="0"/>
+              </a:rPr>
+              <a:t>显示进程详细信息</a:t>
             </a:r>
             <a:endParaRPr lang="en-US" altLang="zh-CN" dirty="0">
               <a:latin typeface="Roboto Mono Light" pitchFamily="2" charset="0"/>
@@ -8956,16 +9570,11 @@
               <a:t>ps</a:t>
             </a:r>
             <a:r>
-              <a:rPr lang="zh-CN" altLang="en-US" sz="2400" dirty="0">
+              <a:rPr lang="zh-CN" altLang="en-US" sz="2400">
                 <a:latin typeface="Roboto Mono Light" pitchFamily="2" charset="0"/>
               </a:rPr>
               <a:t>手册。</a:t>
             </a:r>
-            <a:endParaRPr lang="en-US" altLang="zh-CN" sz="2400" dirty="0">
-              <a:latin typeface="Roboto Mono Light" pitchFamily="2" charset="0"/>
-            </a:endParaRPr>
-          </a:p>
-          <a:p>
             <a:endParaRPr lang="en-US" altLang="zh-CN" sz="2400" dirty="0">
               <a:latin typeface="Roboto Mono Light" pitchFamily="2" charset="0"/>
             </a:endParaRPr>
@@ -9825,7 +10434,7 @@
               <a:t> [</a:t>
             </a:r>
             <a:r>
-              <a:rPr lang="zh-CN" altLang="en-US" sz="2400" dirty="0"/>
+              <a:rPr lang="zh-CN" altLang="en-US" sz="2400" i="1" dirty="0"/>
               <a:t>后台任务编号</a:t>
             </a:r>
             <a:r>
@@ -9851,7 +10460,7 @@
               <a:t> [</a:t>
             </a:r>
             <a:r>
-              <a:rPr lang="zh-CN" altLang="en-US" sz="2400" dirty="0"/>
+              <a:rPr lang="zh-CN" altLang="en-US" sz="2400" i="1" dirty="0"/>
               <a:t>后台任务编号</a:t>
             </a:r>
             <a:r>
@@ -9914,131 +10523,198 @@
         </p:nvSpPr>
         <p:spPr/>
         <p:txBody>
+          <a:bodyPr/>
+          <a:lstStyle/>
+          <a:p>
+            <a:r>
+              <a:rPr lang="zh-CN" altLang="en-US"/>
+              <a:t>进程优先级</a:t>
+            </a:r>
+            <a:endParaRPr lang="zh-CN" altLang="en-US" dirty="0"/>
+          </a:p>
+        </p:txBody>
+      </p:sp>
+      <p:sp>
+        <p:nvSpPr>
+          <p:cNvPr id="3" name="内容占位符 2">
+            <a:extLst>
+              <a:ext uri="{FF2B5EF4-FFF2-40B4-BE49-F238E27FC236}">
+                <a16:creationId xmlns:a16="http://schemas.microsoft.com/office/drawing/2014/main" id="{0A1C6B17-780B-4799-8193-E52FD817AC0E}"/>
+              </a:ext>
+            </a:extLst>
+          </p:cNvPr>
+          <p:cNvSpPr>
+            <a:spLocks noGrp="1"/>
+          </p:cNvSpPr>
+          <p:nvPr>
+            <p:ph idx="1"/>
+          </p:nvPr>
+        </p:nvSpPr>
+        <p:spPr/>
+        <p:txBody>
           <a:bodyPr>
             <a:normAutofit/>
           </a:bodyPr>
           <a:lstStyle/>
           <a:p>
             <a:r>
-              <a:rPr lang="zh-CN" altLang="en-US"/>
-              <a:t>动态监控进程以及资源占用</a:t>
-            </a:r>
-            <a:endParaRPr lang="zh-CN" altLang="en-US" dirty="0"/>
-          </a:p>
-        </p:txBody>
-      </p:sp>
-      <p:sp>
-        <p:nvSpPr>
-          <p:cNvPr id="3" name="内容占位符 2">
-            <a:extLst>
-              <a:ext uri="{FF2B5EF4-FFF2-40B4-BE49-F238E27FC236}">
-                <a16:creationId xmlns:a16="http://schemas.microsoft.com/office/drawing/2014/main" id="{0A1C6B17-780B-4799-8193-E52FD817AC0E}"/>
-              </a:ext>
-            </a:extLst>
-          </p:cNvPr>
-          <p:cNvSpPr>
-            <a:spLocks noGrp="1"/>
-          </p:cNvSpPr>
-          <p:nvPr>
-            <p:ph idx="1"/>
-          </p:nvPr>
-        </p:nvSpPr>
-        <p:spPr/>
-        <p:txBody>
-          <a:bodyPr/>
-          <a:lstStyle/>
-          <a:p>
-            <a:r>
-              <a:rPr lang="en-US" altLang="zh-CN" sz="2400" dirty="0"/>
-              <a:t>Ubuntu</a:t>
-            </a:r>
-            <a:r>
-              <a:rPr lang="zh-CN" altLang="en-US" sz="2400" dirty="0"/>
-              <a:t>自带</a:t>
-            </a:r>
-            <a:r>
-              <a:rPr lang="en-US" altLang="zh-CN" sz="2400" dirty="0"/>
-              <a:t>top</a:t>
-            </a:r>
-            <a:r>
-              <a:rPr lang="zh-CN" altLang="en-US" sz="2400" dirty="0"/>
-              <a:t>命令动态查看</a:t>
-            </a:r>
-            <a:r>
               <a:rPr lang="zh-CN" altLang="en-US" sz="2400"/>
-              <a:t>进程。</a:t>
+              <a:t>运行</a:t>
             </a:r>
             <a:r>
               <a:rPr lang="en-US" altLang="zh-CN" sz="2400"/>
-              <a:t>htop</a:t>
+              <a:t>nice</a:t>
             </a:r>
             <a:r>
               <a:rPr lang="zh-CN" altLang="en-US" sz="2400"/>
-              <a:t>是</a:t>
+              <a:t>会显示当前</a:t>
             </a:r>
             <a:r>
               <a:rPr lang="en-US" altLang="zh-CN" sz="2400"/>
-              <a:t>top</a:t>
+              <a:t>shell</a:t>
             </a:r>
             <a:r>
               <a:rPr lang="zh-CN" altLang="en-US" sz="2400"/>
-              <a:t>的升级版。</a:t>
-            </a:r>
-            <a:endParaRPr lang="en-US" altLang="zh-CN" sz="2400" dirty="0"/>
-          </a:p>
-          <a:p>
-            <a:r>
-              <a:rPr lang="en-US" altLang="zh-CN" sz="2400" dirty="0" err="1"/>
-              <a:t>htop</a:t>
-            </a:r>
-            <a:r>
-              <a:rPr lang="zh-CN" altLang="en-US" sz="2400" dirty="0"/>
-              <a:t>需要下载安装，安装命令：</a:t>
-            </a:r>
-            <a:r>
-              <a:rPr lang="en-US" altLang="zh-CN" sz="2400" dirty="0" err="1"/>
-              <a:t>sudo</a:t>
-            </a:r>
-            <a:r>
-              <a:rPr lang="en-US" altLang="zh-CN" sz="2400" dirty="0"/>
-              <a:t> apt-get install </a:t>
-            </a:r>
-            <a:r>
-              <a:rPr lang="en-US" altLang="zh-CN" sz="2400" err="1"/>
-              <a:t>htop</a:t>
+              <a:t>的优先级。一般情况下，子进程会继承父进程的优先级。系统内核在进程运行时也会动态调整。</a:t>
+            </a:r>
+            <a:endParaRPr lang="en-US" altLang="zh-CN" sz="2400"/>
+          </a:p>
+          <a:p>
+            <a:endParaRPr lang="en-US" altLang="zh-CN" sz="2400"/>
+          </a:p>
+          <a:p>
+            <a:r>
+              <a:rPr lang="en-US" altLang="zh-CN" sz="2400"/>
+              <a:t>nice  ps </a:t>
+            </a:r>
+            <a:r>
+              <a:rPr lang="zh-CN" altLang="en-US" sz="2400"/>
+              <a:t>会在当前优先级加上一个数值（默认是</a:t>
+            </a:r>
+            <a:r>
+              <a:rPr lang="en-US" altLang="zh-CN" sz="2400"/>
+              <a:t>10</a:t>
+            </a:r>
+            <a:r>
+              <a:rPr lang="zh-CN" altLang="en-US" sz="2400"/>
+              <a:t>）运行</a:t>
+            </a:r>
+            <a:r>
+              <a:rPr lang="en-US" altLang="zh-CN" sz="2400"/>
+              <a:t>ps</a:t>
             </a:r>
             <a:r>
               <a:rPr lang="zh-CN" altLang="en-US" sz="2400"/>
               <a:t>。</a:t>
             </a:r>
+            <a:r>
+              <a:rPr lang="en-US" altLang="zh-CN" sz="2400"/>
+              <a:t>nice</a:t>
+            </a:r>
+            <a:r>
+              <a:rPr lang="zh-CN" altLang="en-US" sz="2400"/>
+              <a:t>调整数字的范围是</a:t>
+            </a:r>
+            <a:r>
+              <a:rPr lang="en-US" altLang="zh-CN" sz="2400"/>
+              <a:t>-20 ~ 19</a:t>
+            </a:r>
+            <a:r>
+              <a:rPr lang="zh-CN" altLang="en-US" sz="2400"/>
+              <a:t>。数字越小优先级越高。</a:t>
+            </a:r>
+            <a:endParaRPr lang="en-US" altLang="zh-CN" sz="2400"/>
+          </a:p>
+          <a:p>
+            <a:endParaRPr lang="en-US" altLang="zh-CN" sz="2400"/>
+          </a:p>
+          <a:p>
+            <a:r>
+              <a:rPr lang="en-US" altLang="zh-CN" sz="2400"/>
+              <a:t>renice  [VALUE]  [PID]  </a:t>
+            </a:r>
+            <a:r>
+              <a:rPr lang="zh-CN" altLang="en-US" sz="2400"/>
+              <a:t>调整进程优先级，</a:t>
+            </a:r>
+            <a:r>
+              <a:rPr lang="en-US" altLang="zh-CN" sz="2400"/>
+              <a:t>[VALUE]  </a:t>
+            </a:r>
+            <a:r>
+              <a:rPr lang="zh-CN" altLang="en-US" sz="2400"/>
+              <a:t>是一个整数，如果是负数则只有</a:t>
+            </a:r>
+            <a:r>
+              <a:rPr lang="en-US" altLang="zh-CN" sz="2400"/>
+              <a:t>root</a:t>
+            </a:r>
+            <a:r>
+              <a:rPr lang="zh-CN" altLang="en-US" sz="2400"/>
+              <a:t>权限才可以执行。</a:t>
+            </a:r>
+            <a:endParaRPr lang="en-US" altLang="zh-CN" sz="2400"/>
+          </a:p>
+          <a:p>
+            <a:endParaRPr lang="en-US" altLang="zh-CN" sz="2400"/>
+          </a:p>
+          <a:p>
+            <a:r>
+              <a:rPr lang="zh-CN" altLang="en-US" sz="2400"/>
+              <a:t>通过</a:t>
+            </a:r>
+            <a:r>
+              <a:rPr lang="en-US" altLang="zh-CN" sz="2400"/>
+              <a:t>ps</a:t>
+            </a:r>
+            <a:r>
+              <a:rPr lang="zh-CN" altLang="en-US" sz="2400"/>
+              <a:t>查询发现有一个</a:t>
+            </a:r>
+            <a:r>
+              <a:rPr lang="en-US" altLang="zh-CN" sz="2400"/>
+              <a:t>PRI</a:t>
+            </a:r>
+            <a:r>
+              <a:rPr lang="zh-CN" altLang="en-US" sz="2400"/>
+              <a:t>项，</a:t>
+            </a:r>
+            <a:r>
+              <a:rPr lang="en-US" altLang="zh-CN" sz="2400"/>
+              <a:t>PRI</a:t>
+            </a:r>
+            <a:r>
+              <a:rPr lang="zh-CN" altLang="en-US" sz="2400"/>
+              <a:t>是系统内核动态调整的优先级参数，实际的运行优先级是</a:t>
+            </a:r>
+            <a:r>
+              <a:rPr lang="en-US" altLang="zh-CN" sz="2400"/>
+              <a:t>PRI+NI</a:t>
+            </a:r>
+            <a:r>
+              <a:rPr lang="zh-CN" altLang="en-US" sz="2400"/>
+              <a:t>。</a:t>
+            </a:r>
+            <a:endParaRPr lang="en-US" altLang="zh-CN" sz="2400"/>
+          </a:p>
+          <a:p>
+            <a:pPr marL="0" indent="0">
+              <a:buNone/>
+            </a:pPr>
+            <a:endParaRPr lang="en-US" altLang="zh-CN" sz="2400"/>
+          </a:p>
+          <a:p>
+            <a:endParaRPr lang="en-US" altLang="zh-CN" sz="2400"/>
+          </a:p>
+          <a:p>
             <a:endParaRPr lang="en-US" altLang="zh-CN" sz="2400" dirty="0"/>
-          </a:p>
-          <a:p>
-            <a:endParaRPr lang="en-US" altLang="zh-CN" sz="2400"/>
-          </a:p>
-          <a:p>
-            <a:r>
-              <a:rPr lang="en-US" altLang="zh-CN" sz="2400"/>
-              <a:t>saidar</a:t>
-            </a:r>
-            <a:r>
-              <a:rPr lang="zh-CN" altLang="en-US" sz="2400"/>
-              <a:t>可以动态监控资源占用，但不显示进程的信息</a:t>
-            </a:r>
-            <a:endParaRPr lang="en-US" altLang="zh-CN" sz="2400"/>
-          </a:p>
-          <a:p>
-            <a:endParaRPr lang="en-US" altLang="zh-CN" sz="2400" dirty="0"/>
-          </a:p>
-          <a:p>
-            <a:endParaRPr lang="en-US" altLang="zh-CN" sz="2000" dirty="0"/>
           </a:p>
         </p:txBody>
       </p:sp>
     </p:spTree>
     <p:extLst>
       <p:ext uri="{BB962C8B-B14F-4D97-AF65-F5344CB8AC3E}">
-        <p14:creationId xmlns:p14="http://schemas.microsoft.com/office/powerpoint/2010/main" val="3083301847"/>
+        <p14:creationId xmlns:p14="http://schemas.microsoft.com/office/powerpoint/2010/main" val="3090083659"/>
       </p:ext>
     </p:extLst>
   </p:cSld>

--- a/materials/slides/ch09-process-managment.pptx
+++ b/materials/slides/ch09-process-managment.pptx
@@ -8093,7 +8093,18 @@
               <a:buNone/>
             </a:pPr>
             <a:r>
-              <a:rPr lang="en-US" altLang="zh-CN" sz="2000">
+              <a:rPr lang="en-US" altLang="zh-CN">
+                <a:latin typeface="Roboto Mono Light" pitchFamily="2" charset="0"/>
+              </a:rPr>
+              <a:t>#!/bin/bash</a:t>
+            </a:r>
+          </a:p>
+          <a:p>
+            <a:pPr marL="457200" lvl="1" indent="0">
+              <a:buNone/>
+            </a:pPr>
+            <a:r>
+              <a:rPr lang="en-US" altLang="zh-CN">
                 <a:latin typeface="Roboto Mono Light" pitchFamily="2" charset="0"/>
               </a:rPr>
               <a:t>while date ; do</a:t>
@@ -8104,7 +8115,7 @@
               <a:buNone/>
             </a:pPr>
             <a:r>
-              <a:rPr lang="en-US" altLang="zh-CN" sz="2000">
+              <a:rPr lang="en-US" altLang="zh-CN">
                 <a:latin typeface="Roboto Mono Light" pitchFamily="2" charset="0"/>
               </a:rPr>
               <a:t>    sleep 1</a:t>
@@ -8115,7 +8126,7 @@
               <a:buNone/>
             </a:pPr>
             <a:r>
-              <a:rPr lang="en-US" altLang="zh-CN" sz="2000">
+              <a:rPr lang="en-US" altLang="zh-CN">
                 <a:latin typeface="Roboto Mono Light" pitchFamily="2" charset="0"/>
               </a:rPr>
               <a:t>    clear</a:t>
@@ -8126,7 +8137,7 @@
               <a:buNone/>
             </a:pPr>
             <a:r>
-              <a:rPr lang="en-US" altLang="zh-CN" sz="2000">
+              <a:rPr lang="en-US" altLang="zh-CN">
                 <a:latin typeface="Roboto Mono Light" pitchFamily="2" charset="0"/>
               </a:rPr>
               <a:t>done</a:t>

--- a/materials/slides/ch09-process-managment.pptx
+++ b/materials/slides/ch09-process-managment.pptx
@@ -219,7 +219,7 @@
           <a:p>
             <a:fld id="{63DAD2C7-54B1-4174-A5D2-CBE95009A0E6}" type="datetimeFigureOut">
               <a:rPr lang="zh-CN" altLang="en-US" smtClean="0"/>
-              <a:t>2018/4/28</a:t>
+              <a:t>2018/5/4</a:t>
             </a:fld>
             <a:endParaRPr lang="zh-CN" altLang="en-US"/>
           </a:p>
@@ -893,7 +893,7 @@
           <a:p>
             <a:fld id="{02E60DA2-A0BC-48C9-AA88-75C78721B420}" type="datetimeFigureOut">
               <a:rPr lang="zh-CN" altLang="en-US" smtClean="0"/>
-              <a:t>2018/4/28</a:t>
+              <a:t>2018/5/4</a:t>
             </a:fld>
             <a:endParaRPr lang="zh-CN" altLang="en-US"/>
           </a:p>
@@ -1115,7 +1115,7 @@
           <a:p>
             <a:fld id="{02E60DA2-A0BC-48C9-AA88-75C78721B420}" type="datetimeFigureOut">
               <a:rPr lang="zh-CN" altLang="en-US" smtClean="0"/>
-              <a:t>2018/4/28</a:t>
+              <a:t>2018/5/4</a:t>
             </a:fld>
             <a:endParaRPr lang="zh-CN" altLang="en-US"/>
           </a:p>
@@ -1347,7 +1347,7 @@
           <a:p>
             <a:fld id="{02E60DA2-A0BC-48C9-AA88-75C78721B420}" type="datetimeFigureOut">
               <a:rPr lang="zh-CN" altLang="en-US" smtClean="0"/>
-              <a:t>2018/4/28</a:t>
+              <a:t>2018/5/4</a:t>
             </a:fld>
             <a:endParaRPr lang="zh-CN" altLang="en-US"/>
           </a:p>
@@ -1597,7 +1597,7 @@
           <a:p>
             <a:fld id="{02E60DA2-A0BC-48C9-AA88-75C78721B420}" type="datetimeFigureOut">
               <a:rPr lang="zh-CN" altLang="en-US" smtClean="0"/>
-              <a:t>2018/4/28</a:t>
+              <a:t>2018/5/4</a:t>
             </a:fld>
             <a:endParaRPr lang="zh-CN" altLang="en-US"/>
           </a:p>
@@ -1835,7 +1835,7 @@
           <a:p>
             <a:fld id="{02E60DA2-A0BC-48C9-AA88-75C78721B420}" type="datetimeFigureOut">
               <a:rPr lang="zh-CN" altLang="en-US" smtClean="0"/>
-              <a:t>2018/4/28</a:t>
+              <a:t>2018/5/4</a:t>
             </a:fld>
             <a:endParaRPr lang="zh-CN" altLang="en-US"/>
           </a:p>
@@ -2140,7 +2140,7 @@
           <a:p>
             <a:fld id="{02E60DA2-A0BC-48C9-AA88-75C78721B420}" type="datetimeFigureOut">
               <a:rPr lang="zh-CN" altLang="en-US" smtClean="0"/>
-              <a:t>2018/4/28</a:t>
+              <a:t>2018/5/4</a:t>
             </a:fld>
             <a:endParaRPr lang="zh-CN" altLang="en-US"/>
           </a:p>
@@ -2443,7 +2443,7 @@
           <a:p>
             <a:fld id="{02E60DA2-A0BC-48C9-AA88-75C78721B420}" type="datetimeFigureOut">
               <a:rPr lang="zh-CN" altLang="en-US" smtClean="0"/>
-              <a:t>2018/4/28</a:t>
+              <a:t>2018/5/4</a:t>
             </a:fld>
             <a:endParaRPr lang="zh-CN" altLang="en-US"/>
           </a:p>
@@ -2894,7 +2894,7 @@
           <a:p>
             <a:fld id="{02E60DA2-A0BC-48C9-AA88-75C78721B420}" type="datetimeFigureOut">
               <a:rPr lang="zh-CN" altLang="en-US" smtClean="0"/>
-              <a:t>2018/4/28</a:t>
+              <a:t>2018/5/4</a:t>
             </a:fld>
             <a:endParaRPr lang="zh-CN" altLang="en-US"/>
           </a:p>
@@ -3067,7 +3067,7 @@
           <a:p>
             <a:fld id="{02E60DA2-A0BC-48C9-AA88-75C78721B420}" type="datetimeFigureOut">
               <a:rPr lang="zh-CN" altLang="en-US" smtClean="0"/>
-              <a:t>2018/4/28</a:t>
+              <a:t>2018/5/4</a:t>
             </a:fld>
             <a:endParaRPr lang="zh-CN" altLang="en-US"/>
           </a:p>
@@ -3204,7 +3204,7 @@
           <a:p>
             <a:fld id="{02E60DA2-A0BC-48C9-AA88-75C78721B420}" type="datetimeFigureOut">
               <a:rPr lang="zh-CN" altLang="en-US" smtClean="0"/>
-              <a:t>2018/4/28</a:t>
+              <a:t>2018/5/4</a:t>
             </a:fld>
             <a:endParaRPr lang="zh-CN" altLang="en-US"/>
           </a:p>
@@ -3548,7 +3548,7 @@
           <a:p>
             <a:fld id="{02E60DA2-A0BC-48C9-AA88-75C78721B420}" type="datetimeFigureOut">
               <a:rPr lang="zh-CN" altLang="en-US" smtClean="0"/>
-              <a:t>2018/4/28</a:t>
+              <a:t>2018/5/4</a:t>
             </a:fld>
             <a:endParaRPr lang="zh-CN" altLang="en-US"/>
           </a:p>
@@ -3770,7 +3770,7 @@
           <a:p>
             <a:fld id="{02E60DA2-A0BC-48C9-AA88-75C78721B420}" type="datetimeFigureOut">
               <a:rPr lang="zh-CN" altLang="en-US" smtClean="0"/>
-              <a:t>2018/4/28</a:t>
+              <a:t>2018/5/4</a:t>
             </a:fld>
             <a:endParaRPr lang="zh-CN" altLang="en-US"/>
           </a:p>
@@ -4091,7 +4091,7 @@
           <a:p>
             <a:fld id="{02E60DA2-A0BC-48C9-AA88-75C78721B420}" type="datetimeFigureOut">
               <a:rPr lang="zh-CN" altLang="en-US" smtClean="0"/>
-              <a:t>2018/4/28</a:t>
+              <a:t>2018/5/4</a:t>
             </a:fld>
             <a:endParaRPr lang="zh-CN" altLang="en-US"/>
           </a:p>
@@ -4329,7 +4329,7 @@
           <a:p>
             <a:fld id="{02E60DA2-A0BC-48C9-AA88-75C78721B420}" type="datetimeFigureOut">
               <a:rPr lang="zh-CN" altLang="en-US" smtClean="0"/>
-              <a:t>2018/4/28</a:t>
+              <a:t>2018/5/4</a:t>
             </a:fld>
             <a:endParaRPr lang="zh-CN" altLang="en-US"/>
           </a:p>
@@ -4567,7 +4567,7 @@
           <a:p>
             <a:fld id="{02E60DA2-A0BC-48C9-AA88-75C78721B420}" type="datetimeFigureOut">
               <a:rPr lang="zh-CN" altLang="en-US" smtClean="0"/>
-              <a:t>2018/4/28</a:t>
+              <a:t>2018/5/4</a:t>
             </a:fld>
             <a:endParaRPr lang="zh-CN" altLang="en-US"/>
           </a:p>
@@ -4866,7 +4866,7 @@
           <a:p>
             <a:fld id="{02E60DA2-A0BC-48C9-AA88-75C78721B420}" type="datetimeFigureOut">
               <a:rPr lang="zh-CN" altLang="en-US" smtClean="0"/>
-              <a:t>2018/4/28</a:t>
+              <a:t>2018/5/4</a:t>
             </a:fld>
             <a:endParaRPr lang="zh-CN" altLang="en-US"/>
           </a:p>
@@ -5155,7 +5155,7 @@
           <a:p>
             <a:fld id="{02E60DA2-A0BC-48C9-AA88-75C78721B420}" type="datetimeFigureOut">
               <a:rPr lang="zh-CN" altLang="en-US" smtClean="0"/>
-              <a:t>2018/4/28</a:t>
+              <a:t>2018/5/4</a:t>
             </a:fld>
             <a:endParaRPr lang="zh-CN" altLang="en-US"/>
           </a:p>
@@ -5591,7 +5591,7 @@
           <a:p>
             <a:fld id="{02E60DA2-A0BC-48C9-AA88-75C78721B420}" type="datetimeFigureOut">
               <a:rPr lang="zh-CN" altLang="en-US" smtClean="0"/>
-              <a:t>2018/4/28</a:t>
+              <a:t>2018/5/4</a:t>
             </a:fld>
             <a:endParaRPr lang="zh-CN" altLang="en-US"/>
           </a:p>
@@ -5756,7 +5756,7 @@
           <a:p>
             <a:fld id="{02E60DA2-A0BC-48C9-AA88-75C78721B420}" type="datetimeFigureOut">
               <a:rPr lang="zh-CN" altLang="en-US" smtClean="0"/>
-              <a:t>2018/4/28</a:t>
+              <a:t>2018/5/4</a:t>
             </a:fld>
             <a:endParaRPr lang="zh-CN" altLang="en-US"/>
           </a:p>
@@ -5893,7 +5893,7 @@
           <a:p>
             <a:fld id="{02E60DA2-A0BC-48C9-AA88-75C78721B420}" type="datetimeFigureOut">
               <a:rPr lang="zh-CN" altLang="en-US" smtClean="0"/>
-              <a:t>2018/4/28</a:t>
+              <a:t>2018/5/4</a:t>
             </a:fld>
             <a:endParaRPr lang="zh-CN" altLang="en-US"/>
           </a:p>
@@ -6228,7 +6228,7 @@
           <a:p>
             <a:fld id="{02E60DA2-A0BC-48C9-AA88-75C78721B420}" type="datetimeFigureOut">
               <a:rPr lang="zh-CN" altLang="en-US" smtClean="0"/>
-              <a:t>2018/4/28</a:t>
+              <a:t>2018/5/4</a:t>
             </a:fld>
             <a:endParaRPr lang="zh-CN" altLang="en-US"/>
           </a:p>
@@ -6540,7 +6540,7 @@
           <a:p>
             <a:fld id="{02E60DA2-A0BC-48C9-AA88-75C78721B420}" type="datetimeFigureOut">
               <a:rPr lang="zh-CN" altLang="en-US" smtClean="0"/>
-              <a:t>2018/4/28</a:t>
+              <a:t>2018/5/4</a:t>
             </a:fld>
             <a:endParaRPr lang="zh-CN" altLang="en-US"/>
           </a:p>
@@ -7804,34 +7804,28 @@
               <a:rPr lang="zh-CN" altLang="en-US" sz="2400" dirty="0">
                 <a:latin typeface="Roboto Mono Light" pitchFamily="2" charset="0"/>
               </a:rPr>
-              <a:t>命令动态查看</a:t>
-            </a:r>
-            <a:r>
-              <a:rPr lang="zh-CN" altLang="en-US" sz="2400">
-                <a:latin typeface="Roboto Mono Light" pitchFamily="2" charset="0"/>
-              </a:rPr>
-              <a:t>进程。</a:t>
-            </a:r>
-            <a:r>
-              <a:rPr lang="en-US" altLang="zh-CN" sz="2400">
+              <a:t>命令动态查看进程。</a:t>
+            </a:r>
+            <a:r>
+              <a:rPr lang="en-US" altLang="zh-CN" sz="2400" dirty="0" err="1">
                 <a:latin typeface="Roboto Mono Light" pitchFamily="2" charset="0"/>
               </a:rPr>
               <a:t>htop</a:t>
             </a:r>
             <a:r>
-              <a:rPr lang="zh-CN" altLang="en-US" sz="2400">
+              <a:rPr lang="zh-CN" altLang="en-US" sz="2400" dirty="0">
                 <a:latin typeface="Roboto Mono Light" pitchFamily="2" charset="0"/>
               </a:rPr>
               <a:t>是</a:t>
             </a:r>
             <a:r>
-              <a:rPr lang="en-US" altLang="zh-CN" sz="2400">
+              <a:rPr lang="en-US" altLang="zh-CN" sz="2400" dirty="0">
                 <a:latin typeface="Roboto Mono Light" pitchFamily="2" charset="0"/>
               </a:rPr>
               <a:t>top</a:t>
             </a:r>
             <a:r>
-              <a:rPr lang="zh-CN" altLang="en-US" sz="2400">
+              <a:rPr lang="zh-CN" altLang="en-US" sz="2400" dirty="0">
                 <a:latin typeface="Roboto Mono Light" pitchFamily="2" charset="0"/>
               </a:rPr>
               <a:t>的升级版。</a:t>
@@ -7863,16 +7857,16 @@
               <a:rPr lang="en-US" altLang="zh-CN" sz="2400" dirty="0">
                 <a:latin typeface="Roboto Mono Light" pitchFamily="2" charset="0"/>
               </a:rPr>
-              <a:t> apt-get </a:t>
-            </a:r>
-            <a:r>
-              <a:rPr lang="en-US" altLang="zh-CN" sz="2400">
-                <a:latin typeface="Roboto Mono Light" pitchFamily="2" charset="0"/>
-              </a:rPr>
-              <a:t>install htop</a:t>
-            </a:r>
-            <a:r>
-              <a:rPr lang="zh-CN" altLang="en-US" sz="2400">
+              <a:t> apt-get install </a:t>
+            </a:r>
+            <a:r>
+              <a:rPr lang="en-US" altLang="zh-CN" sz="2400" dirty="0" err="1">
+                <a:latin typeface="Roboto Mono Light" pitchFamily="2" charset="0"/>
+              </a:rPr>
+              <a:t>htop</a:t>
+            </a:r>
+            <a:r>
+              <a:rPr lang="zh-CN" altLang="en-US" sz="2400" dirty="0">
                 <a:latin typeface="Roboto Mono Light" pitchFamily="2" charset="0"/>
               </a:rPr>
               <a:t>。</a:t>
@@ -7882,81 +7876,125 @@
             </a:endParaRPr>
           </a:p>
           <a:p>
-            <a:endParaRPr lang="en-US" altLang="zh-CN" sz="2400">
+            <a:endParaRPr lang="en-US" altLang="zh-CN" sz="2400" dirty="0">
               <a:latin typeface="Roboto Mono Light" pitchFamily="2" charset="0"/>
             </a:endParaRPr>
           </a:p>
           <a:p>
             <a:r>
-              <a:rPr lang="en-US" altLang="zh-CN" sz="2400">
+              <a:rPr lang="en-US" altLang="zh-CN" sz="2400" dirty="0" err="1">
                 <a:latin typeface="Roboto Mono Light" pitchFamily="2" charset="0"/>
               </a:rPr>
               <a:t>saidar</a:t>
             </a:r>
             <a:r>
-              <a:rPr lang="zh-CN" altLang="en-US" sz="2400">
+              <a:rPr lang="zh-CN" altLang="en-US" sz="2400" dirty="0">
                 <a:latin typeface="Roboto Mono Light" pitchFamily="2" charset="0"/>
               </a:rPr>
               <a:t>可以动态监控资源占用，但不显示进程的信息。</a:t>
             </a:r>
             <a:r>
-              <a:rPr lang="en-US" altLang="zh-CN" sz="2400">
+              <a:rPr lang="en-US" altLang="zh-CN" sz="2400" dirty="0" err="1">
                 <a:latin typeface="Roboto Mono Light" pitchFamily="2" charset="0"/>
               </a:rPr>
               <a:t>pstree</a:t>
             </a:r>
             <a:r>
-              <a:rPr lang="zh-CN" altLang="en-US" sz="2400">
+              <a:rPr lang="zh-CN" altLang="en-US" sz="2400" dirty="0">
                 <a:latin typeface="Roboto Mono Light" pitchFamily="2" charset="0"/>
               </a:rPr>
               <a:t>树形结构显示进程信息。</a:t>
             </a:r>
-            <a:endParaRPr lang="en-US" altLang="zh-CN" sz="2400">
+            <a:endParaRPr lang="en-US" altLang="zh-CN" sz="2400" dirty="0">
               <a:latin typeface="Roboto Mono Light" pitchFamily="2" charset="0"/>
             </a:endParaRPr>
           </a:p>
           <a:p>
             <a:r>
-              <a:rPr lang="en-US" altLang="zh-CN" sz="2400">
-                <a:latin typeface="Roboto Mono Light" pitchFamily="2" charset="0"/>
-              </a:rPr>
-              <a:t>sudo apt install saidar pstree</a:t>
-            </a:r>
-          </a:p>
-          <a:p>
-            <a:r>
-              <a:rPr lang="en-US" altLang="zh-CN" sz="2400">
+              <a:rPr lang="en-US" altLang="zh-CN" sz="2400" dirty="0" err="1">
+                <a:latin typeface="Roboto Mono Light" pitchFamily="2" charset="0"/>
+              </a:rPr>
+              <a:t>sudo</a:t>
+            </a:r>
+            <a:r>
+              <a:rPr lang="en-US" altLang="zh-CN" sz="2400" dirty="0">
+                <a:latin typeface="Roboto Mono Light" pitchFamily="2" charset="0"/>
+              </a:rPr>
+              <a:t> apt install </a:t>
+            </a:r>
+            <a:r>
+              <a:rPr lang="en-US" altLang="zh-CN" sz="2400" dirty="0" err="1">
+                <a:latin typeface="Roboto Mono Light" pitchFamily="2" charset="0"/>
+              </a:rPr>
+              <a:t>saidar</a:t>
+            </a:r>
+            <a:endParaRPr lang="en-US" altLang="zh-CN" sz="2400" dirty="0">
+              <a:latin typeface="Roboto Mono Light" pitchFamily="2" charset="0"/>
+            </a:endParaRPr>
+          </a:p>
+          <a:p>
+            <a:r>
+              <a:rPr lang="en-US" altLang="zh-CN" sz="2400" dirty="0" err="1">
+                <a:latin typeface="Roboto Mono Light" pitchFamily="2" charset="0"/>
+              </a:rPr>
+              <a:t>saidar</a:t>
+            </a:r>
+            <a:r>
+              <a:rPr lang="zh-CN" altLang="en-US" sz="2400" dirty="0">
+                <a:latin typeface="Roboto Mono Light" pitchFamily="2" charset="0"/>
+              </a:rPr>
+              <a:t>：直接运行即可。</a:t>
+            </a:r>
+            <a:endParaRPr lang="en-US" altLang="zh-CN" sz="2400" dirty="0">
+              <a:latin typeface="Roboto Mono Light" pitchFamily="2" charset="0"/>
+            </a:endParaRPr>
+          </a:p>
+          <a:p>
+            <a:r>
+              <a:rPr lang="en-US" altLang="zh-CN" sz="2400" dirty="0" err="1">
                 <a:latin typeface="Roboto Mono Light" pitchFamily="2" charset="0"/>
               </a:rPr>
               <a:t>pstree</a:t>
             </a:r>
             <a:r>
-              <a:rPr lang="zh-CN" altLang="en-US" sz="2400">
+              <a:rPr lang="zh-CN" altLang="en-US" sz="2400" dirty="0">
                 <a:latin typeface="Roboto Mono Light" pitchFamily="2" charset="0"/>
               </a:rPr>
               <a:t>使用： </a:t>
             </a:r>
             <a:r>
-              <a:rPr lang="en-US" altLang="zh-CN" sz="2400">
-                <a:latin typeface="Roboto Mono Light" pitchFamily="2" charset="0"/>
-              </a:rPr>
-              <a:t>pstree –p  //</a:t>
-            </a:r>
-            <a:r>
-              <a:rPr lang="zh-CN" altLang="en-US" sz="2400">
+              <a:rPr lang="en-US" altLang="zh-CN" sz="2400" dirty="0" err="1">
+                <a:latin typeface="Roboto Mono Light" pitchFamily="2" charset="0"/>
+              </a:rPr>
+              <a:t>pstree</a:t>
+            </a:r>
+            <a:r>
+              <a:rPr lang="en-US" altLang="zh-CN" sz="2400" dirty="0">
+                <a:latin typeface="Roboto Mono Light" pitchFamily="2" charset="0"/>
+              </a:rPr>
+              <a:t> –p  </a:t>
+            </a:r>
+            <a:r>
+              <a:rPr lang="en-US" altLang="zh-CN" sz="2000" i="1" dirty="0">
+                <a:latin typeface="Roboto Mono Light" pitchFamily="2" charset="0"/>
+              </a:rPr>
+              <a:t>//</a:t>
+            </a:r>
+            <a:r>
+              <a:rPr lang="zh-CN" altLang="en-US" sz="2000" i="1" dirty="0">
                 <a:latin typeface="Roboto Mono Light" pitchFamily="2" charset="0"/>
               </a:rPr>
               <a:t>显示进程</a:t>
             </a:r>
             <a:r>
-              <a:rPr lang="en-US" altLang="zh-CN" sz="2400">
+              <a:rPr lang="en-US" altLang="zh-CN" sz="2000" i="1" dirty="0">
                 <a:latin typeface="Roboto Mono Light" pitchFamily="2" charset="0"/>
               </a:rPr>
               <a:t>ID</a:t>
             </a:r>
           </a:p>
           <a:p>
-            <a:endParaRPr lang="en-US" altLang="zh-CN" sz="2400">
+            <a:endParaRPr lang="en-US" altLang="zh-CN" sz="2400" dirty="0">
               <a:latin typeface="Roboto Mono Light" pitchFamily="2" charset="0"/>
             </a:endParaRPr>
           </a:p>
@@ -8055,36 +8093,36 @@
           <a:lstStyle/>
           <a:p>
             <a:r>
-              <a:rPr lang="zh-CN" altLang="en-US" sz="2400">
+              <a:rPr lang="zh-CN" altLang="en-US" sz="2400" dirty="0">
                 <a:latin typeface="Roboto Mono Light" pitchFamily="2" charset="0"/>
               </a:rPr>
               <a:t>使用</a:t>
             </a:r>
             <a:r>
-              <a:rPr lang="en-US" altLang="zh-CN" sz="2400">
+              <a:rPr lang="en-US" altLang="zh-CN" sz="2400" dirty="0">
                 <a:latin typeface="Roboto Mono Light" pitchFamily="2" charset="0"/>
               </a:rPr>
               <a:t>vim</a:t>
             </a:r>
             <a:r>
-              <a:rPr lang="zh-CN" altLang="en-US" sz="2400">
+              <a:rPr lang="zh-CN" altLang="en-US" sz="2400" dirty="0">
                 <a:latin typeface="Roboto Mono Light" pitchFamily="2" charset="0"/>
               </a:rPr>
               <a:t>创建文件</a:t>
             </a:r>
             <a:r>
-              <a:rPr lang="en-US" altLang="zh-CN" sz="2400">
+              <a:rPr lang="en-US" altLang="zh-CN" sz="2400" dirty="0">
                 <a:latin typeface="Roboto Mono Light" pitchFamily="2" charset="0"/>
               </a:rPr>
               <a:t>tm.sh</a:t>
             </a:r>
             <a:r>
-              <a:rPr lang="zh-CN" altLang="en-US" sz="2400">
+              <a:rPr lang="zh-CN" altLang="en-US" sz="2400" dirty="0">
                 <a:latin typeface="Roboto Mono Light" pitchFamily="2" charset="0"/>
               </a:rPr>
               <a:t>，并写入以下内容：</a:t>
             </a:r>
-            <a:endParaRPr lang="en-US" altLang="zh-CN" sz="2400">
+            <a:endParaRPr lang="en-US" altLang="zh-CN" sz="2400" dirty="0">
               <a:latin typeface="Roboto Mono Light" pitchFamily="2" charset="0"/>
             </a:endParaRPr>
           </a:p>
@@ -8093,7 +8131,7 @@
               <a:buNone/>
             </a:pPr>
             <a:r>
-              <a:rPr lang="en-US" altLang="zh-CN">
+              <a:rPr lang="en-US" altLang="zh-CN" dirty="0">
                 <a:latin typeface="Roboto Mono Light" pitchFamily="2" charset="0"/>
               </a:rPr>
               <a:t>#!/bin/bash</a:t>
@@ -8104,7 +8142,7 @@
               <a:buNone/>
             </a:pPr>
             <a:r>
-              <a:rPr lang="en-US" altLang="zh-CN">
+              <a:rPr lang="en-US" altLang="zh-CN" dirty="0">
                 <a:latin typeface="Roboto Mono Light" pitchFamily="2" charset="0"/>
               </a:rPr>
               <a:t>while date ; do</a:t>
@@ -8115,7 +8153,7 @@
               <a:buNone/>
             </a:pPr>
             <a:r>
-              <a:rPr lang="en-US" altLang="zh-CN">
+              <a:rPr lang="en-US" altLang="zh-CN" dirty="0">
                 <a:latin typeface="Roboto Mono Light" pitchFamily="2" charset="0"/>
               </a:rPr>
               <a:t>    sleep 1</a:t>
@@ -8126,7 +8164,7 @@
               <a:buNone/>
             </a:pPr>
             <a:r>
-              <a:rPr lang="en-US" altLang="zh-CN">
+              <a:rPr lang="en-US" altLang="zh-CN" dirty="0">
                 <a:latin typeface="Roboto Mono Light" pitchFamily="2" charset="0"/>
               </a:rPr>
               <a:t>    clear</a:t>
@@ -8137,7 +8175,7 @@
               <a:buNone/>
             </a:pPr>
             <a:r>
-              <a:rPr lang="en-US" altLang="zh-CN">
+              <a:rPr lang="en-US" altLang="zh-CN" dirty="0">
                 <a:latin typeface="Roboto Mono Light" pitchFamily="2" charset="0"/>
               </a:rPr>
               <a:t>done</a:t>
@@ -8145,71 +8183,71 @@
           </a:p>
           <a:p>
             <a:r>
-              <a:rPr lang="zh-CN" altLang="en-US" sz="2400">
+              <a:rPr lang="zh-CN" altLang="en-US" sz="2400" dirty="0">
                 <a:latin typeface="Roboto Mono Light" pitchFamily="2" charset="0"/>
               </a:rPr>
               <a:t>给</a:t>
             </a:r>
             <a:r>
-              <a:rPr lang="en-US" altLang="zh-CN" sz="2400">
+              <a:rPr lang="en-US" altLang="zh-CN" sz="2400" dirty="0">
                 <a:latin typeface="Roboto Mono Light" pitchFamily="2" charset="0"/>
               </a:rPr>
               <a:t>tm.sh</a:t>
             </a:r>
             <a:r>
-              <a:rPr lang="zh-CN" altLang="en-US" sz="2400">
+              <a:rPr lang="zh-CN" altLang="en-US" sz="2400" dirty="0">
                 <a:latin typeface="Roboto Mono Light" pitchFamily="2" charset="0"/>
               </a:rPr>
               <a:t>添加可执行权限</a:t>
             </a:r>
-            <a:endParaRPr lang="en-US" altLang="zh-CN" sz="2400">
+            <a:endParaRPr lang="en-US" altLang="zh-CN" sz="2400" dirty="0">
               <a:latin typeface="Roboto Mono Light" pitchFamily="2" charset="0"/>
             </a:endParaRPr>
           </a:p>
           <a:p>
-            <a:endParaRPr lang="en-US" altLang="zh-CN" sz="2400">
+            <a:endParaRPr lang="en-US" altLang="zh-CN" sz="2400" dirty="0">
               <a:latin typeface="Roboto Mono Light" pitchFamily="2" charset="0"/>
             </a:endParaRPr>
           </a:p>
           <a:p>
             <a:r>
-              <a:rPr lang="zh-CN" altLang="en-US" sz="2400">
+              <a:rPr lang="zh-CN" altLang="en-US" sz="2400" dirty="0">
                 <a:latin typeface="Roboto Mono Light" pitchFamily="2" charset="0"/>
               </a:rPr>
               <a:t>运行</a:t>
             </a:r>
             <a:r>
-              <a:rPr lang="en-US" altLang="zh-CN" sz="2400">
+              <a:rPr lang="en-US" altLang="zh-CN" sz="2400" dirty="0">
                 <a:latin typeface="Roboto Mono Light" pitchFamily="2" charset="0"/>
               </a:rPr>
               <a:t>tm.sh</a:t>
             </a:r>
           </a:p>
           <a:p>
-            <a:endParaRPr lang="en-US" altLang="zh-CN" sz="2400">
+            <a:endParaRPr lang="en-US" altLang="zh-CN" sz="2400" dirty="0">
               <a:latin typeface="Roboto Mono Light" pitchFamily="2" charset="0"/>
             </a:endParaRPr>
           </a:p>
           <a:p>
             <a:r>
-              <a:rPr lang="zh-CN" altLang="en-US" sz="2400">
+              <a:rPr lang="zh-CN" altLang="en-US" sz="2400" dirty="0">
                 <a:latin typeface="Roboto Mono Light" pitchFamily="2" charset="0"/>
               </a:rPr>
               <a:t>把</a:t>
             </a:r>
             <a:r>
-              <a:rPr lang="en-US" altLang="zh-CN" sz="2400">
+              <a:rPr lang="en-US" altLang="zh-CN" sz="2400" dirty="0">
                 <a:latin typeface="Roboto Mono Light" pitchFamily="2" charset="0"/>
               </a:rPr>
               <a:t>tm.sh</a:t>
             </a:r>
             <a:r>
-              <a:rPr lang="zh-CN" altLang="en-US" sz="2400">
+              <a:rPr lang="zh-CN" altLang="en-US" sz="2400" dirty="0">
                 <a:latin typeface="Roboto Mono Light" pitchFamily="2" charset="0"/>
               </a:rPr>
               <a:t>转入后台</a:t>
             </a:r>
-            <a:endParaRPr lang="en-US" altLang="zh-CN" sz="2400">
+            <a:endParaRPr lang="en-US" altLang="zh-CN" sz="2400" dirty="0">
               <a:latin typeface="Roboto Mono Light" pitchFamily="2" charset="0"/>
             </a:endParaRPr>
           </a:p>
@@ -10454,7 +10492,19 @@
             </a:r>
             <a:r>
               <a:rPr lang="zh-CN" altLang="en-US" sz="2400" dirty="0"/>
-              <a:t>可以使任务在后台继续执行。</a:t>
+              <a:t>可以使任务</a:t>
+            </a:r>
+            <a:r>
+              <a:rPr lang="zh-CN" altLang="en-US" sz="2400" dirty="0">
+                <a:solidFill>
+                  <a:srgbClr val="C00000"/>
+                </a:solidFill>
+              </a:rPr>
+              <a:t>在后台继续执行</a:t>
+            </a:r>
+            <a:r>
+              <a:rPr lang="zh-CN" altLang="en-US" sz="2400" dirty="0"/>
+              <a:t>。</a:t>
             </a:r>
             <a:endParaRPr lang="en-US" altLang="zh-CN" sz="2400" dirty="0"/>
           </a:p>
@@ -10591,9 +10641,6 @@
             <a:endParaRPr lang="en-US" altLang="zh-CN" sz="2400"/>
           </a:p>
           <a:p>
-            <a:endParaRPr lang="en-US" altLang="zh-CN" sz="2400"/>
-          </a:p>
-          <a:p>
             <a:r>
               <a:rPr lang="en-US" altLang="zh-CN" sz="2400"/>
               <a:t>nice  ps </a:t>
@@ -10634,7 +10681,7 @@
               <a:rPr lang="zh-CN" altLang="en-US" sz="2400"/>
               <a:t>。数字越小优先级越高。</a:t>
             </a:r>
-            <a:endParaRPr lang="en-US" altLang="zh-CN" sz="2400"/>
+            <a:endParaRPr lang="en-US" altLang="zh-CN" sz="2000"/>
           </a:p>
           <a:p>
             <a:endParaRPr lang="en-US" altLang="zh-CN" sz="2400"/>
@@ -10704,7 +10751,39 @@
             </a:r>
             <a:r>
               <a:rPr lang="zh-CN" altLang="en-US" sz="2400"/>
-              <a:t>。</a:t>
+              <a:t>。当设置</a:t>
+            </a:r>
+            <a:r>
+              <a:rPr lang="en-US" altLang="zh-CN" sz="2400"/>
+              <a:t>NI</a:t>
+            </a:r>
+            <a:r>
+              <a:rPr lang="zh-CN" altLang="en-US" sz="2400"/>
+              <a:t>的值，会把</a:t>
+            </a:r>
+            <a:r>
+              <a:rPr lang="en-US" altLang="zh-CN" sz="2400"/>
+              <a:t>NI</a:t>
+            </a:r>
+            <a:r>
+              <a:rPr lang="zh-CN" altLang="en-US" sz="2400"/>
+              <a:t>值和旧的</a:t>
+            </a:r>
+            <a:r>
+              <a:rPr lang="en-US" altLang="zh-CN" sz="2400"/>
+              <a:t>PRI</a:t>
+            </a:r>
+            <a:r>
+              <a:rPr lang="zh-CN" altLang="en-US" sz="2400"/>
+              <a:t>值相加并把结果作为新的</a:t>
+            </a:r>
+            <a:r>
+              <a:rPr lang="en-US" altLang="zh-CN" sz="2400"/>
+              <a:t>PRI</a:t>
+            </a:r>
+            <a:r>
+              <a:rPr lang="zh-CN" altLang="en-US" sz="2400"/>
+              <a:t>值。</a:t>
             </a:r>
             <a:endParaRPr lang="en-US" altLang="zh-CN" sz="2400"/>
           </a:p>
